--- a/Презентация.pptx
+++ b/Презентация.pptx
@@ -13,27 +13,29 @@
     <p:sldMasterId id="2147483664" r:id="rId10"/>
     <p:sldMasterId id="2147483666" r:id="rId11"/>
     <p:sldMasterId id="2147483668" r:id="rId12"/>
-    <p:sldMasterId id="2147483671" r:id="rId13"/>
-    <p:sldMasterId id="2147483673" r:id="rId14"/>
-    <p:sldMasterId id="2147483675" r:id="rId15"/>
-    <p:sldMasterId id="2147483677" r:id="rId16"/>
-    <p:sldMasterId id="2147483679" r:id="rId17"/>
-    <p:sldMasterId id="2147483681" r:id="rId18"/>
+    <p:sldMasterId id="2147483670" r:id="rId13"/>
+    <p:sldMasterId id="2147483672" r:id="rId14"/>
+    <p:sldMasterId id="2147483674" r:id="rId15"/>
+    <p:sldMasterId id="2147483676" r:id="rId16"/>
+    <p:sldMasterId id="2147483678" r:id="rId17"/>
+    <p:sldMasterId id="2147483680" r:id="rId18"/>
+    <p:sldMasterId id="2147483682" r:id="rId19"/>
   </p:sldMasterIdLst>
   <p:notesMasterIdLst>
-    <p:notesMasterId r:id="rId19"/>
+    <p:notesMasterId r:id="rId20"/>
   </p:notesMasterIdLst>
   <p:sldIdLst>
-    <p:sldId id="256" r:id="rId20"/>
-    <p:sldId id="257" r:id="rId21"/>
-    <p:sldId id="258" r:id="rId22"/>
-    <p:sldId id="259" r:id="rId23"/>
-    <p:sldId id="260" r:id="rId24"/>
-    <p:sldId id="261" r:id="rId25"/>
-    <p:sldId id="262" r:id="rId26"/>
-    <p:sldId id="263" r:id="rId27"/>
-    <p:sldId id="264" r:id="rId28"/>
-    <p:sldId id="265" r:id="rId29"/>
+    <p:sldId id="256" r:id="rId21"/>
+    <p:sldId id="257" r:id="rId22"/>
+    <p:sldId id="258" r:id="rId23"/>
+    <p:sldId id="259" r:id="rId24"/>
+    <p:sldId id="260" r:id="rId25"/>
+    <p:sldId id="261" r:id="rId26"/>
+    <p:sldId id="262" r:id="rId27"/>
+    <p:sldId id="263" r:id="rId28"/>
+    <p:sldId id="264" r:id="rId29"/>
+    <p:sldId id="265" r:id="rId30"/>
+    <p:sldId id="266" r:id="rId31"/>
   </p:sldIdLst>
   <p:sldSz cx="12192000" cy="6858000"/>
   <p:notesSz cx="6858000" cy="9144000"/>
@@ -59,7 +61,7 @@
       </p:grpSpPr>
       <p:sp>
         <p:nvSpPr>
-          <p:cNvPr id="93" name="PlaceHolder 1"/>
+          <p:cNvPr id="99" name="PlaceHolder 1"/>
           <p:cNvSpPr>
             <a:spLocks noGrp="1"/>
           </p:cNvSpPr>
@@ -106,7 +108,7 @@
       </p:sp>
       <p:sp>
         <p:nvSpPr>
-          <p:cNvPr id="94" name="PlaceHolder 2"/>
+          <p:cNvPr id="100" name="PlaceHolder 2"/>
           <p:cNvSpPr>
             <a:spLocks noGrp="1"/>
           </p:cNvSpPr>
@@ -155,7 +157,7 @@
       </p:sp>
       <p:sp>
         <p:nvSpPr>
-          <p:cNvPr id="95" name="PlaceHolder 3"/>
+          <p:cNvPr id="101" name="PlaceHolder 3"/>
           <p:cNvSpPr>
             <a:spLocks noGrp="1"/>
           </p:cNvSpPr>
@@ -204,12 +206,12 @@
       </p:sp>
       <p:sp>
         <p:nvSpPr>
-          <p:cNvPr id="96" name="PlaceHolder 4"/>
+          <p:cNvPr id="102" name="PlaceHolder 4"/>
           <p:cNvSpPr>
             <a:spLocks noGrp="1"/>
           </p:cNvSpPr>
           <p:nvPr>
-            <p:ph type="dt" idx="27"/>
+            <p:ph type="dt" idx="29"/>
           </p:nvPr>
         </p:nvSpPr>
         <p:spPr>
@@ -264,12 +266,12 @@
       </p:sp>
       <p:sp>
         <p:nvSpPr>
-          <p:cNvPr id="97" name="PlaceHolder 5"/>
+          <p:cNvPr id="103" name="PlaceHolder 5"/>
           <p:cNvSpPr>
             <a:spLocks noGrp="1"/>
           </p:cNvSpPr>
           <p:nvPr>
-            <p:ph type="ftr" idx="28"/>
+            <p:ph type="ftr" idx="30"/>
           </p:nvPr>
         </p:nvSpPr>
         <p:spPr>
@@ -324,12 +326,12 @@
       </p:sp>
       <p:sp>
         <p:nvSpPr>
-          <p:cNvPr id="98" name="PlaceHolder 6"/>
+          <p:cNvPr id="104" name="PlaceHolder 6"/>
           <p:cNvSpPr>
             <a:spLocks noGrp="1"/>
           </p:cNvSpPr>
           <p:nvPr>
-            <p:ph type="sldNum" idx="29"/>
+            <p:ph type="sldNum" idx="31"/>
           </p:nvPr>
         </p:nvSpPr>
         <p:spPr>
@@ -364,7 +366,7 @@
             <a:pPr indent="0" algn="r">
               <a:buNone/>
             </a:pPr>
-            <a:fld id="{5770658B-0BB1-41B0-B52C-30589E1691FD}" type="slidenum">
+            <a:fld id="{27E4E142-0BE8-4B6D-B2F9-1ABBA9268B0E}" type="slidenum">
               <a:rPr b="0" lang="ru-RU" sz="1400" spc="-1" strike="noStrike">
                 <a:solidFill>
                   <a:srgbClr val="000000"/>
@@ -407,7 +409,7 @@
       </p:grpSpPr>
       <p:sp>
         <p:nvSpPr>
-          <p:cNvPr id="139" name="PlaceHolder 1"/>
+          <p:cNvPr id="149" name="PlaceHolder 1"/>
           <p:cNvSpPr>
             <a:spLocks noGrp="1"/>
           </p:cNvSpPr>
@@ -418,7 +420,7 @@
         <p:spPr>
           <a:xfrm>
             <a:off x="685800" y="1143000"/>
-            <a:ext cx="5485680" cy="3085560"/>
+            <a:ext cx="5485320" cy="3085200"/>
           </a:xfrm>
           <a:prstGeom prst="rect">
             <a:avLst/>
@@ -430,7 +432,7 @@
       </p:sp>
       <p:sp>
         <p:nvSpPr>
-          <p:cNvPr id="140" name="PlaceHolder 2"/>
+          <p:cNvPr id="150" name="PlaceHolder 2"/>
           <p:cNvSpPr>
             <a:spLocks noGrp="1"/>
           </p:cNvSpPr>
@@ -441,7 +443,7 @@
         <p:spPr>
           <a:xfrm>
             <a:off x="685800" y="4400640"/>
-            <a:ext cx="5485680" cy="3599640"/>
+            <a:ext cx="5485320" cy="3599280"/>
           </a:xfrm>
           <a:prstGeom prst="rect">
             <a:avLst/>
@@ -470,18 +472,18 @@
       </p:sp>
       <p:sp>
         <p:nvSpPr>
-          <p:cNvPr id="141" name="PlaceHolder 3"/>
+          <p:cNvPr id="151" name="PlaceHolder 3"/>
           <p:cNvSpPr>
             <a:spLocks noGrp="1"/>
           </p:cNvSpPr>
           <p:nvPr>
-            <p:ph type="sldNum" idx="30"/>
+            <p:ph type="sldNum" idx="32"/>
           </p:nvPr>
         </p:nvSpPr>
         <p:spPr>
           <a:xfrm>
             <a:off x="3884760" y="8685360"/>
-            <a:ext cx="2971080" cy="457920"/>
+            <a:ext cx="2970720" cy="457560"/>
           </a:xfrm>
           <a:prstGeom prst="rect">
             <a:avLst/>
@@ -522,14 +524,14 @@
                 <a:tab algn="l" pos="0"/>
               </a:tabLst>
             </a:pPr>
-            <a:fld id="{8E6C714A-10F1-4A1C-B6CB-D74A88824942}" type="slidenum">
+            <a:fld id="{FDCB8E52-6334-45B1-9A6D-E6CDE1655654}" type="slidenum">
               <a:rPr b="0" lang="ru-RU" sz="1200" spc="-1" strike="noStrike">
                 <a:solidFill>
                   <a:srgbClr val="000000"/>
                 </a:solidFill>
                 <a:latin typeface="Times New Roman"/>
               </a:rPr>
-              <a:t>9</a:t>
+              <a:t>&lt;номер&gt;</a:t>
             </a:fld>
             <a:endParaRPr b="0" lang="ru-RU" sz="1200" spc="-1" strike="noStrike">
               <a:solidFill>
@@ -564,7 +566,7 @@
       </p:grpSpPr>
       <p:sp>
         <p:nvSpPr>
-          <p:cNvPr id="166" name="PlaceHolder 1"/>
+          <p:cNvPr id="176" name="PlaceHolder 1"/>
           <p:cNvSpPr>
             <a:spLocks noGrp="1"/>
           </p:cNvSpPr>
@@ -575,7 +577,7 @@
         <p:spPr>
           <a:xfrm>
             <a:off x="685800" y="1143000"/>
-            <a:ext cx="5485680" cy="3085560"/>
+            <a:ext cx="5485320" cy="3085200"/>
           </a:xfrm>
           <a:prstGeom prst="rect">
             <a:avLst/>
@@ -587,7 +589,7 @@
       </p:sp>
       <p:sp>
         <p:nvSpPr>
-          <p:cNvPr id="167" name="PlaceHolder 2"/>
+          <p:cNvPr id="177" name="PlaceHolder 2"/>
           <p:cNvSpPr>
             <a:spLocks noGrp="1"/>
           </p:cNvSpPr>
@@ -598,7 +600,7 @@
         <p:spPr>
           <a:xfrm>
             <a:off x="685800" y="4400640"/>
-            <a:ext cx="5485680" cy="3599640"/>
+            <a:ext cx="5485320" cy="3599280"/>
           </a:xfrm>
           <a:prstGeom prst="rect">
             <a:avLst/>
@@ -627,18 +629,18 @@
       </p:sp>
       <p:sp>
         <p:nvSpPr>
-          <p:cNvPr id="168" name="PlaceHolder 3"/>
+          <p:cNvPr id="178" name="PlaceHolder 3"/>
           <p:cNvSpPr>
             <a:spLocks noGrp="1"/>
           </p:cNvSpPr>
           <p:nvPr>
-            <p:ph type="sldNum" idx="39"/>
+            <p:ph type="sldNum" idx="41"/>
           </p:nvPr>
         </p:nvSpPr>
         <p:spPr>
           <a:xfrm>
             <a:off x="3884760" y="8685360"/>
-            <a:ext cx="2971080" cy="457920"/>
+            <a:ext cx="2970720" cy="457560"/>
           </a:xfrm>
           <a:prstGeom prst="rect">
             <a:avLst/>
@@ -679,7 +681,164 @@
                 <a:tab algn="l" pos="0"/>
               </a:tabLst>
             </a:pPr>
-            <a:fld id="{D413B8C5-6790-4640-A876-4C736162A33A}" type="slidenum">
+            <a:fld id="{A5AF3F58-2F71-4953-8242-7595BF22973D}" type="slidenum">
+              <a:rPr b="0" lang="ru-RU" sz="1200" spc="-1" strike="noStrike">
+                <a:solidFill>
+                  <a:srgbClr val="000000"/>
+                </a:solidFill>
+                <a:latin typeface="Times New Roman"/>
+              </a:rPr>
+              <a:t>&lt;номер&gt;</a:t>
+            </a:fld>
+            <a:endParaRPr b="0" lang="ru-RU" sz="1200" spc="-1" strike="noStrike">
+              <a:solidFill>
+                <a:srgbClr val="000000"/>
+              </a:solidFill>
+              <a:latin typeface="Times New Roman"/>
+            </a:endParaRPr>
+          </a:p>
+        </p:txBody>
+      </p:sp>
+    </p:spTree>
+  </p:cSld>
+</p:notes>
+</file>
+
+<file path=ppt/notesSlides/notesSlide11.xml><?xml version="1.0" encoding="utf-8"?>
+<p:notes xmlns:a="http://schemas.openxmlformats.org/drawingml/2006/main" xmlns:p="http://schemas.openxmlformats.org/presentationml/2006/main" xmlns:r="http://schemas.openxmlformats.org/officeDocument/2006/relationships" xmlns:p14="http://schemas.microsoft.com/office/powerpoint/2010/main" xmlns:p15="http://schemas.microsoft.com/office/powerpoint/2012/main" xmlns:mc="http://schemas.openxmlformats.org/markup-compatibility/2006">
+  <p:cSld>
+    <p:spTree>
+      <p:nvGrpSpPr>
+        <p:cNvPr id="1" name=""/>
+        <p:cNvGrpSpPr/>
+        <p:nvPr/>
+      </p:nvGrpSpPr>
+      <p:grpSpPr>
+        <a:xfrm>
+          <a:off x="0" y="0"/>
+          <a:ext cx="0" cy="0"/>
+          <a:chOff x="0" y="0"/>
+          <a:chExt cx="0" cy="0"/>
+        </a:xfrm>
+      </p:grpSpPr>
+      <p:sp>
+        <p:nvSpPr>
+          <p:cNvPr id="179" name="PlaceHolder 1"/>
+          <p:cNvSpPr>
+            <a:spLocks noGrp="1"/>
+          </p:cNvSpPr>
+          <p:nvPr>
+            <p:ph type="sldImg"/>
+          </p:nvPr>
+        </p:nvSpPr>
+        <p:spPr>
+          <a:xfrm>
+            <a:off x="685800" y="1143000"/>
+            <a:ext cx="5485320" cy="3085200"/>
+          </a:xfrm>
+          <a:prstGeom prst="rect">
+            <a:avLst/>
+          </a:prstGeom>
+          <a:ln w="0">
+            <a:noFill/>
+          </a:ln>
+        </p:spPr>
+      </p:sp>
+      <p:sp>
+        <p:nvSpPr>
+          <p:cNvPr id="180" name="PlaceHolder 2"/>
+          <p:cNvSpPr>
+            <a:spLocks noGrp="1"/>
+          </p:cNvSpPr>
+          <p:nvPr>
+            <p:ph type="body"/>
+          </p:nvPr>
+        </p:nvSpPr>
+        <p:spPr>
+          <a:xfrm>
+            <a:off x="685800" y="4400640"/>
+            <a:ext cx="5485320" cy="3599280"/>
+          </a:xfrm>
+          <a:prstGeom prst="rect">
+            <a:avLst/>
+          </a:prstGeom>
+          <a:noFill/>
+          <a:ln w="0">
+            <a:noFill/>
+          </a:ln>
+        </p:spPr>
+        <p:txBody>
+          <a:bodyPr lIns="91440" rIns="91440" tIns="45720" bIns="45720" anchor="t">
+            <a:noAutofit/>
+          </a:bodyPr>
+          <a:p>
+            <a:pPr marL="216000" indent="-216000">
+              <a:buNone/>
+            </a:pPr>
+            <a:endParaRPr b="0" lang="ru-RU" sz="1800" spc="-1" strike="noStrike">
+              <a:solidFill>
+                <a:srgbClr val="000000"/>
+              </a:solidFill>
+              <a:latin typeface="Arial"/>
+            </a:endParaRPr>
+          </a:p>
+        </p:txBody>
+      </p:sp>
+      <p:sp>
+        <p:nvSpPr>
+          <p:cNvPr id="181" name="PlaceHolder 3"/>
+          <p:cNvSpPr>
+            <a:spLocks noGrp="1"/>
+          </p:cNvSpPr>
+          <p:nvPr>
+            <p:ph type="sldNum" idx="42"/>
+          </p:nvPr>
+        </p:nvSpPr>
+        <p:spPr>
+          <a:xfrm>
+            <a:off x="3884760" y="8685360"/>
+            <a:ext cx="2970720" cy="457560"/>
+          </a:xfrm>
+          <a:prstGeom prst="rect">
+            <a:avLst/>
+          </a:prstGeom>
+          <a:noFill/>
+          <a:ln w="0">
+            <a:noFill/>
+          </a:ln>
+        </p:spPr>
+        <p:txBody>
+          <a:bodyPr lIns="91440" rIns="91440" tIns="45720" bIns="45720" anchor="b">
+            <a:noAutofit/>
+          </a:bodyPr>
+          <a:lstStyle>
+            <a:lvl1pPr indent="0" algn="r">
+              <a:lnSpc>
+                <a:spcPct val="100000"/>
+              </a:lnSpc>
+              <a:buNone/>
+              <a:tabLst>
+                <a:tab algn="l" pos="0"/>
+              </a:tabLst>
+              <a:defRPr b="0" lang="ru-RU" sz="1200" spc="-1" strike="noStrike">
+                <a:solidFill>
+                  <a:srgbClr val="000000"/>
+                </a:solidFill>
+                <a:latin typeface="Times New Roman"/>
+              </a:defRPr>
+            </a:lvl1pPr>
+          </a:lstStyle>
+          <a:p>
+            <a:pPr indent="0" algn="r">
+              <a:lnSpc>
+                <a:spcPct val="100000"/>
+              </a:lnSpc>
+              <a:buNone/>
+              <a:tabLst>
+                <a:tab algn="l" pos="0"/>
+              </a:tabLst>
+            </a:pPr>
+            <a:fld id="{9E7FBD58-5606-41C3-809C-366FCA6BE76A}" type="slidenum">
               <a:rPr b="0" lang="ru-RU" sz="1200" spc="-1" strike="noStrike">
                 <a:solidFill>
                   <a:srgbClr val="000000"/>
@@ -721,7 +880,7 @@
       </p:grpSpPr>
       <p:sp>
         <p:nvSpPr>
-          <p:cNvPr id="142" name="PlaceHolder 1"/>
+          <p:cNvPr id="152" name="PlaceHolder 1"/>
           <p:cNvSpPr>
             <a:spLocks noGrp="1"/>
           </p:cNvSpPr>
@@ -732,7 +891,7 @@
         <p:spPr>
           <a:xfrm>
             <a:off x="685800" y="1143000"/>
-            <a:ext cx="5485680" cy="3085560"/>
+            <a:ext cx="5485320" cy="3085200"/>
           </a:xfrm>
           <a:prstGeom prst="rect">
             <a:avLst/>
@@ -744,7 +903,7 @@
       </p:sp>
       <p:sp>
         <p:nvSpPr>
-          <p:cNvPr id="143" name="PlaceHolder 2"/>
+          <p:cNvPr id="153" name="PlaceHolder 2"/>
           <p:cNvSpPr>
             <a:spLocks noGrp="1"/>
           </p:cNvSpPr>
@@ -755,7 +914,7 @@
         <p:spPr>
           <a:xfrm>
             <a:off x="685800" y="4400640"/>
-            <a:ext cx="5485680" cy="3599640"/>
+            <a:ext cx="5485320" cy="3599280"/>
           </a:xfrm>
           <a:prstGeom prst="rect">
             <a:avLst/>
@@ -784,18 +943,18 @@
       </p:sp>
       <p:sp>
         <p:nvSpPr>
-          <p:cNvPr id="144" name="PlaceHolder 3"/>
+          <p:cNvPr id="154" name="PlaceHolder 3"/>
           <p:cNvSpPr>
             <a:spLocks noGrp="1"/>
           </p:cNvSpPr>
           <p:nvPr>
-            <p:ph type="sldNum" idx="31"/>
+            <p:ph type="sldNum" idx="33"/>
           </p:nvPr>
         </p:nvSpPr>
         <p:spPr>
           <a:xfrm>
             <a:off x="3884760" y="8685360"/>
-            <a:ext cx="2971080" cy="457920"/>
+            <a:ext cx="2970720" cy="457560"/>
           </a:xfrm>
           <a:prstGeom prst="rect">
             <a:avLst/>
@@ -836,14 +995,14 @@
                 <a:tab algn="l" pos="0"/>
               </a:tabLst>
             </a:pPr>
-            <a:fld id="{21FF880E-E99C-4AE3-BA81-BB3FFC7D7335}" type="slidenum">
+            <a:fld id="{97E735A7-B810-4D63-9EDC-8D662A56B99A}" type="slidenum">
               <a:rPr b="0" lang="ru-RU" sz="1200" spc="-1" strike="noStrike">
                 <a:solidFill>
                   <a:srgbClr val="000000"/>
                 </a:solidFill>
                 <a:latin typeface="Times New Roman"/>
               </a:rPr>
-              <a:t>9</a:t>
+              <a:t>&lt;номер&gt;</a:t>
             </a:fld>
             <a:endParaRPr b="0" lang="ru-RU" sz="1200" spc="-1" strike="noStrike">
               <a:solidFill>
@@ -878,7 +1037,7 @@
       </p:grpSpPr>
       <p:sp>
         <p:nvSpPr>
-          <p:cNvPr id="145" name="PlaceHolder 1"/>
+          <p:cNvPr id="155" name="PlaceHolder 1"/>
           <p:cNvSpPr>
             <a:spLocks noGrp="1"/>
           </p:cNvSpPr>
@@ -889,7 +1048,7 @@
         <p:spPr>
           <a:xfrm>
             <a:off x="685800" y="1143000"/>
-            <a:ext cx="5485680" cy="3085560"/>
+            <a:ext cx="5485320" cy="3085200"/>
           </a:xfrm>
           <a:prstGeom prst="rect">
             <a:avLst/>
@@ -901,7 +1060,7 @@
       </p:sp>
       <p:sp>
         <p:nvSpPr>
-          <p:cNvPr id="146" name="PlaceHolder 2"/>
+          <p:cNvPr id="156" name="PlaceHolder 2"/>
           <p:cNvSpPr>
             <a:spLocks noGrp="1"/>
           </p:cNvSpPr>
@@ -912,7 +1071,7 @@
         <p:spPr>
           <a:xfrm>
             <a:off x="685800" y="4400640"/>
-            <a:ext cx="5485680" cy="3599640"/>
+            <a:ext cx="5485320" cy="3599280"/>
           </a:xfrm>
           <a:prstGeom prst="rect">
             <a:avLst/>
@@ -941,18 +1100,18 @@
       </p:sp>
       <p:sp>
         <p:nvSpPr>
-          <p:cNvPr id="147" name="PlaceHolder 3"/>
+          <p:cNvPr id="157" name="PlaceHolder 3"/>
           <p:cNvSpPr>
             <a:spLocks noGrp="1"/>
           </p:cNvSpPr>
           <p:nvPr>
-            <p:ph type="sldNum" idx="32"/>
+            <p:ph type="sldNum" idx="34"/>
           </p:nvPr>
         </p:nvSpPr>
         <p:spPr>
           <a:xfrm>
             <a:off x="3884760" y="8685360"/>
-            <a:ext cx="2971080" cy="457920"/>
+            <a:ext cx="2970720" cy="457560"/>
           </a:xfrm>
           <a:prstGeom prst="rect">
             <a:avLst/>
@@ -993,14 +1152,14 @@
                 <a:tab algn="l" pos="0"/>
               </a:tabLst>
             </a:pPr>
-            <a:fld id="{16B396F3-AA61-448D-BCF4-B877594A359C}" type="slidenum">
+            <a:fld id="{88D58A4B-7685-4900-9AC9-D87B320D5618}" type="slidenum">
               <a:rPr b="0" lang="ru-RU" sz="1200" spc="-1" strike="noStrike">
                 <a:solidFill>
                   <a:srgbClr val="000000"/>
                 </a:solidFill>
                 <a:latin typeface="Times New Roman"/>
               </a:rPr>
-              <a:t>9</a:t>
+              <a:t>&lt;номер&gt;</a:t>
             </a:fld>
             <a:endParaRPr b="0" lang="ru-RU" sz="1200" spc="-1" strike="noStrike">
               <a:solidFill>
@@ -1035,7 +1194,7 @@
       </p:grpSpPr>
       <p:sp>
         <p:nvSpPr>
-          <p:cNvPr id="148" name="PlaceHolder 1"/>
+          <p:cNvPr id="158" name="PlaceHolder 1"/>
           <p:cNvSpPr>
             <a:spLocks noGrp="1"/>
           </p:cNvSpPr>
@@ -1046,7 +1205,7 @@
         <p:spPr>
           <a:xfrm>
             <a:off x="685800" y="1143000"/>
-            <a:ext cx="5485680" cy="3085560"/>
+            <a:ext cx="5485320" cy="3085200"/>
           </a:xfrm>
           <a:prstGeom prst="rect">
             <a:avLst/>
@@ -1058,7 +1217,7 @@
       </p:sp>
       <p:sp>
         <p:nvSpPr>
-          <p:cNvPr id="149" name="PlaceHolder 2"/>
+          <p:cNvPr id="159" name="PlaceHolder 2"/>
           <p:cNvSpPr>
             <a:spLocks noGrp="1"/>
           </p:cNvSpPr>
@@ -1069,7 +1228,7 @@
         <p:spPr>
           <a:xfrm>
             <a:off x="685800" y="4400640"/>
-            <a:ext cx="5485680" cy="3599640"/>
+            <a:ext cx="5485320" cy="3599280"/>
           </a:xfrm>
           <a:prstGeom prst="rect">
             <a:avLst/>
@@ -1098,18 +1257,18 @@
       </p:sp>
       <p:sp>
         <p:nvSpPr>
-          <p:cNvPr id="150" name="PlaceHolder 3"/>
+          <p:cNvPr id="160" name="PlaceHolder 3"/>
           <p:cNvSpPr>
             <a:spLocks noGrp="1"/>
           </p:cNvSpPr>
           <p:nvPr>
-            <p:ph type="sldNum" idx="33"/>
+            <p:ph type="sldNum" idx="35"/>
           </p:nvPr>
         </p:nvSpPr>
         <p:spPr>
           <a:xfrm>
             <a:off x="3884760" y="8685360"/>
-            <a:ext cx="2971080" cy="457920"/>
+            <a:ext cx="2970720" cy="457560"/>
           </a:xfrm>
           <a:prstGeom prst="rect">
             <a:avLst/>
@@ -1150,14 +1309,14 @@
                 <a:tab algn="l" pos="0"/>
               </a:tabLst>
             </a:pPr>
-            <a:fld id="{2748BDDE-7677-4EC0-BD91-8C5472F04490}" type="slidenum">
+            <a:fld id="{406FEE04-956E-4C12-A36E-3ADD76B2C71A}" type="slidenum">
               <a:rPr b="0" lang="ru-RU" sz="1200" spc="-1" strike="noStrike">
                 <a:solidFill>
                   <a:srgbClr val="000000"/>
                 </a:solidFill>
                 <a:latin typeface="Times New Roman"/>
               </a:rPr>
-              <a:t>9</a:t>
+              <a:t>&lt;номер&gt;</a:t>
             </a:fld>
             <a:endParaRPr b="0" lang="ru-RU" sz="1200" spc="-1" strike="noStrike">
               <a:solidFill>
@@ -1192,7 +1351,7 @@
       </p:grpSpPr>
       <p:sp>
         <p:nvSpPr>
-          <p:cNvPr id="151" name="PlaceHolder 1"/>
+          <p:cNvPr id="161" name="PlaceHolder 1"/>
           <p:cNvSpPr>
             <a:spLocks noGrp="1"/>
           </p:cNvSpPr>
@@ -1203,7 +1362,7 @@
         <p:spPr>
           <a:xfrm>
             <a:off x="685800" y="1143000"/>
-            <a:ext cx="5485680" cy="3085560"/>
+            <a:ext cx="5485320" cy="3085200"/>
           </a:xfrm>
           <a:prstGeom prst="rect">
             <a:avLst/>
@@ -1215,7 +1374,7 @@
       </p:sp>
       <p:sp>
         <p:nvSpPr>
-          <p:cNvPr id="152" name="PlaceHolder 2"/>
+          <p:cNvPr id="162" name="PlaceHolder 2"/>
           <p:cNvSpPr>
             <a:spLocks noGrp="1"/>
           </p:cNvSpPr>
@@ -1226,7 +1385,7 @@
         <p:spPr>
           <a:xfrm>
             <a:off x="685800" y="4400640"/>
-            <a:ext cx="5485680" cy="3599640"/>
+            <a:ext cx="5485320" cy="3599280"/>
           </a:xfrm>
           <a:prstGeom prst="rect">
             <a:avLst/>
@@ -1255,18 +1414,18 @@
       </p:sp>
       <p:sp>
         <p:nvSpPr>
-          <p:cNvPr id="153" name="PlaceHolder 3"/>
+          <p:cNvPr id="163" name="PlaceHolder 3"/>
           <p:cNvSpPr>
             <a:spLocks noGrp="1"/>
           </p:cNvSpPr>
           <p:nvPr>
-            <p:ph type="sldNum" idx="34"/>
+            <p:ph type="sldNum" idx="36"/>
           </p:nvPr>
         </p:nvSpPr>
         <p:spPr>
           <a:xfrm>
             <a:off x="3884760" y="8685360"/>
-            <a:ext cx="2971080" cy="457920"/>
+            <a:ext cx="2970720" cy="457560"/>
           </a:xfrm>
           <a:prstGeom prst="rect">
             <a:avLst/>
@@ -1307,7 +1466,7 @@
                 <a:tab algn="l" pos="0"/>
               </a:tabLst>
             </a:pPr>
-            <a:fld id="{B4081FE4-2550-47CE-B655-A95C2DB70DCB}" type="slidenum">
+            <a:fld id="{2AE33125-207D-4201-A21A-27D32C7613E2}" type="slidenum">
               <a:rPr b="0" lang="ru-RU" sz="1200" spc="-1" strike="noStrike">
                 <a:solidFill>
                   <a:srgbClr val="000000"/>
@@ -1349,7 +1508,7 @@
       </p:grpSpPr>
       <p:sp>
         <p:nvSpPr>
-          <p:cNvPr id="154" name="PlaceHolder 1"/>
+          <p:cNvPr id="164" name="PlaceHolder 1"/>
           <p:cNvSpPr>
             <a:spLocks noGrp="1"/>
           </p:cNvSpPr>
@@ -1360,7 +1519,7 @@
         <p:spPr>
           <a:xfrm>
             <a:off x="685800" y="1143000"/>
-            <a:ext cx="5485680" cy="3085560"/>
+            <a:ext cx="5485320" cy="3085200"/>
           </a:xfrm>
           <a:prstGeom prst="rect">
             <a:avLst/>
@@ -1372,7 +1531,7 @@
       </p:sp>
       <p:sp>
         <p:nvSpPr>
-          <p:cNvPr id="155" name="PlaceHolder 2"/>
+          <p:cNvPr id="165" name="PlaceHolder 2"/>
           <p:cNvSpPr>
             <a:spLocks noGrp="1"/>
           </p:cNvSpPr>
@@ -1383,7 +1542,7 @@
         <p:spPr>
           <a:xfrm>
             <a:off x="685800" y="4400640"/>
-            <a:ext cx="5485680" cy="3599640"/>
+            <a:ext cx="5485320" cy="3599280"/>
           </a:xfrm>
           <a:prstGeom prst="rect">
             <a:avLst/>
@@ -1412,18 +1571,18 @@
       </p:sp>
       <p:sp>
         <p:nvSpPr>
-          <p:cNvPr id="156" name="PlaceHolder 3"/>
+          <p:cNvPr id="166" name="PlaceHolder 3"/>
           <p:cNvSpPr>
             <a:spLocks noGrp="1"/>
           </p:cNvSpPr>
           <p:nvPr>
-            <p:ph type="sldNum" idx="35"/>
+            <p:ph type="sldNum" idx="37"/>
           </p:nvPr>
         </p:nvSpPr>
         <p:spPr>
           <a:xfrm>
             <a:off x="3884760" y="8685360"/>
-            <a:ext cx="2971080" cy="457920"/>
+            <a:ext cx="2970720" cy="457560"/>
           </a:xfrm>
           <a:prstGeom prst="rect">
             <a:avLst/>
@@ -1464,7 +1623,7 @@
                 <a:tab algn="l" pos="0"/>
               </a:tabLst>
             </a:pPr>
-            <a:fld id="{794DDEBE-5E8B-4B0C-8BC2-F01BA9CE45EC}" type="slidenum">
+            <a:fld id="{01991B74-3202-4450-ABAD-210B5D2A53B2}" type="slidenum">
               <a:rPr b="0" lang="ru-RU" sz="1200" spc="-1" strike="noStrike">
                 <a:solidFill>
                   <a:srgbClr val="000000"/>
@@ -1506,7 +1665,7 @@
       </p:grpSpPr>
       <p:sp>
         <p:nvSpPr>
-          <p:cNvPr id="157" name="PlaceHolder 1"/>
+          <p:cNvPr id="167" name="PlaceHolder 1"/>
           <p:cNvSpPr>
             <a:spLocks noGrp="1"/>
           </p:cNvSpPr>
@@ -1517,7 +1676,7 @@
         <p:spPr>
           <a:xfrm>
             <a:off x="685800" y="1143000"/>
-            <a:ext cx="5485680" cy="3085560"/>
+            <a:ext cx="5485320" cy="3085200"/>
           </a:xfrm>
           <a:prstGeom prst="rect">
             <a:avLst/>
@@ -1529,7 +1688,7 @@
       </p:sp>
       <p:sp>
         <p:nvSpPr>
-          <p:cNvPr id="158" name="PlaceHolder 2"/>
+          <p:cNvPr id="168" name="PlaceHolder 2"/>
           <p:cNvSpPr>
             <a:spLocks noGrp="1"/>
           </p:cNvSpPr>
@@ -1540,7 +1699,7 @@
         <p:spPr>
           <a:xfrm>
             <a:off x="685800" y="4400640"/>
-            <a:ext cx="5485680" cy="3599640"/>
+            <a:ext cx="5485320" cy="3599280"/>
           </a:xfrm>
           <a:prstGeom prst="rect">
             <a:avLst/>
@@ -1569,18 +1728,18 @@
       </p:sp>
       <p:sp>
         <p:nvSpPr>
-          <p:cNvPr id="159" name="PlaceHolder 3"/>
+          <p:cNvPr id="169" name="PlaceHolder 3"/>
           <p:cNvSpPr>
             <a:spLocks noGrp="1"/>
           </p:cNvSpPr>
           <p:nvPr>
-            <p:ph type="sldNum" idx="36"/>
+            <p:ph type="sldNum" idx="38"/>
           </p:nvPr>
         </p:nvSpPr>
         <p:spPr>
           <a:xfrm>
             <a:off x="3884760" y="8685360"/>
-            <a:ext cx="2971080" cy="457920"/>
+            <a:ext cx="2970720" cy="457560"/>
           </a:xfrm>
           <a:prstGeom prst="rect">
             <a:avLst/>
@@ -1621,7 +1780,7 @@
                 <a:tab algn="l" pos="0"/>
               </a:tabLst>
             </a:pPr>
-            <a:fld id="{7DEFBF73-F377-4AE4-811E-52173B24796D}" type="slidenum">
+            <a:fld id="{CCF4A5A2-1BB0-4BAA-9CA6-B279DFD8188B}" type="slidenum">
               <a:rPr b="0" lang="ru-RU" sz="1200" spc="-1" strike="noStrike">
                 <a:solidFill>
                   <a:srgbClr val="000000"/>
@@ -1663,7 +1822,7 @@
       </p:grpSpPr>
       <p:sp>
         <p:nvSpPr>
-          <p:cNvPr id="160" name="PlaceHolder 1"/>
+          <p:cNvPr id="170" name="PlaceHolder 1"/>
           <p:cNvSpPr>
             <a:spLocks noGrp="1"/>
           </p:cNvSpPr>
@@ -1674,7 +1833,7 @@
         <p:spPr>
           <a:xfrm>
             <a:off x="685800" y="1143000"/>
-            <a:ext cx="5485680" cy="3085560"/>
+            <a:ext cx="5485320" cy="3085200"/>
           </a:xfrm>
           <a:prstGeom prst="rect">
             <a:avLst/>
@@ -1686,7 +1845,7 @@
       </p:sp>
       <p:sp>
         <p:nvSpPr>
-          <p:cNvPr id="161" name="PlaceHolder 2"/>
+          <p:cNvPr id="171" name="PlaceHolder 2"/>
           <p:cNvSpPr>
             <a:spLocks noGrp="1"/>
           </p:cNvSpPr>
@@ -1697,7 +1856,7 @@
         <p:spPr>
           <a:xfrm>
             <a:off x="685800" y="4400640"/>
-            <a:ext cx="5485680" cy="3599640"/>
+            <a:ext cx="5485320" cy="3599280"/>
           </a:xfrm>
           <a:prstGeom prst="rect">
             <a:avLst/>
@@ -1726,18 +1885,18 @@
       </p:sp>
       <p:sp>
         <p:nvSpPr>
-          <p:cNvPr id="162" name="PlaceHolder 3"/>
+          <p:cNvPr id="172" name="PlaceHolder 3"/>
           <p:cNvSpPr>
             <a:spLocks noGrp="1"/>
           </p:cNvSpPr>
           <p:nvPr>
-            <p:ph type="sldNum" idx="37"/>
+            <p:ph type="sldNum" idx="39"/>
           </p:nvPr>
         </p:nvSpPr>
         <p:spPr>
           <a:xfrm>
             <a:off x="3884760" y="8685360"/>
-            <a:ext cx="2971080" cy="457920"/>
+            <a:ext cx="2970720" cy="457560"/>
           </a:xfrm>
           <a:prstGeom prst="rect">
             <a:avLst/>
@@ -1778,7 +1937,7 @@
                 <a:tab algn="l" pos="0"/>
               </a:tabLst>
             </a:pPr>
-            <a:fld id="{0E2100DC-BBAC-4D2A-815B-F8507EF6DB55}" type="slidenum">
+            <a:fld id="{B8C58D9C-705A-45AD-B7DC-564EB3919BBC}" type="slidenum">
               <a:rPr b="0" lang="ru-RU" sz="1200" spc="-1" strike="noStrike">
                 <a:solidFill>
                   <a:srgbClr val="000000"/>
@@ -1820,7 +1979,7 @@
       </p:grpSpPr>
       <p:sp>
         <p:nvSpPr>
-          <p:cNvPr id="163" name="PlaceHolder 1"/>
+          <p:cNvPr id="173" name="PlaceHolder 1"/>
           <p:cNvSpPr>
             <a:spLocks noGrp="1"/>
           </p:cNvSpPr>
@@ -1831,7 +1990,7 @@
         <p:spPr>
           <a:xfrm>
             <a:off x="685800" y="1143000"/>
-            <a:ext cx="5485680" cy="3085560"/>
+            <a:ext cx="5485320" cy="3085200"/>
           </a:xfrm>
           <a:prstGeom prst="rect">
             <a:avLst/>
@@ -1843,7 +2002,7 @@
       </p:sp>
       <p:sp>
         <p:nvSpPr>
-          <p:cNvPr id="164" name="PlaceHolder 2"/>
+          <p:cNvPr id="174" name="PlaceHolder 2"/>
           <p:cNvSpPr>
             <a:spLocks noGrp="1"/>
           </p:cNvSpPr>
@@ -1854,7 +2013,7 @@
         <p:spPr>
           <a:xfrm>
             <a:off x="685800" y="4400640"/>
-            <a:ext cx="5485680" cy="3599640"/>
+            <a:ext cx="5485320" cy="3599280"/>
           </a:xfrm>
           <a:prstGeom prst="rect">
             <a:avLst/>
@@ -1883,18 +2042,18 @@
       </p:sp>
       <p:sp>
         <p:nvSpPr>
-          <p:cNvPr id="165" name="PlaceHolder 3"/>
+          <p:cNvPr id="175" name="PlaceHolder 3"/>
           <p:cNvSpPr>
             <a:spLocks noGrp="1"/>
           </p:cNvSpPr>
           <p:nvPr>
-            <p:ph type="sldNum" idx="38"/>
+            <p:ph type="sldNum" idx="40"/>
           </p:nvPr>
         </p:nvSpPr>
         <p:spPr>
           <a:xfrm>
             <a:off x="3884760" y="8685360"/>
-            <a:ext cx="2971080" cy="457920"/>
+            <a:ext cx="2970720" cy="457560"/>
           </a:xfrm>
           <a:prstGeom prst="rect">
             <a:avLst/>
@@ -1935,7 +2094,7 @@
                 <a:tab algn="l" pos="0"/>
               </a:tabLst>
             </a:pPr>
-            <a:fld id="{DAE03FBF-875E-4924-945D-DE836D068CA1}" type="slidenum">
+            <a:fld id="{2E83F639-0986-4B95-8898-54E3568EF652}" type="slidenum">
               <a:rPr b="0" lang="ru-RU" sz="1200" spc="-1" strike="noStrike">
                 <a:solidFill>
                   <a:srgbClr val="000000"/>
@@ -2032,7 +2191,7 @@
         <p:spPr>
           <a:xfrm>
             <a:off x="4267080" y="815040"/>
-            <a:ext cx="4178880" cy="3125160"/>
+            <a:ext cx="4178520" cy="3125160"/>
           </a:xfrm>
           <a:prstGeom prst="rect">
             <a:avLst/>
@@ -2093,7 +2252,7 @@
         <p:txBody>
           <a:bodyPr/>
           <a:p>
-            <a:fld id="{36B8067C-F85C-4C39-A3A1-39405AC642DA}" type="slidenum">
+            <a:fld id="{6771E9A6-7C13-4ACE-A7D6-98DB920F6005}" type="slidenum">
               <a:t>&lt;#&gt;</a:t>
             </a:fld>
           </a:p>
@@ -2105,151 +2264,6 @@
 </file>
 
 <file path=ppt/slideLayouts/slideLayout12.xml><?xml version="1.0" encoding="utf-8"?>
-<p:sldLayout xmlns:a="http://schemas.openxmlformats.org/drawingml/2006/main" xmlns:p="http://schemas.openxmlformats.org/presentationml/2006/main" xmlns:r="http://schemas.openxmlformats.org/officeDocument/2006/relationships" xmlns:p14="http://schemas.microsoft.com/office/powerpoint/2010/main" xmlns:p15="http://schemas.microsoft.com/office/powerpoint/2012/main" xmlns:mc="http://schemas.openxmlformats.org/markup-compatibility/2006" type="dgm" preserve="1">
-  <p:cSld name="Вступление">
-    <p:spTree>
-      <p:nvGrpSpPr>
-        <p:cNvPr id="1" name=""/>
-        <p:cNvGrpSpPr/>
-        <p:nvPr/>
-      </p:nvGrpSpPr>
-      <p:grpSpPr>
-        <a:xfrm>
-          <a:off x="0" y="0"/>
-          <a:ext cx="0" cy="0"/>
-          <a:chOff x="0" y="0"/>
-          <a:chExt cx="0" cy="0"/>
-        </a:xfrm>
-      </p:grpSpPr>
-      <p:sp>
-        <p:nvSpPr>
-          <p:cNvPr id="60" name="PlaceHolder 1"/>
-          <p:cNvSpPr>
-            <a:spLocks noGrp="1"/>
-          </p:cNvSpPr>
-          <p:nvPr>
-            <p:ph type="title"/>
-          </p:nvPr>
-        </p:nvSpPr>
-        <p:spPr>
-          <a:xfrm>
-            <a:off x="4267080" y="815040"/>
-            <a:ext cx="4178880" cy="3125160"/>
-          </a:xfrm>
-          <a:prstGeom prst="rect">
-            <a:avLst/>
-          </a:prstGeom>
-          <a:noFill/>
-          <a:ln w="0">
-            <a:noFill/>
-          </a:ln>
-        </p:spPr>
-        <p:txBody>
-          <a:bodyPr lIns="0" rIns="0" tIns="0" bIns="0" anchor="ctr">
-            <a:noAutofit/>
-          </a:bodyPr>
-          <a:p>
-            <a:pPr indent="0" algn="ctr">
-              <a:buNone/>
-            </a:pPr>
-            <a:endParaRPr b="0" lang="ru-RU" sz="4400" spc="-1" strike="noStrike">
-              <a:solidFill>
-                <a:srgbClr val="000000"/>
-              </a:solidFill>
-              <a:latin typeface="Arial"/>
-            </a:endParaRPr>
-          </a:p>
-        </p:txBody>
-      </p:sp>
-      <p:sp>
-        <p:nvSpPr>
-          <p:cNvPr id="61" name="PlaceHolder 2"/>
-          <p:cNvSpPr>
-            <a:spLocks noGrp="1"/>
-          </p:cNvSpPr>
-          <p:nvPr>
-            <p:ph/>
-          </p:nvPr>
-        </p:nvSpPr>
-        <p:spPr>
-          <a:xfrm>
-            <a:off x="609480" y="1604520"/>
-            <a:ext cx="10972440" cy="3977280"/>
-          </a:xfrm>
-          <a:prstGeom prst="rect">
-            <a:avLst/>
-          </a:prstGeom>
-          <a:noFill/>
-          <a:ln w="0">
-            <a:noFill/>
-          </a:ln>
-        </p:spPr>
-        <p:txBody>
-          <a:bodyPr lIns="0" rIns="0" tIns="0" bIns="0" anchor="t">
-            <a:normAutofit/>
-          </a:bodyPr>
-          <a:p>
-            <a:pPr indent="0">
-              <a:spcBef>
-                <a:spcPts val="1417"/>
-              </a:spcBef>
-              <a:buNone/>
-            </a:pPr>
-            <a:endParaRPr b="0" lang="ru-RU" sz="3200" spc="-1" strike="noStrike">
-              <a:solidFill>
-                <a:srgbClr val="000000"/>
-              </a:solidFill>
-              <a:latin typeface="Arial"/>
-            </a:endParaRPr>
-          </a:p>
-        </p:txBody>
-      </p:sp>
-      <p:sp>
-        <p:nvSpPr>
-          <p:cNvPr id="4" name="PlaceHolder 3"/>
-          <p:cNvSpPr>
-            <a:spLocks noGrp="1"/>
-          </p:cNvSpPr>
-          <p:nvPr>
-            <p:ph type="ftr" idx="15"/>
-          </p:nvPr>
-        </p:nvSpPr>
-        <p:spPr/>
-        <p:txBody>
-          <a:bodyPr/>
-          <a:p>
-            <a:r>
-              <a:t>Footer</a:t>
-            </a:r>
-          </a:p>
-        </p:txBody>
-      </p:sp>
-      <p:sp>
-        <p:nvSpPr>
-          <p:cNvPr id="5" name="PlaceHolder 4"/>
-          <p:cNvSpPr>
-            <a:spLocks noGrp="1"/>
-          </p:cNvSpPr>
-          <p:nvPr>
-            <p:ph type="sldNum" idx="16"/>
-          </p:nvPr>
-        </p:nvSpPr>
-        <p:spPr/>
-        <p:txBody>
-          <a:bodyPr/>
-          <a:p>
-            <a:fld id="{B1DB207C-F776-4404-AEE9-E3063713D67C}" type="slidenum">
-              <a:t>&lt;#&gt;</a:t>
-            </a:fld>
-          </a:p>
-        </p:txBody>
-      </p:sp>
-    </p:spTree>
-  </p:cSld>
-</p:sldLayout>
-</file>
-
-<file path=ppt/slideLayouts/slideLayout13.xml><?xml version="1.0" encoding="utf-8"?>
 <p:sldLayout xmlns:a="http://schemas.openxmlformats.org/drawingml/2006/main" xmlns:p="http://schemas.openxmlformats.org/presentationml/2006/main" xmlns:r="http://schemas.openxmlformats.org/officeDocument/2006/relationships" xmlns:p14="http://schemas.microsoft.com/office/powerpoint/2010/main" xmlns:p15="http://schemas.microsoft.com/office/powerpoint/2012/main" xmlns:mc="http://schemas.openxmlformats.org/markup-compatibility/2006" type="blank" preserve="1">
   <p:cSld name="Обычный 2">
     <p:spTree>
@@ -2300,7 +2314,69 @@
         <p:txBody>
           <a:bodyPr/>
           <a:p>
-            <a:fld id="{4D116D42-4B46-44E3-A175-B7B7E6DB4F9B}" type="slidenum">
+            <a:fld id="{1DB69A5F-B24D-4FA1-8A2C-88F3A40A24FF}" type="slidenum">
+              <a:t>&lt;#&gt;</a:t>
+            </a:fld>
+          </a:p>
+        </p:txBody>
+      </p:sp>
+    </p:spTree>
+  </p:cSld>
+</p:sldLayout>
+</file>
+
+<file path=ppt/slideLayouts/slideLayout13.xml><?xml version="1.0" encoding="utf-8"?>
+<p:sldLayout xmlns:a="http://schemas.openxmlformats.org/drawingml/2006/main" xmlns:p="http://schemas.openxmlformats.org/presentationml/2006/main" xmlns:r="http://schemas.openxmlformats.org/officeDocument/2006/relationships" xmlns:p14="http://schemas.microsoft.com/office/powerpoint/2010/main" xmlns:p15="http://schemas.microsoft.com/office/powerpoint/2012/main" xmlns:mc="http://schemas.openxmlformats.org/markup-compatibility/2006" type="blank" preserve="1">
+  <p:cSld name="Обычный 3">
+    <p:spTree>
+      <p:nvGrpSpPr>
+        <p:cNvPr id="1" name=""/>
+        <p:cNvGrpSpPr/>
+        <p:nvPr/>
+      </p:nvGrpSpPr>
+      <p:grpSpPr>
+        <a:xfrm>
+          <a:off x="0" y="0"/>
+          <a:ext cx="0" cy="0"/>
+          <a:chOff x="0" y="0"/>
+          <a:chExt cx="0" cy="0"/>
+        </a:xfrm>
+      </p:grpSpPr>
+      <p:sp>
+        <p:nvSpPr>
+          <p:cNvPr id="2" name="PlaceHolder 1"/>
+          <p:cNvSpPr>
+            <a:spLocks noGrp="1"/>
+          </p:cNvSpPr>
+          <p:nvPr>
+            <p:ph type="ftr" idx="19"/>
+          </p:nvPr>
+        </p:nvSpPr>
+        <p:spPr/>
+        <p:txBody>
+          <a:bodyPr/>
+          <a:p>
+            <a:r>
+              <a:t>Footer</a:t>
+            </a:r>
+          </a:p>
+        </p:txBody>
+      </p:sp>
+      <p:sp>
+        <p:nvSpPr>
+          <p:cNvPr id="3" name="PlaceHolder 2"/>
+          <p:cNvSpPr>
+            <a:spLocks noGrp="1"/>
+          </p:cNvSpPr>
+          <p:nvPr>
+            <p:ph type="sldNum" idx="20"/>
+          </p:nvPr>
+        </p:nvSpPr>
+        <p:spPr/>
+        <p:txBody>
+          <a:bodyPr/>
+          <a:p>
+            <a:fld id="{7B9EA4CA-1D27-4B96-AFBD-2A9B53DF8086}" type="slidenum">
               <a:t>&lt;#&gt;</a:t>
             </a:fld>
           </a:p>
@@ -2357,7 +2433,7 @@
             <a:spLocks noGrp="1"/>
           </p:cNvSpPr>
           <p:nvPr>
-            <p:ph type="ftr" idx="19"/>
+            <p:ph type="ftr" idx="21"/>
           </p:nvPr>
         </p:nvSpPr>
         <p:spPr/>
@@ -2377,14 +2453,14 @@
             <a:spLocks noGrp="1"/>
           </p:cNvSpPr>
           <p:nvPr>
-            <p:ph type="sldNum" idx="20"/>
+            <p:ph type="sldNum" idx="22"/>
           </p:nvPr>
         </p:nvSpPr>
         <p:spPr/>
         <p:txBody>
           <a:bodyPr/>
           <a:p>
-            <a:fld id="{135CDB7C-FE00-49BC-B355-765B369124A0}" type="slidenum">
+            <a:fld id="{6DA819B2-744F-40C2-996B-E2B9A70CC96E}" type="slidenum">
               <a:t>&lt;#&gt;</a:t>
             </a:fld>
           </a:p>
@@ -2414,7 +2490,7 @@
       </p:grpSpPr>
       <p:sp>
         <p:nvSpPr>
-          <p:cNvPr id="82" name="PlaceHolder 1"/>
+          <p:cNvPr id="88" name="PlaceHolder 1"/>
           <p:cNvSpPr>
             <a:spLocks noGrp="1"/>
           </p:cNvSpPr>
@@ -2425,7 +2501,7 @@
         <p:spPr>
           <a:xfrm>
             <a:off x="4267080" y="815040"/>
-            <a:ext cx="4178880" cy="3125160"/>
+            <a:ext cx="4178520" cy="3125160"/>
           </a:xfrm>
           <a:prstGeom prst="rect">
             <a:avLst/>
@@ -2454,7 +2530,7 @@
       </p:sp>
       <p:sp>
         <p:nvSpPr>
-          <p:cNvPr id="83" name="PlaceHolder 2"/>
+          <p:cNvPr id="89" name="PlaceHolder 2"/>
           <p:cNvSpPr>
             <a:spLocks noGrp="1"/>
           </p:cNvSpPr>
@@ -2497,7 +2573,7 @@
       </p:sp>
       <p:sp>
         <p:nvSpPr>
-          <p:cNvPr id="84" name="PlaceHolder 3"/>
+          <p:cNvPr id="90" name="PlaceHolder 3"/>
           <p:cNvSpPr>
             <a:spLocks noGrp="1"/>
           </p:cNvSpPr>
@@ -2545,7 +2621,7 @@
             <a:spLocks noGrp="1"/>
           </p:cNvSpPr>
           <p:nvPr>
-            <p:ph type="ftr" idx="21"/>
+            <p:ph type="ftr" idx="23"/>
           </p:nvPr>
         </p:nvSpPr>
         <p:spPr/>
@@ -2565,14 +2641,14 @@
             <a:spLocks noGrp="1"/>
           </p:cNvSpPr>
           <p:nvPr>
-            <p:ph type="sldNum" idx="22"/>
+            <p:ph type="sldNum" idx="24"/>
           </p:nvPr>
         </p:nvSpPr>
         <p:spPr/>
         <p:txBody>
           <a:bodyPr/>
           <a:p>
-            <a:fld id="{92580940-B3CE-4560-BCBA-2FB688AFC022}" type="slidenum">
+            <a:fld id="{4C2080CA-8640-46A1-AD1E-C8A68E260BEA}" type="slidenum">
               <a:t>&lt;#&gt;</a:t>
             </a:fld>
           </a:p>
@@ -2585,7 +2661,7 @@
 
 <file path=ppt/slideLayouts/slideLayout17.xml><?xml version="1.0" encoding="utf-8"?>
 <p:sldLayout xmlns:a="http://schemas.openxmlformats.org/drawingml/2006/main" xmlns:p="http://schemas.openxmlformats.org/presentationml/2006/main" xmlns:r="http://schemas.openxmlformats.org/officeDocument/2006/relationships" xmlns:p14="http://schemas.microsoft.com/office/powerpoint/2010/main" xmlns:p15="http://schemas.microsoft.com/office/powerpoint/2012/main" xmlns:mc="http://schemas.openxmlformats.org/markup-compatibility/2006" type="blank" preserve="1">
-  <p:cSld name="Обычный 3">
+  <p:cSld name="Обычный 4">
     <p:spTree>
       <p:nvGrpSpPr>
         <p:cNvPr id="1" name=""/>
@@ -2607,7 +2683,7 @@
             <a:spLocks noGrp="1"/>
           </p:cNvSpPr>
           <p:nvPr>
-            <p:ph type="ftr" idx="23"/>
+            <p:ph type="ftr" idx="25"/>
           </p:nvPr>
         </p:nvSpPr>
         <p:spPr/>
@@ -2627,14 +2703,14 @@
             <a:spLocks noGrp="1"/>
           </p:cNvSpPr>
           <p:nvPr>
-            <p:ph type="sldNum" idx="24"/>
+            <p:ph type="sldNum" idx="26"/>
           </p:nvPr>
         </p:nvSpPr>
         <p:spPr/>
         <p:txBody>
           <a:bodyPr/>
           <a:p>
-            <a:fld id="{BD4EC959-2BDC-4BAD-AEBF-2CB452D2139B}" type="slidenum">
+            <a:fld id="{4BA09284-D026-4FFC-893D-2E5C405EB74B}" type="slidenum">
               <a:t>&lt;#&gt;</a:t>
             </a:fld>
           </a:p>
@@ -2669,7 +2745,7 @@
             <a:spLocks noGrp="1"/>
           </p:cNvSpPr>
           <p:nvPr>
-            <p:ph type="ftr" idx="25"/>
+            <p:ph type="ftr" idx="27"/>
           </p:nvPr>
         </p:nvSpPr>
         <p:spPr/>
@@ -2689,14 +2765,14 @@
             <a:spLocks noGrp="1"/>
           </p:cNvSpPr>
           <p:nvPr>
-            <p:ph type="sldNum" idx="26"/>
+            <p:ph type="sldNum" idx="28"/>
           </p:nvPr>
         </p:nvSpPr>
         <p:spPr/>
         <p:txBody>
           <a:bodyPr/>
           <a:p>
-            <a:fld id="{F9772E09-B299-4B17-BEBA-79E79EBBAA07}" type="slidenum">
+            <a:fld id="{E93F37B4-2D64-4F3B-9FD9-02A175D1B612}" type="slidenum">
               <a:t>&lt;#&gt;</a:t>
             </a:fld>
           </a:p>
@@ -2758,7 +2834,7 @@
         <p:txBody>
           <a:bodyPr/>
           <a:p>
-            <a:fld id="{9F4E848C-30F2-44BE-BF59-30DF0F2A169A}" type="slidenum">
+            <a:fld id="{7E21B69E-3D59-4F08-816B-1F09D5A98110}" type="slidenum">
               <a:t>&lt;#&gt;</a:t>
             </a:fld>
           </a:p>
@@ -2820,7 +2896,7 @@
         <p:txBody>
           <a:bodyPr/>
           <a:p>
-            <a:fld id="{BA4154D9-8E9D-406F-88E8-47D778819B4C}" type="slidenum">
+            <a:fld id="{D3FE9444-DF62-4F94-8894-B03CC813C92F}" type="slidenum">
               <a:t>&lt;#&gt;</a:t>
             </a:fld>
           </a:p>
@@ -2882,7 +2958,7 @@
         <p:txBody>
           <a:bodyPr/>
           <a:p>
-            <a:fld id="{D7B66652-CF82-4676-A167-41493010809A}" type="slidenum">
+            <a:fld id="{1AFDDD64-AB8C-4616-B8C0-984FB86DC291}" type="slidenum">
               <a:t>&lt;#&gt;</a:t>
             </a:fld>
           </a:p>
@@ -2944,7 +3020,7 @@
         <p:txBody>
           <a:bodyPr/>
           <a:p>
-            <a:fld id="{D40ED7D3-4F3F-469D-AE2E-FED3FA728134}" type="slidenum">
+            <a:fld id="{40DD0D00-E201-402C-98FE-A8C62D51332E}" type="slidenum">
               <a:t>&lt;#&gt;</a:t>
             </a:fld>
           </a:p>
@@ -2985,7 +3061,7 @@
         <p:spPr>
           <a:xfrm>
             <a:off x="4267080" y="815040"/>
-            <a:ext cx="4178880" cy="3125160"/>
+            <a:ext cx="4178520" cy="3125160"/>
           </a:xfrm>
           <a:prstGeom prst="rect">
             <a:avLst/>
@@ -3086,7 +3162,7 @@
         <p:txBody>
           <a:bodyPr/>
           <a:p>
-            <a:fld id="{CBCD1B8F-0DB2-44FF-8508-DC3E6E2CAD79}" type="slidenum">
+            <a:fld id="{E20E0EA8-04C9-4DB3-BEB2-8DF0453C3C24}" type="slidenum">
               <a:t>&lt;#&gt;</a:t>
             </a:fld>
           </a:p>
@@ -3127,7 +3203,7 @@
         <p:spPr>
           <a:xfrm>
             <a:off x="4267080" y="815040"/>
-            <a:ext cx="4178880" cy="3125160"/>
+            <a:ext cx="4178520" cy="3125160"/>
           </a:xfrm>
           <a:prstGeom prst="rect">
             <a:avLst/>
@@ -3231,7 +3307,7 @@
         <p:txBody>
           <a:bodyPr/>
           <a:p>
-            <a:fld id="{828F0181-6192-4ECB-BC30-04802F8CC478}" type="slidenum">
+            <a:fld id="{0E19E0DD-8739-4002-AB36-7D42D1476896}" type="slidenum">
               <a:t>&lt;#&gt;</a:t>
             </a:fld>
           </a:p>
@@ -3272,7 +3348,7 @@
         <p:spPr>
           <a:xfrm>
             <a:off x="4267080" y="815040"/>
-            <a:ext cx="4178880" cy="3125160"/>
+            <a:ext cx="4178520" cy="3125160"/>
           </a:xfrm>
           <a:prstGeom prst="rect">
             <a:avLst/>
@@ -3333,7 +3409,7 @@
         <p:txBody>
           <a:bodyPr/>
           <a:p>
-            <a:fld id="{0EE3DB7F-B8DB-483A-9399-5A8E598BF5F7}" type="slidenum">
+            <a:fld id="{B2DB0212-B502-48B3-BFEB-DA4758031FC0}" type="slidenum">
               <a:t>&lt;#&gt;</a:t>
             </a:fld>
           </a:p>
@@ -3415,7 +3491,7 @@
         <p:spPr>
           <a:xfrm>
             <a:off x="0" y="0"/>
-            <a:ext cx="9487440" cy="5053680"/>
+            <a:ext cx="9487080" cy="5053320"/>
           </a:xfrm>
           <a:prstGeom prst="rect">
             <a:avLst/>
@@ -3747,7 +3823,7 @@
         <p:spPr>
           <a:xfrm>
             <a:off x="3990600" y="0"/>
-            <a:ext cx="1126800" cy="2512800"/>
+            <a:ext cx="1127160" cy="2513160"/>
           </a:xfrm>
           <a:prstGeom prst="straightConnector1">
             <a:avLst/>
@@ -4081,9 +4157,9 @@
         <p:grpSpPr>
           <a:xfrm>
             <a:off x="9096120" y="-25200"/>
-            <a:ext cx="3096000" cy="6883560"/>
+            <a:ext cx="3096360" cy="6883920"/>
             <a:chOff x="9096120" y="-25200"/>
-            <a:chExt cx="3096000" cy="6883560"/>
+            <a:chExt cx="3096360" cy="6883920"/>
           </a:xfrm>
         </p:grpSpPr>
         <p:cxnSp>
@@ -4095,7 +4171,7 @@
           <p:spPr>
             <a:xfrm>
               <a:off x="9096120" y="1496880"/>
-              <a:ext cx="3096360" cy="720"/>
+              <a:ext cx="3096720" cy="1080"/>
             </a:xfrm>
             <a:prstGeom prst="straightConnector1">
               <a:avLst/>
@@ -4116,7 +4192,7 @@
           <p:spPr>
             <a:xfrm flipH="1">
               <a:off x="9381600" y="-25200"/>
-              <a:ext cx="2810880" cy="6883920"/>
+              <a:ext cx="2811240" cy="6884280"/>
             </a:xfrm>
             <a:prstGeom prst="straightConnector1">
               <a:avLst/>
@@ -4144,7 +4220,7 @@
         <p:spPr>
           <a:xfrm flipV="1">
             <a:off x="0" y="-25200"/>
-            <a:ext cx="1211040" cy="2048400"/>
+            <a:ext cx="1211400" cy="2048760"/>
           </a:xfrm>
           <a:prstGeom prst="straightConnector1">
             <a:avLst/>
@@ -4168,8 +4244,8 @@
         </p:nvSpPr>
         <p:spPr>
           <a:xfrm>
-            <a:off x="4267080" y="1615680"/>
-            <a:ext cx="4178880" cy="1523880"/>
+            <a:off x="4267080" y="815040"/>
+            <a:ext cx="4178520" cy="3124800"/>
           </a:xfrm>
           <a:prstGeom prst="rect">
             <a:avLst/>
@@ -4218,7 +4294,7 @@
         <p:spPr>
           <a:xfrm>
             <a:off x="1333440" y="6356520"/>
-            <a:ext cx="3818520" cy="364320"/>
+            <a:ext cx="3818160" cy="363960"/>
           </a:xfrm>
           <a:prstGeom prst="rect">
             <a:avLst/>
@@ -4294,7 +4370,7 @@
         <p:spPr>
           <a:xfrm>
             <a:off x="10373400" y="6356520"/>
-            <a:ext cx="986760" cy="364320"/>
+            <a:ext cx="986400" cy="363960"/>
           </a:xfrm>
           <a:prstGeom prst="rect">
             <a:avLst/>
@@ -4337,7 +4413,7 @@
                 <a:tab algn="l" pos="0"/>
               </a:tabLst>
             </a:pPr>
-            <a:fld id="{A25CA88A-0A6F-4636-9145-713B867FD386}" type="slidenum">
+            <a:fld id="{A656888D-7C95-4046-959B-E3850A94839E}" type="slidenum">
               <a:rPr b="0" lang="ru-RU" sz="900" spc="-1" strike="noStrike">
                 <a:solidFill>
                   <a:schemeClr val="dk1">
@@ -4587,7 +4663,6 @@
   <p:clrMap bg1="lt1" bg2="lt2" tx1="dk1" tx2="dk2" accent1="accent1" accent2="accent2" accent3="accent3" accent4="accent4" accent5="accent5" accent6="accent6" hlink="hlink" folHlink="folHlink"/>
   <p:sldLayoutIdLst>
     <p:sldLayoutId id="2147483669" r:id="rId2"/>
-    <p:sldLayoutId id="2147483670" r:id="rId3"/>
   </p:sldLayoutIdLst>
 </p:sldMaster>
 </file>
@@ -4618,7 +4693,7 @@
       </p:grpSpPr>
       <p:grpSp>
         <p:nvGrpSpPr>
-          <p:cNvPr id="62" name="Группа 8">
+          <p:cNvPr id="60" name="Группа 8">
             <a:extLst>
               <a:ext uri="{C183D7F6-B498-43B3-948B-1728B52AA6E4}">
                 <adec:decorative xmlns:adec="http://schemas.microsoft.com/office/drawing/2017/decorative" val="1"/>
@@ -4631,21 +4706,21 @@
         <p:grpSpPr>
           <a:xfrm>
             <a:off x="9096120" y="-25200"/>
-            <a:ext cx="3096000" cy="6883560"/>
+            <a:ext cx="3096360" cy="6883920"/>
             <a:chOff x="9096120" y="-25200"/>
-            <a:chExt cx="3096000" cy="6883560"/>
+            <a:chExt cx="3096360" cy="6883920"/>
           </a:xfrm>
         </p:grpSpPr>
         <p:cxnSp>
           <p:nvCxnSpPr>
-            <p:cNvPr id="63" name="Прямая соединительная линия 9"/>
+            <p:cNvPr id="61" name="Прямая соединительная линия 9"/>
             <p:cNvCxnSpPr/>
             <p:nvPr/>
           </p:nvCxnSpPr>
           <p:spPr>
             <a:xfrm>
               <a:off x="9096120" y="1496880"/>
-              <a:ext cx="3096360" cy="720"/>
+              <a:ext cx="3096720" cy="1080"/>
             </a:xfrm>
             <a:prstGeom prst="straightConnector1">
               <a:avLst/>
@@ -4659,14 +4734,14 @@
         </p:cxnSp>
         <p:cxnSp>
           <p:nvCxnSpPr>
-            <p:cNvPr id="64" name="Прямая соединительная линия 10"/>
+            <p:cNvPr id="62" name="Прямая соединительная линия 10"/>
             <p:cNvCxnSpPr/>
             <p:nvPr/>
           </p:nvCxnSpPr>
           <p:spPr>
             <a:xfrm flipH="1">
               <a:off x="9381600" y="-25200"/>
-              <a:ext cx="2810880" cy="6883920"/>
+              <a:ext cx="2811240" cy="6884280"/>
             </a:xfrm>
             <a:prstGeom prst="straightConnector1">
               <a:avLst/>
@@ -4681,7 +4756,7 @@
       </p:grpSp>
       <p:cxnSp>
         <p:nvCxnSpPr>
-          <p:cNvPr id="65" name="Прямая соединительная линия 11">
+          <p:cNvPr id="63" name="Прямая соединительная линия 11">
             <a:extLst>
               <a:ext uri="{C183D7F6-B498-43B3-948B-1728B52AA6E4}">
                 <adec:decorative xmlns:adec="http://schemas.microsoft.com/office/drawing/2017/decorative" val="1"/>
@@ -4694,7 +4769,7 @@
         <p:spPr>
           <a:xfrm flipV="1">
             <a:off x="0" y="-25200"/>
-            <a:ext cx="1211040" cy="2048400"/>
+            <a:ext cx="1211400" cy="2048760"/>
           </a:xfrm>
           <a:prstGeom prst="straightConnector1">
             <a:avLst/>
@@ -4708,7 +4783,281 @@
       </p:cxnSp>
       <p:sp>
         <p:nvSpPr>
-          <p:cNvPr id="66" name="PlaceHolder 1"/>
+          <p:cNvPr id="64" name="PlaceHolder 1"/>
+          <p:cNvSpPr>
+            <a:spLocks noGrp="1"/>
+          </p:cNvSpPr>
+          <p:nvPr>
+            <p:ph type="title"/>
+          </p:nvPr>
+        </p:nvSpPr>
+        <p:spPr>
+          <a:xfrm>
+            <a:off x="4267080" y="815040"/>
+            <a:ext cx="4178520" cy="3124800"/>
+          </a:xfrm>
+          <a:prstGeom prst="rect">
+            <a:avLst/>
+          </a:prstGeom>
+          <a:noFill/>
+          <a:ln w="0">
+            <a:noFill/>
+          </a:ln>
+        </p:spPr>
+        <p:txBody>
+          <a:bodyPr lIns="0" rIns="0" tIns="0" bIns="0" anchor="ctr">
+            <a:noAutofit/>
+          </a:bodyPr>
+          <a:p>
+            <a:pPr indent="0">
+              <a:buNone/>
+            </a:pPr>
+            <a:r>
+              <a:rPr b="0" lang="ru-RU" sz="1800" spc="-1" strike="noStrike">
+                <a:solidFill>
+                  <a:srgbClr val="000000"/>
+                </a:solidFill>
+                <a:latin typeface="Arial"/>
+              </a:rPr>
+              <a:t>Для правки текста заглавия щёлкните мышью</a:t>
+            </a:r>
+            <a:endParaRPr b="0" lang="ru-RU" sz="1800" spc="-1" strike="noStrike">
+              <a:solidFill>
+                <a:srgbClr val="000000"/>
+              </a:solidFill>
+              <a:latin typeface="Arial"/>
+            </a:endParaRPr>
+          </a:p>
+        </p:txBody>
+      </p:sp>
+      <p:sp>
+        <p:nvSpPr>
+          <p:cNvPr id="65" name="PlaceHolder 2"/>
+          <p:cNvSpPr>
+            <a:spLocks noGrp="1"/>
+          </p:cNvSpPr>
+          <p:nvPr>
+            <p:ph type="body"/>
+          </p:nvPr>
+        </p:nvSpPr>
+        <p:spPr>
+          <a:xfrm>
+            <a:off x="609480" y="1604520"/>
+            <a:ext cx="10972080" cy="3976920"/>
+          </a:xfrm>
+          <a:prstGeom prst="rect">
+            <a:avLst/>
+          </a:prstGeom>
+          <a:noFill/>
+          <a:ln w="0">
+            <a:noFill/>
+          </a:ln>
+        </p:spPr>
+        <p:txBody>
+          <a:bodyPr lIns="0" rIns="0" tIns="0" bIns="0" anchor="t">
+            <a:normAutofit/>
+          </a:bodyPr>
+          <a:p>
+            <a:pPr marL="432000" indent="-324000">
+              <a:spcBef>
+                <a:spcPts val="1417"/>
+              </a:spcBef>
+              <a:buClr>
+                <a:srgbClr val="000000"/>
+              </a:buClr>
+              <a:buSzPct val="45000"/>
+              <a:buFont typeface="Wingdings" charset="2"/>
+              <a:buChar char=""/>
+            </a:pPr>
+            <a:r>
+              <a:rPr b="0" lang="ru-RU" sz="1800" spc="-1" strike="noStrike">
+                <a:solidFill>
+                  <a:srgbClr val="000000"/>
+                </a:solidFill>
+                <a:latin typeface="Arial"/>
+              </a:rPr>
+              <a:t>Для правки структуры щёлкните мышью</a:t>
+            </a:r>
+            <a:endParaRPr b="0" lang="ru-RU" sz="1800" spc="-1" strike="noStrike">
+              <a:solidFill>
+                <a:srgbClr val="000000"/>
+              </a:solidFill>
+              <a:latin typeface="Arial"/>
+            </a:endParaRPr>
+          </a:p>
+          <a:p>
+            <a:pPr lvl="1" marL="864000" indent="-324000">
+              <a:spcBef>
+                <a:spcPts val="1134"/>
+              </a:spcBef>
+              <a:buClr>
+                <a:srgbClr val="000000"/>
+              </a:buClr>
+              <a:buSzPct val="75000"/>
+              <a:buFont typeface="Symbol" charset="2"/>
+              <a:buChar char=""/>
+            </a:pPr>
+            <a:r>
+              <a:rPr b="0" lang="ru-RU" sz="1800" spc="-1" strike="noStrike">
+                <a:solidFill>
+                  <a:srgbClr val="000000"/>
+                </a:solidFill>
+                <a:latin typeface="Arial"/>
+              </a:rPr>
+              <a:t>Второй уровень структуры</a:t>
+            </a:r>
+            <a:endParaRPr b="0" lang="ru-RU" sz="1800" spc="-1" strike="noStrike">
+              <a:solidFill>
+                <a:srgbClr val="000000"/>
+              </a:solidFill>
+              <a:latin typeface="Arial"/>
+            </a:endParaRPr>
+          </a:p>
+          <a:p>
+            <a:pPr lvl="2" marL="1296000" indent="-288000">
+              <a:spcBef>
+                <a:spcPts val="850"/>
+              </a:spcBef>
+              <a:buClr>
+                <a:srgbClr val="000000"/>
+              </a:buClr>
+              <a:buSzPct val="45000"/>
+              <a:buFont typeface="Wingdings" charset="2"/>
+              <a:buChar char=""/>
+            </a:pPr>
+            <a:r>
+              <a:rPr b="0" lang="ru-RU" sz="1800" spc="-1" strike="noStrike">
+                <a:solidFill>
+                  <a:srgbClr val="000000"/>
+                </a:solidFill>
+                <a:latin typeface="Arial"/>
+              </a:rPr>
+              <a:t>Третий уровень структуры</a:t>
+            </a:r>
+            <a:endParaRPr b="0" lang="ru-RU" sz="1800" spc="-1" strike="noStrike">
+              <a:solidFill>
+                <a:srgbClr val="000000"/>
+              </a:solidFill>
+              <a:latin typeface="Arial"/>
+            </a:endParaRPr>
+          </a:p>
+          <a:p>
+            <a:pPr lvl="3" marL="1728000" indent="-216000">
+              <a:spcBef>
+                <a:spcPts val="567"/>
+              </a:spcBef>
+              <a:buClr>
+                <a:srgbClr val="000000"/>
+              </a:buClr>
+              <a:buSzPct val="75000"/>
+              <a:buFont typeface="Symbol" charset="2"/>
+              <a:buChar char=""/>
+            </a:pPr>
+            <a:r>
+              <a:rPr b="0" lang="ru-RU" sz="1800" spc="-1" strike="noStrike">
+                <a:solidFill>
+                  <a:srgbClr val="000000"/>
+                </a:solidFill>
+                <a:latin typeface="Arial"/>
+              </a:rPr>
+              <a:t>Четвёртый уровень структуры</a:t>
+            </a:r>
+            <a:endParaRPr b="0" lang="ru-RU" sz="1800" spc="-1" strike="noStrike">
+              <a:solidFill>
+                <a:srgbClr val="000000"/>
+              </a:solidFill>
+              <a:latin typeface="Arial"/>
+            </a:endParaRPr>
+          </a:p>
+          <a:p>
+            <a:pPr lvl="4" marL="2160000" indent="-216000">
+              <a:spcBef>
+                <a:spcPts val="283"/>
+              </a:spcBef>
+              <a:buClr>
+                <a:srgbClr val="000000"/>
+              </a:buClr>
+              <a:buSzPct val="45000"/>
+              <a:buFont typeface="Wingdings" charset="2"/>
+              <a:buChar char=""/>
+            </a:pPr>
+            <a:r>
+              <a:rPr b="0" lang="ru-RU" sz="1800" spc="-1" strike="noStrike">
+                <a:solidFill>
+                  <a:srgbClr val="000000"/>
+                </a:solidFill>
+                <a:latin typeface="Arial"/>
+              </a:rPr>
+              <a:t>Пятый уровень структуры</a:t>
+            </a:r>
+            <a:endParaRPr b="0" lang="ru-RU" sz="1800" spc="-1" strike="noStrike">
+              <a:solidFill>
+                <a:srgbClr val="000000"/>
+              </a:solidFill>
+              <a:latin typeface="Arial"/>
+            </a:endParaRPr>
+          </a:p>
+          <a:p>
+            <a:pPr lvl="5" marL="2592000" indent="-216000">
+              <a:spcBef>
+                <a:spcPts val="283"/>
+              </a:spcBef>
+              <a:buClr>
+                <a:srgbClr val="000000"/>
+              </a:buClr>
+              <a:buSzPct val="45000"/>
+              <a:buFont typeface="Wingdings" charset="2"/>
+              <a:buChar char=""/>
+            </a:pPr>
+            <a:r>
+              <a:rPr b="0" lang="ru-RU" sz="1800" spc="-1" strike="noStrike">
+                <a:solidFill>
+                  <a:srgbClr val="000000"/>
+                </a:solidFill>
+                <a:latin typeface="Arial"/>
+              </a:rPr>
+              <a:t>Шестой уровень структуры</a:t>
+            </a:r>
+            <a:endParaRPr b="0" lang="ru-RU" sz="1800" spc="-1" strike="noStrike">
+              <a:solidFill>
+                <a:srgbClr val="000000"/>
+              </a:solidFill>
+              <a:latin typeface="Arial"/>
+            </a:endParaRPr>
+          </a:p>
+          <a:p>
+            <a:pPr lvl="6" marL="3024000" indent="-216000">
+              <a:spcBef>
+                <a:spcPts val="283"/>
+              </a:spcBef>
+              <a:buClr>
+                <a:srgbClr val="000000"/>
+              </a:buClr>
+              <a:buSzPct val="45000"/>
+              <a:buFont typeface="Wingdings" charset="2"/>
+              <a:buChar char=""/>
+            </a:pPr>
+            <a:r>
+              <a:rPr b="0" lang="ru-RU" sz="1800" spc="-1" strike="noStrike">
+                <a:solidFill>
+                  <a:srgbClr val="000000"/>
+                </a:solidFill>
+                <a:latin typeface="Arial"/>
+              </a:rPr>
+              <a:t>Седьмой уровень структуры</a:t>
+            </a:r>
+            <a:endParaRPr b="0" lang="ru-RU" sz="1800" spc="-1" strike="noStrike">
+              <a:solidFill>
+                <a:srgbClr val="000000"/>
+              </a:solidFill>
+              <a:latin typeface="Arial"/>
+            </a:endParaRPr>
+          </a:p>
+        </p:txBody>
+      </p:sp>
+      <p:sp>
+        <p:nvSpPr>
+          <p:cNvPr id="66" name="PlaceHolder 3"/>
           <p:cNvSpPr>
             <a:spLocks noGrp="1"/>
           </p:cNvSpPr>
@@ -4719,7 +5068,7 @@
         <p:spPr>
           <a:xfrm>
             <a:off x="1333440" y="6356520"/>
-            <a:ext cx="3818520" cy="364320"/>
+            <a:ext cx="3818160" cy="363960"/>
           </a:xfrm>
           <a:prstGeom prst="rect">
             <a:avLst/>
@@ -4784,7 +5133,7 @@
       </p:sp>
       <p:sp>
         <p:nvSpPr>
-          <p:cNvPr id="67" name="PlaceHolder 2"/>
+          <p:cNvPr id="67" name="PlaceHolder 4"/>
           <p:cNvSpPr>
             <a:spLocks noGrp="1"/>
           </p:cNvSpPr>
@@ -4795,7 +5144,7 @@
         <p:spPr>
           <a:xfrm>
             <a:off x="10373400" y="6356520"/>
-            <a:ext cx="986760" cy="364320"/>
+            <a:ext cx="986400" cy="363960"/>
           </a:xfrm>
           <a:prstGeom prst="rect">
             <a:avLst/>
@@ -4838,7 +5187,7 @@
                 <a:tab algn="l" pos="0"/>
               </a:tabLst>
             </a:pPr>
-            <a:fld id="{EFCEB54E-60EF-40F1-9DF1-1F1FAD9A6886}" type="slidenum">
+            <a:fld id="{F7CA3DA7-2AD8-4127-B392-0B85902D47C6}" type="slidenum">
               <a:rPr b="0" lang="ru-RU" sz="900" spc="-1" strike="noStrike">
                 <a:solidFill>
                   <a:schemeClr val="dk1">
@@ -4862,12 +5211,287 @@
   </p:cSld>
   <p:clrMap bg1="lt1" bg2="lt2" tx1="dk1" tx2="dk2" accent1="accent1" accent2="accent2" accent3="accent3" accent4="accent4" accent5="accent5" accent6="accent6" hlink="hlink" folHlink="folHlink"/>
   <p:sldLayoutIdLst>
-    <p:sldLayoutId id="2147483672" r:id="rId2"/>
+    <p:sldLayoutId id="2147483671" r:id="rId2"/>
   </p:sldLayoutIdLst>
 </p:sldMaster>
 </file>
 
 <file path=ppt/slideMasters/slideMaster13.xml><?xml version="1.0" encoding="utf-8"?>
+<p:sldMaster xmlns:a="http://schemas.openxmlformats.org/drawingml/2006/main" xmlns:p="http://schemas.openxmlformats.org/presentationml/2006/main" xmlns:r="http://schemas.openxmlformats.org/officeDocument/2006/relationships" xmlns:p14="http://schemas.microsoft.com/office/powerpoint/2010/main" xmlns:p15="http://schemas.microsoft.com/office/powerpoint/2012/main" xmlns:mc="http://schemas.openxmlformats.org/markup-compatibility/2006">
+  <p:cSld>
+    <p:bg>
+      <p:bgPr>
+        <a:solidFill>
+          <a:srgbClr val="ffffff"/>
+        </a:solidFill>
+      </p:bgPr>
+    </p:bg>
+    <p:spTree>
+      <p:nvGrpSpPr>
+        <p:cNvPr id="1" name=""/>
+        <p:cNvGrpSpPr/>
+        <p:nvPr/>
+      </p:nvGrpSpPr>
+      <p:grpSpPr>
+        <a:xfrm>
+          <a:off x="0" y="0"/>
+          <a:ext cx="0" cy="0"/>
+          <a:chOff x="0" y="0"/>
+          <a:chExt cx="0" cy="0"/>
+        </a:xfrm>
+      </p:grpSpPr>
+      <p:grpSp>
+        <p:nvGrpSpPr>
+          <p:cNvPr id="68" name="Группа 8">
+            <a:extLst>
+              <a:ext uri="{C183D7F6-B498-43B3-948B-1728B52AA6E4}">
+                <adec:decorative xmlns:adec="http://schemas.microsoft.com/office/drawing/2017/decorative" val="1"/>
+              </a:ext>
+            </a:extLst>
+          </p:cNvPr>
+          <p:cNvGrpSpPr/>
+          <p:nvPr/>
+        </p:nvGrpSpPr>
+        <p:grpSpPr>
+          <a:xfrm>
+            <a:off x="9096120" y="-25200"/>
+            <a:ext cx="3096360" cy="6883920"/>
+            <a:chOff x="9096120" y="-25200"/>
+            <a:chExt cx="3096360" cy="6883920"/>
+          </a:xfrm>
+        </p:grpSpPr>
+        <p:cxnSp>
+          <p:nvCxnSpPr>
+            <p:cNvPr id="69" name="Прямая соединительная линия 9"/>
+            <p:cNvCxnSpPr/>
+            <p:nvPr/>
+          </p:nvCxnSpPr>
+          <p:spPr>
+            <a:xfrm>
+              <a:off x="9096120" y="1496880"/>
+              <a:ext cx="3096720" cy="1080"/>
+            </a:xfrm>
+            <a:prstGeom prst="straightConnector1">
+              <a:avLst/>
+            </a:prstGeom>
+            <a:ln w="0">
+              <a:solidFill>
+                <a:srgbClr val="000000"/>
+              </a:solidFill>
+            </a:ln>
+          </p:spPr>
+        </p:cxnSp>
+        <p:cxnSp>
+          <p:nvCxnSpPr>
+            <p:cNvPr id="70" name="Прямая соединительная линия 10"/>
+            <p:cNvCxnSpPr/>
+            <p:nvPr/>
+          </p:nvCxnSpPr>
+          <p:spPr>
+            <a:xfrm flipH="1">
+              <a:off x="9381600" y="-25200"/>
+              <a:ext cx="2811240" cy="6884280"/>
+            </a:xfrm>
+            <a:prstGeom prst="straightConnector1">
+              <a:avLst/>
+            </a:prstGeom>
+            <a:ln w="0">
+              <a:solidFill>
+                <a:srgbClr val="000000"/>
+              </a:solidFill>
+            </a:ln>
+          </p:spPr>
+        </p:cxnSp>
+      </p:grpSp>
+      <p:cxnSp>
+        <p:nvCxnSpPr>
+          <p:cNvPr id="71" name="Прямая соединительная линия 11">
+            <a:extLst>
+              <a:ext uri="{C183D7F6-B498-43B3-948B-1728B52AA6E4}">
+                <adec:decorative xmlns:adec="http://schemas.microsoft.com/office/drawing/2017/decorative" val="1"/>
+              </a:ext>
+            </a:extLst>
+          </p:cNvPr>
+          <p:cNvCxnSpPr/>
+          <p:nvPr/>
+        </p:nvCxnSpPr>
+        <p:spPr>
+          <a:xfrm flipV="1">
+            <a:off x="0" y="-25200"/>
+            <a:ext cx="1211400" cy="2048760"/>
+          </a:xfrm>
+          <a:prstGeom prst="straightConnector1">
+            <a:avLst/>
+          </a:prstGeom>
+          <a:ln w="0">
+            <a:solidFill>
+              <a:srgbClr val="000000"/>
+            </a:solidFill>
+          </a:ln>
+        </p:spPr>
+      </p:cxnSp>
+      <p:sp>
+        <p:nvSpPr>
+          <p:cNvPr id="72" name="PlaceHolder 1"/>
+          <p:cNvSpPr>
+            <a:spLocks noGrp="1"/>
+          </p:cNvSpPr>
+          <p:nvPr>
+            <p:ph type="ftr" idx="19"/>
+          </p:nvPr>
+        </p:nvSpPr>
+        <p:spPr>
+          <a:xfrm>
+            <a:off x="1333440" y="6356520"/>
+            <a:ext cx="3818160" cy="363960"/>
+          </a:xfrm>
+          <a:prstGeom prst="rect">
+            <a:avLst/>
+          </a:prstGeom>
+          <a:noFill/>
+          <a:ln w="0">
+            <a:noFill/>
+          </a:ln>
+        </p:spPr>
+        <p:txBody>
+          <a:bodyPr lIns="91440" rIns="91440" tIns="45720" bIns="45720" anchor="ctr">
+            <a:noAutofit/>
+          </a:bodyPr>
+          <a:lstStyle>
+            <a:lvl1pPr indent="0" defTabSz="914400">
+              <a:lnSpc>
+                <a:spcPct val="100000"/>
+              </a:lnSpc>
+              <a:buNone/>
+              <a:tabLst>
+                <a:tab algn="l" pos="0"/>
+              </a:tabLst>
+              <a:defRPr b="0" lang="ru-RU" sz="900" spc="-1" strike="noStrike">
+                <a:solidFill>
+                  <a:schemeClr val="dk1">
+                    <a:tint val="75000"/>
+                  </a:schemeClr>
+                </a:solidFill>
+                <a:latin typeface="Arial"/>
+              </a:defRPr>
+            </a:lvl1pPr>
+          </a:lstStyle>
+          <a:p>
+            <a:pPr indent="0" defTabSz="914400">
+              <a:lnSpc>
+                <a:spcPct val="100000"/>
+              </a:lnSpc>
+              <a:buNone/>
+              <a:tabLst>
+                <a:tab algn="l" pos="0"/>
+              </a:tabLst>
+            </a:pPr>
+            <a:r>
+              <a:rPr b="0" lang="ru-RU" sz="900" spc="-1" strike="noStrike">
+                <a:solidFill>
+                  <a:schemeClr val="dk1">
+                    <a:tint val="75000"/>
+                  </a:schemeClr>
+                </a:solidFill>
+                <a:latin typeface="Arial"/>
+              </a:rPr>
+              <a:t>&lt;нижний колонтитул&gt;</a:t>
+            </a:r>
+            <a:endParaRPr b="0" lang="ru-RU" sz="900" spc="-1" strike="noStrike">
+              <a:solidFill>
+                <a:srgbClr val="000000"/>
+              </a:solidFill>
+              <a:latin typeface="Times New Roman"/>
+            </a:endParaRPr>
+          </a:p>
+        </p:txBody>
+      </p:sp>
+      <p:sp>
+        <p:nvSpPr>
+          <p:cNvPr id="73" name="PlaceHolder 2"/>
+          <p:cNvSpPr>
+            <a:spLocks noGrp="1"/>
+          </p:cNvSpPr>
+          <p:nvPr>
+            <p:ph type="sldNum" idx="20"/>
+          </p:nvPr>
+        </p:nvSpPr>
+        <p:spPr>
+          <a:xfrm>
+            <a:off x="10373400" y="6356520"/>
+            <a:ext cx="986400" cy="363960"/>
+          </a:xfrm>
+          <a:prstGeom prst="rect">
+            <a:avLst/>
+          </a:prstGeom>
+          <a:noFill/>
+          <a:ln w="0">
+            <a:noFill/>
+          </a:ln>
+        </p:spPr>
+        <p:txBody>
+          <a:bodyPr lIns="91440" rIns="91440" tIns="45720" bIns="45720" anchor="ctr">
+            <a:noAutofit/>
+          </a:bodyPr>
+          <a:lstStyle>
+            <a:lvl1pPr indent="0" algn="r" defTabSz="914400">
+              <a:lnSpc>
+                <a:spcPct val="100000"/>
+              </a:lnSpc>
+              <a:buNone/>
+              <a:tabLst>
+                <a:tab algn="l" pos="0"/>
+              </a:tabLst>
+              <a:defRPr b="0" lang="ru-RU" sz="900" spc="-1" strike="noStrike">
+                <a:solidFill>
+                  <a:schemeClr val="dk1">
+                    <a:tint val="75000"/>
+                  </a:schemeClr>
+                </a:solidFill>
+                <a:latin typeface="Arial"/>
+              </a:defRPr>
+            </a:lvl1pPr>
+          </a:lstStyle>
+          <a:p>
+            <a:pPr indent="0" algn="r" defTabSz="914400">
+              <a:lnSpc>
+                <a:spcPct val="100000"/>
+              </a:lnSpc>
+              <a:buNone/>
+              <a:tabLst>
+                <a:tab algn="l" pos="0"/>
+              </a:tabLst>
+            </a:pPr>
+            <a:fld id="{72821632-2EA7-4681-80B1-DA0217A0142B}" type="slidenum">
+              <a:rPr b="0" lang="ru-RU" sz="900" spc="-1" strike="noStrike">
+                <a:solidFill>
+                  <a:schemeClr val="dk1">
+                    <a:tint val="75000"/>
+                  </a:schemeClr>
+                </a:solidFill>
+                <a:latin typeface="Arial"/>
+              </a:rPr>
+              <a:t>&lt;номер&gt;</a:t>
+            </a:fld>
+            <a:endParaRPr b="0" lang="ru-RU" sz="900" spc="-1" strike="noStrike">
+              <a:solidFill>
+                <a:srgbClr val="000000"/>
+              </a:solidFill>
+              <a:latin typeface="Times New Roman"/>
+            </a:endParaRPr>
+          </a:p>
+        </p:txBody>
+      </p:sp>
+    </p:spTree>
+  </p:cSld>
+  <p:clrMap bg1="lt1" bg2="lt2" tx1="dk1" tx2="dk2" accent1="accent1" accent2="accent2" accent3="accent3" accent4="accent4" accent5="accent5" accent6="accent6" hlink="hlink" folHlink="folHlink"/>
+  <p:sldLayoutIdLst>
+    <p:sldLayoutId id="2147483673" r:id="rId2"/>
+  </p:sldLayoutIdLst>
+</p:sldMaster>
+</file>
+
+<file path=ppt/slideMasters/slideMaster14.xml><?xml version="1.0" encoding="utf-8"?>
 <p:sldMaster xmlns:a="http://schemas.openxmlformats.org/drawingml/2006/main" xmlns:p="http://schemas.openxmlformats.org/presentationml/2006/main" xmlns:r="http://schemas.openxmlformats.org/officeDocument/2006/relationships" xmlns:p14="http://schemas.microsoft.com/office/powerpoint/2010/main" xmlns:p15="http://schemas.microsoft.com/office/powerpoint/2012/main" xmlns:mc="http://schemas.openxmlformats.org/markup-compatibility/2006">
   <p:cSld>
     <p:bg>
@@ -4893,7 +5517,7 @@
       </p:grpSpPr>
       <p:pic>
         <p:nvPicPr>
-          <p:cNvPr id="68" name="Графический объект 3" descr="">
+          <p:cNvPr id="74" name="Графический объект 3" descr="">
             <a:extLst>
               <a:ext uri="{C183D7F6-B498-43B3-948B-1728B52AA6E4}">
                 <adec:decorative xmlns:adec="http://schemas.microsoft.com/office/drawing/2017/decorative" val="1"/>
@@ -4916,7 +5540,7 @@
         <p:spPr>
           <a:xfrm>
             <a:off x="0" y="828720"/>
-            <a:ext cx="5876280" cy="5199840"/>
+            <a:ext cx="5875920" cy="5199480"/>
           </a:xfrm>
           <a:prstGeom prst="rect">
             <a:avLst/>
@@ -4928,7 +5552,7 @@
       </p:pic>
       <p:sp>
         <p:nvSpPr>
-          <p:cNvPr id="69" name="PlaceHolder 1"/>
+          <p:cNvPr id="75" name="PlaceHolder 1"/>
           <p:cNvSpPr>
             <a:spLocks noGrp="1"/>
           </p:cNvSpPr>
@@ -4977,7 +5601,7 @@
       </p:sp>
       <p:sp>
         <p:nvSpPr>
-          <p:cNvPr id="70" name="PlaceHolder 2"/>
+          <p:cNvPr id="76" name="PlaceHolder 2"/>
           <p:cNvSpPr>
             <a:spLocks noGrp="1"/>
           </p:cNvSpPr>
@@ -5204,12 +5828,12 @@
   </p:cSld>
   <p:clrMap bg1="lt1" bg2="lt2" tx1="dk1" tx2="dk2" accent1="accent1" accent2="accent2" accent3="accent3" accent4="accent4" accent5="accent5" accent6="accent6" hlink="hlink" folHlink="folHlink"/>
   <p:sldLayoutIdLst>
-    <p:sldLayoutId id="2147483674" r:id="rId4"/>
+    <p:sldLayoutId id="2147483675" r:id="rId4"/>
   </p:sldLayoutIdLst>
 </p:sldMaster>
 </file>
 
-<file path=ppt/slideMasters/slideMaster14.xml><?xml version="1.0" encoding="utf-8"?>
+<file path=ppt/slideMasters/slideMaster15.xml><?xml version="1.0" encoding="utf-8"?>
 <p:sldMaster xmlns:a="http://schemas.openxmlformats.org/drawingml/2006/main" xmlns:p="http://schemas.openxmlformats.org/presentationml/2006/main" xmlns:r="http://schemas.openxmlformats.org/officeDocument/2006/relationships" xmlns:p14="http://schemas.microsoft.com/office/powerpoint/2010/main" xmlns:p15="http://schemas.microsoft.com/office/powerpoint/2012/main" xmlns:mc="http://schemas.openxmlformats.org/markup-compatibility/2006">
   <p:cSld>
     <p:bg>
@@ -5235,7 +5859,7 @@
       </p:grpSpPr>
       <p:pic>
         <p:nvPicPr>
-          <p:cNvPr id="71" name="Графический объект 9" descr="">
+          <p:cNvPr id="77" name="Графический объект 9" descr="">
             <a:extLst>
               <a:ext uri="{C183D7F6-B498-43B3-948B-1728B52AA6E4}">
                 <adec:decorative xmlns:adec="http://schemas.microsoft.com/office/drawing/2017/decorative" val="1"/>
@@ -5258,7 +5882,7 @@
         <p:spPr>
           <a:xfrm>
             <a:off x="25920" y="0"/>
-            <a:ext cx="4092840" cy="3911760"/>
+            <a:ext cx="4092480" cy="3911400"/>
           </a:xfrm>
           <a:prstGeom prst="rect">
             <a:avLst/>
@@ -5270,18 +5894,18 @@
       </p:pic>
       <p:sp>
         <p:nvSpPr>
-          <p:cNvPr id="72" name="PlaceHolder 1"/>
+          <p:cNvPr id="78" name="PlaceHolder 1"/>
           <p:cNvSpPr>
             <a:spLocks noGrp="1"/>
           </p:cNvSpPr>
           <p:nvPr>
-            <p:ph type="ftr" idx="19"/>
+            <p:ph type="ftr" idx="21"/>
           </p:nvPr>
         </p:nvSpPr>
         <p:spPr>
           <a:xfrm>
             <a:off x="2969280" y="6356520"/>
-            <a:ext cx="3818520" cy="364320"/>
+            <a:ext cx="3818160" cy="363960"/>
           </a:xfrm>
           <a:prstGeom prst="rect">
             <a:avLst/>
@@ -5346,18 +5970,18 @@
       </p:sp>
       <p:sp>
         <p:nvSpPr>
-          <p:cNvPr id="73" name="PlaceHolder 2"/>
+          <p:cNvPr id="79" name="PlaceHolder 2"/>
           <p:cNvSpPr>
             <a:spLocks noGrp="1"/>
           </p:cNvSpPr>
           <p:nvPr>
-            <p:ph type="sldNum" idx="20"/>
+            <p:ph type="sldNum" idx="22"/>
           </p:nvPr>
         </p:nvSpPr>
         <p:spPr>
           <a:xfrm>
             <a:off x="10373400" y="6356520"/>
-            <a:ext cx="986760" cy="364320"/>
+            <a:ext cx="986400" cy="363960"/>
           </a:xfrm>
           <a:prstGeom prst="rect">
             <a:avLst/>
@@ -5400,7 +6024,7 @@
                 <a:tab algn="l" pos="0"/>
               </a:tabLst>
             </a:pPr>
-            <a:fld id="{1DBAFB75-4083-43AD-AAE4-5F670009C228}" type="slidenum">
+            <a:fld id="{9D047B39-9AB5-413C-ABE3-2B58071DBFCF}" type="slidenum">
               <a:rPr b="0" lang="ru-RU" sz="900" spc="-1" strike="noStrike">
                 <a:solidFill>
                   <a:schemeClr val="dk1">
@@ -5424,754 +6048,7 @@
   </p:cSld>
   <p:clrMap bg1="lt1" bg2="lt2" tx1="dk1" tx2="dk2" accent1="accent1" accent2="accent2" accent3="accent3" accent4="accent4" accent5="accent5" accent6="accent6" hlink="hlink" folHlink="folHlink"/>
   <p:sldLayoutIdLst>
-    <p:sldLayoutId id="2147483676" r:id="rId4"/>
-  </p:sldLayoutIdLst>
-</p:sldMaster>
-</file>
-
-<file path=ppt/slideMasters/slideMaster15.xml><?xml version="1.0" encoding="utf-8"?>
-<p:sldMaster xmlns:a="http://schemas.openxmlformats.org/drawingml/2006/main" xmlns:p="http://schemas.openxmlformats.org/presentationml/2006/main" xmlns:r="http://schemas.openxmlformats.org/officeDocument/2006/relationships" xmlns:p14="http://schemas.microsoft.com/office/powerpoint/2010/main" xmlns:p15="http://schemas.microsoft.com/office/powerpoint/2012/main" xmlns:mc="http://schemas.openxmlformats.org/markup-compatibility/2006">
-  <p:cSld>
-    <p:bg>
-      <p:bgPr>
-        <a:solidFill>
-          <a:srgbClr val="ffffff"/>
-        </a:solidFill>
-      </p:bgPr>
-    </p:bg>
-    <p:spTree>
-      <p:nvGrpSpPr>
-        <p:cNvPr id="1" name=""/>
-        <p:cNvGrpSpPr/>
-        <p:nvPr/>
-      </p:nvGrpSpPr>
-      <p:grpSpPr>
-        <a:xfrm>
-          <a:off x="0" y="0"/>
-          <a:ext cx="0" cy="0"/>
-          <a:chOff x="0" y="0"/>
-          <a:chExt cx="0" cy="0"/>
-        </a:xfrm>
-      </p:grpSpPr>
-      <p:grpSp>
-        <p:nvGrpSpPr>
-          <p:cNvPr id="74" name="Группа 9">
-            <a:extLst>
-              <a:ext uri="{C183D7F6-B498-43B3-948B-1728B52AA6E4}">
-                <adec:decorative xmlns:adec="http://schemas.microsoft.com/office/drawing/2017/decorative" val="1"/>
-              </a:ext>
-            </a:extLst>
-          </p:cNvPr>
-          <p:cNvGrpSpPr/>
-          <p:nvPr/>
-        </p:nvGrpSpPr>
-        <p:grpSpPr>
-          <a:xfrm>
-            <a:off x="4429800" y="0"/>
-            <a:ext cx="7762320" cy="2755080"/>
-            <a:chOff x="4429800" y="0"/>
-            <a:chExt cx="7762320" cy="2755080"/>
-          </a:xfrm>
-        </p:grpSpPr>
-        <p:cxnSp>
-          <p:nvCxnSpPr>
-            <p:cNvPr id="75" name="Прямая соединительная линия 10"/>
-            <p:cNvCxnSpPr/>
-            <p:nvPr/>
-          </p:nvCxnSpPr>
-          <p:spPr>
-            <a:xfrm flipH="1" flipV="1">
-              <a:off x="4429800" y="0"/>
-              <a:ext cx="7762680" cy="1218240"/>
-            </a:xfrm>
-            <a:prstGeom prst="straightConnector1">
-              <a:avLst/>
-            </a:prstGeom>
-            <a:ln w="0">
-              <a:solidFill>
-                <a:srgbClr val="000000"/>
-              </a:solidFill>
-            </a:ln>
-          </p:spPr>
-        </p:cxnSp>
-        <p:cxnSp>
-          <p:nvCxnSpPr>
-            <p:cNvPr id="76" name="Прямая соединительная линия 11"/>
-            <p:cNvCxnSpPr/>
-            <p:nvPr/>
-          </p:nvCxnSpPr>
-          <p:spPr>
-            <a:xfrm>
-              <a:off x="11065680" y="0"/>
-              <a:ext cx="1126800" cy="2755440"/>
-            </a:xfrm>
-            <a:prstGeom prst="straightConnector1">
-              <a:avLst/>
-            </a:prstGeom>
-            <a:ln w="0">
-              <a:solidFill>
-                <a:srgbClr val="000000"/>
-              </a:solidFill>
-            </a:ln>
-          </p:spPr>
-        </p:cxnSp>
-      </p:grpSp>
-      <p:sp>
-        <p:nvSpPr>
-          <p:cNvPr id="77" name="PlaceHolder 1"/>
-          <p:cNvSpPr>
-            <a:spLocks noGrp="1"/>
-          </p:cNvSpPr>
-          <p:nvPr>
-            <p:ph type="title"/>
-          </p:nvPr>
-        </p:nvSpPr>
-        <p:spPr>
-          <a:xfrm>
-            <a:off x="4267080" y="1615680"/>
-            <a:ext cx="4178880" cy="1523880"/>
-          </a:xfrm>
-          <a:prstGeom prst="rect">
-            <a:avLst/>
-          </a:prstGeom>
-          <a:noFill/>
-          <a:ln w="0">
-            <a:noFill/>
-          </a:ln>
-        </p:spPr>
-        <p:txBody>
-          <a:bodyPr lIns="0" rIns="0" tIns="0" bIns="0" anchor="ctr">
-            <a:noAutofit/>
-          </a:bodyPr>
-          <a:p>
-            <a:pPr indent="0">
-              <a:buNone/>
-            </a:pPr>
-            <a:r>
-              <a:rPr b="0" lang="ru-RU" sz="1800" spc="-1" strike="noStrike">
-                <a:solidFill>
-                  <a:srgbClr val="000000"/>
-                </a:solidFill>
-                <a:latin typeface="Arial"/>
-              </a:rPr>
-              <a:t>Для правки текста заглавия щёлкните мышью</a:t>
-            </a:r>
-            <a:endParaRPr b="0" lang="ru-RU" sz="1800" spc="-1" strike="noStrike">
-              <a:solidFill>
-                <a:srgbClr val="000000"/>
-              </a:solidFill>
-              <a:latin typeface="Arial"/>
-            </a:endParaRPr>
-          </a:p>
-        </p:txBody>
-      </p:sp>
-      <p:sp>
-        <p:nvSpPr>
-          <p:cNvPr id="78" name="PlaceHolder 2"/>
-          <p:cNvSpPr>
-            <a:spLocks noGrp="1"/>
-          </p:cNvSpPr>
-          <p:nvPr>
-            <p:ph type="body"/>
-          </p:nvPr>
-        </p:nvSpPr>
-        <p:spPr>
-          <a:xfrm>
-            <a:off x="609480" y="1604520"/>
-            <a:ext cx="5353920" cy="3976920"/>
-          </a:xfrm>
-          <a:prstGeom prst="rect">
-            <a:avLst/>
-          </a:prstGeom>
-          <a:noFill/>
-          <a:ln w="0">
-            <a:noFill/>
-          </a:ln>
-        </p:spPr>
-        <p:txBody>
-          <a:bodyPr lIns="0" rIns="0" tIns="0" bIns="0" anchor="t">
-            <a:normAutofit/>
-          </a:bodyPr>
-          <a:p>
-            <a:pPr marL="432000" indent="-324000">
-              <a:spcBef>
-                <a:spcPts val="1417"/>
-              </a:spcBef>
-              <a:buClr>
-                <a:srgbClr val="000000"/>
-              </a:buClr>
-              <a:buSzPct val="45000"/>
-              <a:buFont typeface="Wingdings" charset="2"/>
-              <a:buChar char=""/>
-            </a:pPr>
-            <a:r>
-              <a:rPr b="0" lang="ru-RU" sz="1800" spc="-1" strike="noStrike">
-                <a:solidFill>
-                  <a:srgbClr val="000000"/>
-                </a:solidFill>
-                <a:latin typeface="Arial"/>
-              </a:rPr>
-              <a:t>Для правки структуры щёлкните мышью</a:t>
-            </a:r>
-            <a:endParaRPr b="0" lang="ru-RU" sz="1800" spc="-1" strike="noStrike">
-              <a:solidFill>
-                <a:srgbClr val="000000"/>
-              </a:solidFill>
-              <a:latin typeface="Arial"/>
-            </a:endParaRPr>
-          </a:p>
-          <a:p>
-            <a:pPr lvl="1" marL="864000" indent="-324000">
-              <a:spcBef>
-                <a:spcPts val="1134"/>
-              </a:spcBef>
-              <a:buClr>
-                <a:srgbClr val="000000"/>
-              </a:buClr>
-              <a:buSzPct val="75000"/>
-              <a:buFont typeface="Symbol" charset="2"/>
-              <a:buChar char=""/>
-            </a:pPr>
-            <a:r>
-              <a:rPr b="0" lang="ru-RU" sz="1800" spc="-1" strike="noStrike">
-                <a:solidFill>
-                  <a:srgbClr val="000000"/>
-                </a:solidFill>
-                <a:latin typeface="Arial"/>
-              </a:rPr>
-              <a:t>Второй уровень структуры</a:t>
-            </a:r>
-            <a:endParaRPr b="0" lang="ru-RU" sz="1800" spc="-1" strike="noStrike">
-              <a:solidFill>
-                <a:srgbClr val="000000"/>
-              </a:solidFill>
-              <a:latin typeface="Arial"/>
-            </a:endParaRPr>
-          </a:p>
-          <a:p>
-            <a:pPr lvl="2" marL="1296000" indent="-288000">
-              <a:spcBef>
-                <a:spcPts val="850"/>
-              </a:spcBef>
-              <a:buClr>
-                <a:srgbClr val="000000"/>
-              </a:buClr>
-              <a:buSzPct val="45000"/>
-              <a:buFont typeface="Wingdings" charset="2"/>
-              <a:buChar char=""/>
-            </a:pPr>
-            <a:r>
-              <a:rPr b="0" lang="ru-RU" sz="1800" spc="-1" strike="noStrike">
-                <a:solidFill>
-                  <a:srgbClr val="000000"/>
-                </a:solidFill>
-                <a:latin typeface="Arial"/>
-              </a:rPr>
-              <a:t>Третий уровень структуры</a:t>
-            </a:r>
-            <a:endParaRPr b="0" lang="ru-RU" sz="1800" spc="-1" strike="noStrike">
-              <a:solidFill>
-                <a:srgbClr val="000000"/>
-              </a:solidFill>
-              <a:latin typeface="Arial"/>
-            </a:endParaRPr>
-          </a:p>
-          <a:p>
-            <a:pPr lvl="3" marL="1728000" indent="-216000">
-              <a:spcBef>
-                <a:spcPts val="567"/>
-              </a:spcBef>
-              <a:buClr>
-                <a:srgbClr val="000000"/>
-              </a:buClr>
-              <a:buSzPct val="75000"/>
-              <a:buFont typeface="Symbol" charset="2"/>
-              <a:buChar char=""/>
-            </a:pPr>
-            <a:r>
-              <a:rPr b="0" lang="ru-RU" sz="1800" spc="-1" strike="noStrike">
-                <a:solidFill>
-                  <a:srgbClr val="000000"/>
-                </a:solidFill>
-                <a:latin typeface="Arial"/>
-              </a:rPr>
-              <a:t>Четвёртый уровень структуры</a:t>
-            </a:r>
-            <a:endParaRPr b="0" lang="ru-RU" sz="1800" spc="-1" strike="noStrike">
-              <a:solidFill>
-                <a:srgbClr val="000000"/>
-              </a:solidFill>
-              <a:latin typeface="Arial"/>
-            </a:endParaRPr>
-          </a:p>
-          <a:p>
-            <a:pPr lvl="4" marL="2160000" indent="-216000">
-              <a:spcBef>
-                <a:spcPts val="283"/>
-              </a:spcBef>
-              <a:buClr>
-                <a:srgbClr val="000000"/>
-              </a:buClr>
-              <a:buSzPct val="45000"/>
-              <a:buFont typeface="Wingdings" charset="2"/>
-              <a:buChar char=""/>
-            </a:pPr>
-            <a:r>
-              <a:rPr b="0" lang="ru-RU" sz="1800" spc="-1" strike="noStrike">
-                <a:solidFill>
-                  <a:srgbClr val="000000"/>
-                </a:solidFill>
-                <a:latin typeface="Arial"/>
-              </a:rPr>
-              <a:t>Пятый уровень структуры</a:t>
-            </a:r>
-            <a:endParaRPr b="0" lang="ru-RU" sz="1800" spc="-1" strike="noStrike">
-              <a:solidFill>
-                <a:srgbClr val="000000"/>
-              </a:solidFill>
-              <a:latin typeface="Arial"/>
-            </a:endParaRPr>
-          </a:p>
-          <a:p>
-            <a:pPr lvl="5" marL="2592000" indent="-216000">
-              <a:spcBef>
-                <a:spcPts val="283"/>
-              </a:spcBef>
-              <a:buClr>
-                <a:srgbClr val="000000"/>
-              </a:buClr>
-              <a:buSzPct val="45000"/>
-              <a:buFont typeface="Wingdings" charset="2"/>
-              <a:buChar char=""/>
-            </a:pPr>
-            <a:r>
-              <a:rPr b="0" lang="ru-RU" sz="1800" spc="-1" strike="noStrike">
-                <a:solidFill>
-                  <a:srgbClr val="000000"/>
-                </a:solidFill>
-                <a:latin typeface="Arial"/>
-              </a:rPr>
-              <a:t>Шестой уровень структуры</a:t>
-            </a:r>
-            <a:endParaRPr b="0" lang="ru-RU" sz="1800" spc="-1" strike="noStrike">
-              <a:solidFill>
-                <a:srgbClr val="000000"/>
-              </a:solidFill>
-              <a:latin typeface="Arial"/>
-            </a:endParaRPr>
-          </a:p>
-          <a:p>
-            <a:pPr lvl="6" marL="3024000" indent="-216000">
-              <a:spcBef>
-                <a:spcPts val="283"/>
-              </a:spcBef>
-              <a:buClr>
-                <a:srgbClr val="000000"/>
-              </a:buClr>
-              <a:buSzPct val="45000"/>
-              <a:buFont typeface="Wingdings" charset="2"/>
-              <a:buChar char=""/>
-            </a:pPr>
-            <a:r>
-              <a:rPr b="0" lang="ru-RU" sz="1800" spc="-1" strike="noStrike">
-                <a:solidFill>
-                  <a:srgbClr val="000000"/>
-                </a:solidFill>
-                <a:latin typeface="Arial"/>
-              </a:rPr>
-              <a:t>Седьмой уровень структуры</a:t>
-            </a:r>
-            <a:endParaRPr b="0" lang="ru-RU" sz="1800" spc="-1" strike="noStrike">
-              <a:solidFill>
-                <a:srgbClr val="000000"/>
-              </a:solidFill>
-              <a:latin typeface="Arial"/>
-            </a:endParaRPr>
-          </a:p>
-        </p:txBody>
-      </p:sp>
-      <p:sp>
-        <p:nvSpPr>
-          <p:cNvPr id="79" name="PlaceHolder 3"/>
-          <p:cNvSpPr>
-            <a:spLocks noGrp="1"/>
-          </p:cNvSpPr>
-          <p:nvPr>
-            <p:ph type="body"/>
-          </p:nvPr>
-        </p:nvSpPr>
-        <p:spPr>
-          <a:xfrm>
-            <a:off x="6231960" y="1604520"/>
-            <a:ext cx="5353920" cy="3976920"/>
-          </a:xfrm>
-          <a:prstGeom prst="rect">
-            <a:avLst/>
-          </a:prstGeom>
-          <a:noFill/>
-          <a:ln w="0">
-            <a:noFill/>
-          </a:ln>
-        </p:spPr>
-        <p:txBody>
-          <a:bodyPr lIns="0" rIns="0" tIns="0" bIns="0" anchor="t">
-            <a:normAutofit/>
-          </a:bodyPr>
-          <a:p>
-            <a:pPr marL="432000" indent="-324000">
-              <a:spcBef>
-                <a:spcPts val="1417"/>
-              </a:spcBef>
-              <a:buClr>
-                <a:srgbClr val="000000"/>
-              </a:buClr>
-              <a:buSzPct val="45000"/>
-              <a:buFont typeface="Wingdings" charset="2"/>
-              <a:buChar char=""/>
-            </a:pPr>
-            <a:r>
-              <a:rPr b="0" lang="ru-RU" sz="1800" spc="-1" strike="noStrike">
-                <a:solidFill>
-                  <a:srgbClr val="000000"/>
-                </a:solidFill>
-                <a:latin typeface="Arial"/>
-              </a:rPr>
-              <a:t>Для правки структуры щёлкните мышью</a:t>
-            </a:r>
-            <a:endParaRPr b="0" lang="ru-RU" sz="1800" spc="-1" strike="noStrike">
-              <a:solidFill>
-                <a:srgbClr val="000000"/>
-              </a:solidFill>
-              <a:latin typeface="Arial"/>
-            </a:endParaRPr>
-          </a:p>
-          <a:p>
-            <a:pPr lvl="1" marL="864000" indent="-324000">
-              <a:spcBef>
-                <a:spcPts val="1134"/>
-              </a:spcBef>
-              <a:buClr>
-                <a:srgbClr val="000000"/>
-              </a:buClr>
-              <a:buSzPct val="75000"/>
-              <a:buFont typeface="Symbol" charset="2"/>
-              <a:buChar char=""/>
-            </a:pPr>
-            <a:r>
-              <a:rPr b="0" lang="ru-RU" sz="1800" spc="-1" strike="noStrike">
-                <a:solidFill>
-                  <a:srgbClr val="000000"/>
-                </a:solidFill>
-                <a:latin typeface="Arial"/>
-              </a:rPr>
-              <a:t>Второй уровень структуры</a:t>
-            </a:r>
-            <a:endParaRPr b="0" lang="ru-RU" sz="1800" spc="-1" strike="noStrike">
-              <a:solidFill>
-                <a:srgbClr val="000000"/>
-              </a:solidFill>
-              <a:latin typeface="Arial"/>
-            </a:endParaRPr>
-          </a:p>
-          <a:p>
-            <a:pPr lvl="2" marL="1296000" indent="-288000">
-              <a:spcBef>
-                <a:spcPts val="850"/>
-              </a:spcBef>
-              <a:buClr>
-                <a:srgbClr val="000000"/>
-              </a:buClr>
-              <a:buSzPct val="45000"/>
-              <a:buFont typeface="Wingdings" charset="2"/>
-              <a:buChar char=""/>
-            </a:pPr>
-            <a:r>
-              <a:rPr b="0" lang="ru-RU" sz="1800" spc="-1" strike="noStrike">
-                <a:solidFill>
-                  <a:srgbClr val="000000"/>
-                </a:solidFill>
-                <a:latin typeface="Arial"/>
-              </a:rPr>
-              <a:t>Третий уровень структуры</a:t>
-            </a:r>
-            <a:endParaRPr b="0" lang="ru-RU" sz="1800" spc="-1" strike="noStrike">
-              <a:solidFill>
-                <a:srgbClr val="000000"/>
-              </a:solidFill>
-              <a:latin typeface="Arial"/>
-            </a:endParaRPr>
-          </a:p>
-          <a:p>
-            <a:pPr lvl="3" marL="1728000" indent="-216000">
-              <a:spcBef>
-                <a:spcPts val="567"/>
-              </a:spcBef>
-              <a:buClr>
-                <a:srgbClr val="000000"/>
-              </a:buClr>
-              <a:buSzPct val="75000"/>
-              <a:buFont typeface="Symbol" charset="2"/>
-              <a:buChar char=""/>
-            </a:pPr>
-            <a:r>
-              <a:rPr b="0" lang="ru-RU" sz="1800" spc="-1" strike="noStrike">
-                <a:solidFill>
-                  <a:srgbClr val="000000"/>
-                </a:solidFill>
-                <a:latin typeface="Arial"/>
-              </a:rPr>
-              <a:t>Четвёртый уровень структуры</a:t>
-            </a:r>
-            <a:endParaRPr b="0" lang="ru-RU" sz="1800" spc="-1" strike="noStrike">
-              <a:solidFill>
-                <a:srgbClr val="000000"/>
-              </a:solidFill>
-              <a:latin typeface="Arial"/>
-            </a:endParaRPr>
-          </a:p>
-          <a:p>
-            <a:pPr lvl="4" marL="2160000" indent="-216000">
-              <a:spcBef>
-                <a:spcPts val="283"/>
-              </a:spcBef>
-              <a:buClr>
-                <a:srgbClr val="000000"/>
-              </a:buClr>
-              <a:buSzPct val="45000"/>
-              <a:buFont typeface="Wingdings" charset="2"/>
-              <a:buChar char=""/>
-            </a:pPr>
-            <a:r>
-              <a:rPr b="0" lang="ru-RU" sz="1800" spc="-1" strike="noStrike">
-                <a:solidFill>
-                  <a:srgbClr val="000000"/>
-                </a:solidFill>
-                <a:latin typeface="Arial"/>
-              </a:rPr>
-              <a:t>Пятый уровень структуры</a:t>
-            </a:r>
-            <a:endParaRPr b="0" lang="ru-RU" sz="1800" spc="-1" strike="noStrike">
-              <a:solidFill>
-                <a:srgbClr val="000000"/>
-              </a:solidFill>
-              <a:latin typeface="Arial"/>
-            </a:endParaRPr>
-          </a:p>
-          <a:p>
-            <a:pPr lvl="5" marL="2592000" indent="-216000">
-              <a:spcBef>
-                <a:spcPts val="283"/>
-              </a:spcBef>
-              <a:buClr>
-                <a:srgbClr val="000000"/>
-              </a:buClr>
-              <a:buSzPct val="45000"/>
-              <a:buFont typeface="Wingdings" charset="2"/>
-              <a:buChar char=""/>
-            </a:pPr>
-            <a:r>
-              <a:rPr b="0" lang="ru-RU" sz="1800" spc="-1" strike="noStrike">
-                <a:solidFill>
-                  <a:srgbClr val="000000"/>
-                </a:solidFill>
-                <a:latin typeface="Arial"/>
-              </a:rPr>
-              <a:t>Шестой уровень структуры</a:t>
-            </a:r>
-            <a:endParaRPr b="0" lang="ru-RU" sz="1800" spc="-1" strike="noStrike">
-              <a:solidFill>
-                <a:srgbClr val="000000"/>
-              </a:solidFill>
-              <a:latin typeface="Arial"/>
-            </a:endParaRPr>
-          </a:p>
-          <a:p>
-            <a:pPr lvl="6" marL="3024000" indent="-216000">
-              <a:spcBef>
-                <a:spcPts val="283"/>
-              </a:spcBef>
-              <a:buClr>
-                <a:srgbClr val="000000"/>
-              </a:buClr>
-              <a:buSzPct val="45000"/>
-              <a:buFont typeface="Wingdings" charset="2"/>
-              <a:buChar char=""/>
-            </a:pPr>
-            <a:r>
-              <a:rPr b="0" lang="ru-RU" sz="1800" spc="-1" strike="noStrike">
-                <a:solidFill>
-                  <a:srgbClr val="000000"/>
-                </a:solidFill>
-                <a:latin typeface="Arial"/>
-              </a:rPr>
-              <a:t>Седьмой уровень структуры</a:t>
-            </a:r>
-            <a:endParaRPr b="0" lang="ru-RU" sz="1800" spc="-1" strike="noStrike">
-              <a:solidFill>
-                <a:srgbClr val="000000"/>
-              </a:solidFill>
-              <a:latin typeface="Arial"/>
-            </a:endParaRPr>
-          </a:p>
-        </p:txBody>
-      </p:sp>
-      <p:sp>
-        <p:nvSpPr>
-          <p:cNvPr id="80" name="PlaceHolder 4"/>
-          <p:cNvSpPr>
-            <a:spLocks noGrp="1"/>
-          </p:cNvSpPr>
-          <p:nvPr>
-            <p:ph type="ftr" idx="21"/>
-          </p:nvPr>
-        </p:nvSpPr>
-        <p:spPr>
-          <a:xfrm>
-            <a:off x="1333440" y="6356520"/>
-            <a:ext cx="3818520" cy="364320"/>
-          </a:xfrm>
-          <a:prstGeom prst="rect">
-            <a:avLst/>
-          </a:prstGeom>
-          <a:noFill/>
-          <a:ln w="0">
-            <a:noFill/>
-          </a:ln>
-        </p:spPr>
-        <p:txBody>
-          <a:bodyPr lIns="91440" rIns="91440" tIns="45720" bIns="45720" anchor="ctr">
-            <a:noAutofit/>
-          </a:bodyPr>
-          <a:lstStyle>
-            <a:lvl1pPr indent="0" defTabSz="914400">
-              <a:lnSpc>
-                <a:spcPct val="100000"/>
-              </a:lnSpc>
-              <a:buNone/>
-              <a:tabLst>
-                <a:tab algn="l" pos="0"/>
-              </a:tabLst>
-              <a:defRPr b="0" lang="ru-RU" sz="900" spc="-1" strike="noStrike">
-                <a:solidFill>
-                  <a:schemeClr val="dk1">
-                    <a:tint val="75000"/>
-                  </a:schemeClr>
-                </a:solidFill>
-                <a:latin typeface="Arial"/>
-              </a:defRPr>
-            </a:lvl1pPr>
-          </a:lstStyle>
-          <a:p>
-            <a:pPr indent="0" defTabSz="914400">
-              <a:lnSpc>
-                <a:spcPct val="100000"/>
-              </a:lnSpc>
-              <a:buNone/>
-              <a:tabLst>
-                <a:tab algn="l" pos="0"/>
-              </a:tabLst>
-            </a:pPr>
-            <a:r>
-              <a:rPr b="0" lang="ru-RU" sz="900" spc="-1" strike="noStrike">
-                <a:solidFill>
-                  <a:schemeClr val="dk1">
-                    <a:tint val="75000"/>
-                  </a:schemeClr>
-                </a:solidFill>
-                <a:latin typeface="Arial"/>
-              </a:rPr>
-              <a:t>&lt;нижний колонтитул&gt;</a:t>
-            </a:r>
-            <a:endParaRPr b="0" lang="ru-RU" sz="900" spc="-1" strike="noStrike">
-              <a:solidFill>
-                <a:srgbClr val="000000"/>
-              </a:solidFill>
-              <a:latin typeface="Times New Roman"/>
-            </a:endParaRPr>
-          </a:p>
-        </p:txBody>
-      </p:sp>
-      <p:sp>
-        <p:nvSpPr>
-          <p:cNvPr id="81" name="PlaceHolder 5"/>
-          <p:cNvSpPr>
-            <a:spLocks noGrp="1"/>
-          </p:cNvSpPr>
-          <p:nvPr>
-            <p:ph type="sldNum" idx="22"/>
-          </p:nvPr>
-        </p:nvSpPr>
-        <p:spPr>
-          <a:xfrm>
-            <a:off x="10373400" y="6356520"/>
-            <a:ext cx="986760" cy="364320"/>
-          </a:xfrm>
-          <a:prstGeom prst="rect">
-            <a:avLst/>
-          </a:prstGeom>
-          <a:noFill/>
-          <a:ln w="0">
-            <a:noFill/>
-          </a:ln>
-        </p:spPr>
-        <p:txBody>
-          <a:bodyPr lIns="91440" rIns="91440" tIns="45720" bIns="45720" anchor="ctr">
-            <a:noAutofit/>
-          </a:bodyPr>
-          <a:lstStyle>
-            <a:lvl1pPr indent="0" algn="r" defTabSz="914400">
-              <a:lnSpc>
-                <a:spcPct val="100000"/>
-              </a:lnSpc>
-              <a:buNone/>
-              <a:tabLst>
-                <a:tab algn="l" pos="0"/>
-              </a:tabLst>
-              <a:defRPr b="0" lang="ru-RU" sz="900" spc="-1" strike="noStrike">
-                <a:solidFill>
-                  <a:schemeClr val="dk1">
-                    <a:tint val="75000"/>
-                  </a:schemeClr>
-                </a:solidFill>
-                <a:latin typeface="Arial"/>
-              </a:defRPr>
-            </a:lvl1pPr>
-          </a:lstStyle>
-          <a:p>
-            <a:pPr indent="0" algn="r" defTabSz="914400">
-              <a:lnSpc>
-                <a:spcPct val="100000"/>
-              </a:lnSpc>
-              <a:buNone/>
-              <a:tabLst>
-                <a:tab algn="l" pos="0"/>
-              </a:tabLst>
-            </a:pPr>
-            <a:fld id="{257DF022-C968-49EE-B77D-1FB6012CC707}" type="slidenum">
-              <a:rPr b="0" lang="ru-RU" sz="900" spc="-1" strike="noStrike">
-                <a:solidFill>
-                  <a:schemeClr val="dk1">
-                    <a:tint val="75000"/>
-                  </a:schemeClr>
-                </a:solidFill>
-                <a:latin typeface="Arial"/>
-              </a:rPr>
-              <a:t>&lt;номер&gt;</a:t>
-            </a:fld>
-            <a:endParaRPr b="0" lang="ru-RU" sz="900" spc="-1" strike="noStrike">
-              <a:solidFill>
-                <a:srgbClr val="000000"/>
-              </a:solidFill>
-              <a:latin typeface="Times New Roman"/>
-            </a:endParaRPr>
-          </a:p>
-        </p:txBody>
-      </p:sp>
-    </p:spTree>
-  </p:cSld>
-  <p:clrMap bg1="lt1" bg2="lt2" tx1="dk1" tx2="dk2" accent1="accent1" accent2="accent2" accent3="accent3" accent4="accent4" accent5="accent5" accent6="accent6" hlink="hlink" folHlink="folHlink"/>
-  <p:sldLayoutIdLst>
-    <p:sldLayoutId id="2147483678" r:id="rId2"/>
+    <p:sldLayoutId id="2147483677" r:id="rId4"/>
   </p:sldLayoutIdLst>
 </p:sldMaster>
 </file>
@@ -6202,7 +6079,7 @@
       </p:grpSpPr>
       <p:grpSp>
         <p:nvGrpSpPr>
-          <p:cNvPr id="85" name="Группа 9">
+          <p:cNvPr id="80" name="Группа 9">
             <a:extLst>
               <a:ext uri="{C183D7F6-B498-43B3-948B-1728B52AA6E4}">
                 <adec:decorative xmlns:adec="http://schemas.microsoft.com/office/drawing/2017/decorative" val="1"/>
@@ -6215,21 +6092,21 @@
         <p:grpSpPr>
           <a:xfrm>
             <a:off x="4429800" y="0"/>
-            <a:ext cx="7762320" cy="2755080"/>
+            <a:ext cx="7762680" cy="2755440"/>
             <a:chOff x="4429800" y="0"/>
-            <a:chExt cx="7762320" cy="2755080"/>
+            <a:chExt cx="7762680" cy="2755440"/>
           </a:xfrm>
         </p:grpSpPr>
         <p:cxnSp>
           <p:nvCxnSpPr>
-            <p:cNvPr id="86" name="Прямая соединительная линия 10"/>
+            <p:cNvPr id="81" name="Прямая соединительная линия 10"/>
             <p:cNvCxnSpPr/>
             <p:nvPr/>
           </p:nvCxnSpPr>
           <p:spPr>
             <a:xfrm flipH="1" flipV="1">
               <a:off x="4429800" y="0"/>
-              <a:ext cx="7762680" cy="1218240"/>
+              <a:ext cx="7763040" cy="1218600"/>
             </a:xfrm>
             <a:prstGeom prst="straightConnector1">
               <a:avLst/>
@@ -6243,14 +6120,14 @@
         </p:cxnSp>
         <p:cxnSp>
           <p:nvCxnSpPr>
-            <p:cNvPr id="87" name="Прямая соединительная линия 11"/>
+            <p:cNvPr id="82" name="Прямая соединительная линия 11"/>
             <p:cNvCxnSpPr/>
             <p:nvPr/>
           </p:nvCxnSpPr>
           <p:spPr>
             <a:xfrm>
               <a:off x="11065680" y="0"/>
-              <a:ext cx="1126800" cy="2755440"/>
+              <a:ext cx="1127160" cy="2755800"/>
             </a:xfrm>
             <a:prstGeom prst="straightConnector1">
               <a:avLst/>
@@ -6265,7 +6142,506 @@
       </p:grpSp>
       <p:sp>
         <p:nvSpPr>
-          <p:cNvPr id="88" name="PlaceHolder 1"/>
+          <p:cNvPr id="83" name="PlaceHolder 1"/>
+          <p:cNvSpPr>
+            <a:spLocks noGrp="1"/>
+          </p:cNvSpPr>
+          <p:nvPr>
+            <p:ph type="title"/>
+          </p:nvPr>
+        </p:nvSpPr>
+        <p:spPr>
+          <a:xfrm>
+            <a:off x="4267080" y="815040"/>
+            <a:ext cx="4178520" cy="3124800"/>
+          </a:xfrm>
+          <a:prstGeom prst="rect">
+            <a:avLst/>
+          </a:prstGeom>
+          <a:noFill/>
+          <a:ln w="0">
+            <a:noFill/>
+          </a:ln>
+        </p:spPr>
+        <p:txBody>
+          <a:bodyPr lIns="0" rIns="0" tIns="0" bIns="0" anchor="ctr">
+            <a:noAutofit/>
+          </a:bodyPr>
+          <a:p>
+            <a:pPr indent="0">
+              <a:buNone/>
+            </a:pPr>
+            <a:r>
+              <a:rPr b="0" lang="ru-RU" sz="1800" spc="-1" strike="noStrike">
+                <a:solidFill>
+                  <a:srgbClr val="000000"/>
+                </a:solidFill>
+                <a:latin typeface="Arial"/>
+              </a:rPr>
+              <a:t>Для правки текста заглавия щёлкните мышью</a:t>
+            </a:r>
+            <a:endParaRPr b="0" lang="ru-RU" sz="1800" spc="-1" strike="noStrike">
+              <a:solidFill>
+                <a:srgbClr val="000000"/>
+              </a:solidFill>
+              <a:latin typeface="Arial"/>
+            </a:endParaRPr>
+          </a:p>
+        </p:txBody>
+      </p:sp>
+      <p:sp>
+        <p:nvSpPr>
+          <p:cNvPr id="84" name="PlaceHolder 2"/>
+          <p:cNvSpPr>
+            <a:spLocks noGrp="1"/>
+          </p:cNvSpPr>
+          <p:nvPr>
+            <p:ph type="body"/>
+          </p:nvPr>
+        </p:nvSpPr>
+        <p:spPr>
+          <a:xfrm>
+            <a:off x="609480" y="1604520"/>
+            <a:ext cx="5353920" cy="3976920"/>
+          </a:xfrm>
+          <a:prstGeom prst="rect">
+            <a:avLst/>
+          </a:prstGeom>
+          <a:noFill/>
+          <a:ln w="0">
+            <a:noFill/>
+          </a:ln>
+        </p:spPr>
+        <p:txBody>
+          <a:bodyPr lIns="0" rIns="0" tIns="0" bIns="0" anchor="t">
+            <a:normAutofit/>
+          </a:bodyPr>
+          <a:p>
+            <a:pPr marL="432000" indent="-324000">
+              <a:spcBef>
+                <a:spcPts val="1417"/>
+              </a:spcBef>
+              <a:buClr>
+                <a:srgbClr val="000000"/>
+              </a:buClr>
+              <a:buSzPct val="45000"/>
+              <a:buFont typeface="Wingdings" charset="2"/>
+              <a:buChar char=""/>
+            </a:pPr>
+            <a:r>
+              <a:rPr b="0" lang="ru-RU" sz="1800" spc="-1" strike="noStrike">
+                <a:solidFill>
+                  <a:srgbClr val="000000"/>
+                </a:solidFill>
+                <a:latin typeface="Arial"/>
+              </a:rPr>
+              <a:t>Для правки структуры щёлкните мышью</a:t>
+            </a:r>
+            <a:endParaRPr b="0" lang="ru-RU" sz="1800" spc="-1" strike="noStrike">
+              <a:solidFill>
+                <a:srgbClr val="000000"/>
+              </a:solidFill>
+              <a:latin typeface="Arial"/>
+            </a:endParaRPr>
+          </a:p>
+          <a:p>
+            <a:pPr lvl="1" marL="864000" indent="-324000">
+              <a:spcBef>
+                <a:spcPts val="1134"/>
+              </a:spcBef>
+              <a:buClr>
+                <a:srgbClr val="000000"/>
+              </a:buClr>
+              <a:buSzPct val="75000"/>
+              <a:buFont typeface="Symbol" charset="2"/>
+              <a:buChar char=""/>
+            </a:pPr>
+            <a:r>
+              <a:rPr b="0" lang="ru-RU" sz="1800" spc="-1" strike="noStrike">
+                <a:solidFill>
+                  <a:srgbClr val="000000"/>
+                </a:solidFill>
+                <a:latin typeface="Arial"/>
+              </a:rPr>
+              <a:t>Второй уровень структуры</a:t>
+            </a:r>
+            <a:endParaRPr b="0" lang="ru-RU" sz="1800" spc="-1" strike="noStrike">
+              <a:solidFill>
+                <a:srgbClr val="000000"/>
+              </a:solidFill>
+              <a:latin typeface="Arial"/>
+            </a:endParaRPr>
+          </a:p>
+          <a:p>
+            <a:pPr lvl="2" marL="1296000" indent="-288000">
+              <a:spcBef>
+                <a:spcPts val="850"/>
+              </a:spcBef>
+              <a:buClr>
+                <a:srgbClr val="000000"/>
+              </a:buClr>
+              <a:buSzPct val="45000"/>
+              <a:buFont typeface="Wingdings" charset="2"/>
+              <a:buChar char=""/>
+            </a:pPr>
+            <a:r>
+              <a:rPr b="0" lang="ru-RU" sz="1800" spc="-1" strike="noStrike">
+                <a:solidFill>
+                  <a:srgbClr val="000000"/>
+                </a:solidFill>
+                <a:latin typeface="Arial"/>
+              </a:rPr>
+              <a:t>Третий уровень структуры</a:t>
+            </a:r>
+            <a:endParaRPr b="0" lang="ru-RU" sz="1800" spc="-1" strike="noStrike">
+              <a:solidFill>
+                <a:srgbClr val="000000"/>
+              </a:solidFill>
+              <a:latin typeface="Arial"/>
+            </a:endParaRPr>
+          </a:p>
+          <a:p>
+            <a:pPr lvl="3" marL="1728000" indent="-216000">
+              <a:spcBef>
+                <a:spcPts val="567"/>
+              </a:spcBef>
+              <a:buClr>
+                <a:srgbClr val="000000"/>
+              </a:buClr>
+              <a:buSzPct val="75000"/>
+              <a:buFont typeface="Symbol" charset="2"/>
+              <a:buChar char=""/>
+            </a:pPr>
+            <a:r>
+              <a:rPr b="0" lang="ru-RU" sz="1800" spc="-1" strike="noStrike">
+                <a:solidFill>
+                  <a:srgbClr val="000000"/>
+                </a:solidFill>
+                <a:latin typeface="Arial"/>
+              </a:rPr>
+              <a:t>Четвёртый уровень структуры</a:t>
+            </a:r>
+            <a:endParaRPr b="0" lang="ru-RU" sz="1800" spc="-1" strike="noStrike">
+              <a:solidFill>
+                <a:srgbClr val="000000"/>
+              </a:solidFill>
+              <a:latin typeface="Arial"/>
+            </a:endParaRPr>
+          </a:p>
+          <a:p>
+            <a:pPr lvl="4" marL="2160000" indent="-216000">
+              <a:spcBef>
+                <a:spcPts val="283"/>
+              </a:spcBef>
+              <a:buClr>
+                <a:srgbClr val="000000"/>
+              </a:buClr>
+              <a:buSzPct val="45000"/>
+              <a:buFont typeface="Wingdings" charset="2"/>
+              <a:buChar char=""/>
+            </a:pPr>
+            <a:r>
+              <a:rPr b="0" lang="ru-RU" sz="1800" spc="-1" strike="noStrike">
+                <a:solidFill>
+                  <a:srgbClr val="000000"/>
+                </a:solidFill>
+                <a:latin typeface="Arial"/>
+              </a:rPr>
+              <a:t>Пятый уровень структуры</a:t>
+            </a:r>
+            <a:endParaRPr b="0" lang="ru-RU" sz="1800" spc="-1" strike="noStrike">
+              <a:solidFill>
+                <a:srgbClr val="000000"/>
+              </a:solidFill>
+              <a:latin typeface="Arial"/>
+            </a:endParaRPr>
+          </a:p>
+          <a:p>
+            <a:pPr lvl="5" marL="2592000" indent="-216000">
+              <a:spcBef>
+                <a:spcPts val="283"/>
+              </a:spcBef>
+              <a:buClr>
+                <a:srgbClr val="000000"/>
+              </a:buClr>
+              <a:buSzPct val="45000"/>
+              <a:buFont typeface="Wingdings" charset="2"/>
+              <a:buChar char=""/>
+            </a:pPr>
+            <a:r>
+              <a:rPr b="0" lang="ru-RU" sz="1800" spc="-1" strike="noStrike">
+                <a:solidFill>
+                  <a:srgbClr val="000000"/>
+                </a:solidFill>
+                <a:latin typeface="Arial"/>
+              </a:rPr>
+              <a:t>Шестой уровень структуры</a:t>
+            </a:r>
+            <a:endParaRPr b="0" lang="ru-RU" sz="1800" spc="-1" strike="noStrike">
+              <a:solidFill>
+                <a:srgbClr val="000000"/>
+              </a:solidFill>
+              <a:latin typeface="Arial"/>
+            </a:endParaRPr>
+          </a:p>
+          <a:p>
+            <a:pPr lvl="6" marL="3024000" indent="-216000">
+              <a:spcBef>
+                <a:spcPts val="283"/>
+              </a:spcBef>
+              <a:buClr>
+                <a:srgbClr val="000000"/>
+              </a:buClr>
+              <a:buSzPct val="45000"/>
+              <a:buFont typeface="Wingdings" charset="2"/>
+              <a:buChar char=""/>
+            </a:pPr>
+            <a:r>
+              <a:rPr b="0" lang="ru-RU" sz="1800" spc="-1" strike="noStrike">
+                <a:solidFill>
+                  <a:srgbClr val="000000"/>
+                </a:solidFill>
+                <a:latin typeface="Arial"/>
+              </a:rPr>
+              <a:t>Седьмой уровень структуры</a:t>
+            </a:r>
+            <a:endParaRPr b="0" lang="ru-RU" sz="1800" spc="-1" strike="noStrike">
+              <a:solidFill>
+                <a:srgbClr val="000000"/>
+              </a:solidFill>
+              <a:latin typeface="Arial"/>
+            </a:endParaRPr>
+          </a:p>
+        </p:txBody>
+      </p:sp>
+      <p:sp>
+        <p:nvSpPr>
+          <p:cNvPr id="85" name="PlaceHolder 3"/>
+          <p:cNvSpPr>
+            <a:spLocks noGrp="1"/>
+          </p:cNvSpPr>
+          <p:nvPr>
+            <p:ph type="body"/>
+          </p:nvPr>
+        </p:nvSpPr>
+        <p:spPr>
+          <a:xfrm>
+            <a:off x="6231960" y="1604520"/>
+            <a:ext cx="5353920" cy="3976920"/>
+          </a:xfrm>
+          <a:prstGeom prst="rect">
+            <a:avLst/>
+          </a:prstGeom>
+          <a:noFill/>
+          <a:ln w="0">
+            <a:noFill/>
+          </a:ln>
+        </p:spPr>
+        <p:txBody>
+          <a:bodyPr lIns="0" rIns="0" tIns="0" bIns="0" anchor="t">
+            <a:normAutofit/>
+          </a:bodyPr>
+          <a:p>
+            <a:pPr marL="432000" indent="-324000">
+              <a:spcBef>
+                <a:spcPts val="1417"/>
+              </a:spcBef>
+              <a:buClr>
+                <a:srgbClr val="000000"/>
+              </a:buClr>
+              <a:buSzPct val="45000"/>
+              <a:buFont typeface="Wingdings" charset="2"/>
+              <a:buChar char=""/>
+            </a:pPr>
+            <a:r>
+              <a:rPr b="0" lang="ru-RU" sz="1800" spc="-1" strike="noStrike">
+                <a:solidFill>
+                  <a:srgbClr val="000000"/>
+                </a:solidFill>
+                <a:latin typeface="Arial"/>
+              </a:rPr>
+              <a:t>Для правки структуры щёлкните мышью</a:t>
+            </a:r>
+            <a:endParaRPr b="0" lang="ru-RU" sz="1800" spc="-1" strike="noStrike">
+              <a:solidFill>
+                <a:srgbClr val="000000"/>
+              </a:solidFill>
+              <a:latin typeface="Arial"/>
+            </a:endParaRPr>
+          </a:p>
+          <a:p>
+            <a:pPr lvl="1" marL="864000" indent="-324000">
+              <a:spcBef>
+                <a:spcPts val="1134"/>
+              </a:spcBef>
+              <a:buClr>
+                <a:srgbClr val="000000"/>
+              </a:buClr>
+              <a:buSzPct val="75000"/>
+              <a:buFont typeface="Symbol" charset="2"/>
+              <a:buChar char=""/>
+            </a:pPr>
+            <a:r>
+              <a:rPr b="0" lang="ru-RU" sz="1800" spc="-1" strike="noStrike">
+                <a:solidFill>
+                  <a:srgbClr val="000000"/>
+                </a:solidFill>
+                <a:latin typeface="Arial"/>
+              </a:rPr>
+              <a:t>Второй уровень структуры</a:t>
+            </a:r>
+            <a:endParaRPr b="0" lang="ru-RU" sz="1800" spc="-1" strike="noStrike">
+              <a:solidFill>
+                <a:srgbClr val="000000"/>
+              </a:solidFill>
+              <a:latin typeface="Arial"/>
+            </a:endParaRPr>
+          </a:p>
+          <a:p>
+            <a:pPr lvl="2" marL="1296000" indent="-288000">
+              <a:spcBef>
+                <a:spcPts val="850"/>
+              </a:spcBef>
+              <a:buClr>
+                <a:srgbClr val="000000"/>
+              </a:buClr>
+              <a:buSzPct val="45000"/>
+              <a:buFont typeface="Wingdings" charset="2"/>
+              <a:buChar char=""/>
+            </a:pPr>
+            <a:r>
+              <a:rPr b="0" lang="ru-RU" sz="1800" spc="-1" strike="noStrike">
+                <a:solidFill>
+                  <a:srgbClr val="000000"/>
+                </a:solidFill>
+                <a:latin typeface="Arial"/>
+              </a:rPr>
+              <a:t>Третий уровень структуры</a:t>
+            </a:r>
+            <a:endParaRPr b="0" lang="ru-RU" sz="1800" spc="-1" strike="noStrike">
+              <a:solidFill>
+                <a:srgbClr val="000000"/>
+              </a:solidFill>
+              <a:latin typeface="Arial"/>
+            </a:endParaRPr>
+          </a:p>
+          <a:p>
+            <a:pPr lvl="3" marL="1728000" indent="-216000">
+              <a:spcBef>
+                <a:spcPts val="567"/>
+              </a:spcBef>
+              <a:buClr>
+                <a:srgbClr val="000000"/>
+              </a:buClr>
+              <a:buSzPct val="75000"/>
+              <a:buFont typeface="Symbol" charset="2"/>
+              <a:buChar char=""/>
+            </a:pPr>
+            <a:r>
+              <a:rPr b="0" lang="ru-RU" sz="1800" spc="-1" strike="noStrike">
+                <a:solidFill>
+                  <a:srgbClr val="000000"/>
+                </a:solidFill>
+                <a:latin typeface="Arial"/>
+              </a:rPr>
+              <a:t>Четвёртый уровень структуры</a:t>
+            </a:r>
+            <a:endParaRPr b="0" lang="ru-RU" sz="1800" spc="-1" strike="noStrike">
+              <a:solidFill>
+                <a:srgbClr val="000000"/>
+              </a:solidFill>
+              <a:latin typeface="Arial"/>
+            </a:endParaRPr>
+          </a:p>
+          <a:p>
+            <a:pPr lvl="4" marL="2160000" indent="-216000">
+              <a:spcBef>
+                <a:spcPts val="283"/>
+              </a:spcBef>
+              <a:buClr>
+                <a:srgbClr val="000000"/>
+              </a:buClr>
+              <a:buSzPct val="45000"/>
+              <a:buFont typeface="Wingdings" charset="2"/>
+              <a:buChar char=""/>
+            </a:pPr>
+            <a:r>
+              <a:rPr b="0" lang="ru-RU" sz="1800" spc="-1" strike="noStrike">
+                <a:solidFill>
+                  <a:srgbClr val="000000"/>
+                </a:solidFill>
+                <a:latin typeface="Arial"/>
+              </a:rPr>
+              <a:t>Пятый уровень структуры</a:t>
+            </a:r>
+            <a:endParaRPr b="0" lang="ru-RU" sz="1800" spc="-1" strike="noStrike">
+              <a:solidFill>
+                <a:srgbClr val="000000"/>
+              </a:solidFill>
+              <a:latin typeface="Arial"/>
+            </a:endParaRPr>
+          </a:p>
+          <a:p>
+            <a:pPr lvl="5" marL="2592000" indent="-216000">
+              <a:spcBef>
+                <a:spcPts val="283"/>
+              </a:spcBef>
+              <a:buClr>
+                <a:srgbClr val="000000"/>
+              </a:buClr>
+              <a:buSzPct val="45000"/>
+              <a:buFont typeface="Wingdings" charset="2"/>
+              <a:buChar char=""/>
+            </a:pPr>
+            <a:r>
+              <a:rPr b="0" lang="ru-RU" sz="1800" spc="-1" strike="noStrike">
+                <a:solidFill>
+                  <a:srgbClr val="000000"/>
+                </a:solidFill>
+                <a:latin typeface="Arial"/>
+              </a:rPr>
+              <a:t>Шестой уровень структуры</a:t>
+            </a:r>
+            <a:endParaRPr b="0" lang="ru-RU" sz="1800" spc="-1" strike="noStrike">
+              <a:solidFill>
+                <a:srgbClr val="000000"/>
+              </a:solidFill>
+              <a:latin typeface="Arial"/>
+            </a:endParaRPr>
+          </a:p>
+          <a:p>
+            <a:pPr lvl="6" marL="3024000" indent="-216000">
+              <a:spcBef>
+                <a:spcPts val="283"/>
+              </a:spcBef>
+              <a:buClr>
+                <a:srgbClr val="000000"/>
+              </a:buClr>
+              <a:buSzPct val="45000"/>
+              <a:buFont typeface="Wingdings" charset="2"/>
+              <a:buChar char=""/>
+            </a:pPr>
+            <a:r>
+              <a:rPr b="0" lang="ru-RU" sz="1800" spc="-1" strike="noStrike">
+                <a:solidFill>
+                  <a:srgbClr val="000000"/>
+                </a:solidFill>
+                <a:latin typeface="Arial"/>
+              </a:rPr>
+              <a:t>Седьмой уровень структуры</a:t>
+            </a:r>
+            <a:endParaRPr b="0" lang="ru-RU" sz="1800" spc="-1" strike="noStrike">
+              <a:solidFill>
+                <a:srgbClr val="000000"/>
+              </a:solidFill>
+              <a:latin typeface="Arial"/>
+            </a:endParaRPr>
+          </a:p>
+        </p:txBody>
+      </p:sp>
+      <p:sp>
+        <p:nvSpPr>
+          <p:cNvPr id="86" name="PlaceHolder 4"/>
           <p:cNvSpPr>
             <a:spLocks noGrp="1"/>
           </p:cNvSpPr>
@@ -6276,7 +6652,7 @@
         <p:spPr>
           <a:xfrm>
             <a:off x="1333440" y="6356520"/>
-            <a:ext cx="3818520" cy="364320"/>
+            <a:ext cx="3818160" cy="363960"/>
           </a:xfrm>
           <a:prstGeom prst="rect">
             <a:avLst/>
@@ -6341,7 +6717,7 @@
       </p:sp>
       <p:sp>
         <p:nvSpPr>
-          <p:cNvPr id="89" name="PlaceHolder 2"/>
+          <p:cNvPr id="87" name="PlaceHolder 5"/>
           <p:cNvSpPr>
             <a:spLocks noGrp="1"/>
           </p:cNvSpPr>
@@ -6352,7 +6728,7 @@
         <p:spPr>
           <a:xfrm>
             <a:off x="10373400" y="6356520"/>
-            <a:ext cx="986760" cy="364320"/>
+            <a:ext cx="986400" cy="363960"/>
           </a:xfrm>
           <a:prstGeom prst="rect">
             <a:avLst/>
@@ -6395,7 +6771,7 @@
                 <a:tab algn="l" pos="0"/>
               </a:tabLst>
             </a:pPr>
-            <a:fld id="{91EB385C-9887-49E0-9D6A-36CACFDB48EC}" type="slidenum">
+            <a:fld id="{A9CFD5F1-EECB-49A5-90B7-740B8958AE17}" type="slidenum">
               <a:rPr b="0" lang="ru-RU" sz="900" spc="-1" strike="noStrike">
                 <a:solidFill>
                   <a:schemeClr val="dk1">
@@ -6419,7 +6795,7 @@
   </p:cSld>
   <p:clrMap bg1="lt1" bg2="lt2" tx1="dk1" tx2="dk2" accent1="accent1" accent2="accent2" accent3="accent3" accent4="accent4" accent5="accent5" accent6="accent6" hlink="hlink" folHlink="folHlink"/>
   <p:sldLayoutIdLst>
-    <p:sldLayoutId id="2147483680" r:id="rId2"/>
+    <p:sldLayoutId id="2147483679" r:id="rId2"/>
   </p:sldLayoutIdLst>
 </p:sldMaster>
 </file>
@@ -6448,36 +6824,72 @@
           <a:chExt cx="0" cy="0"/>
         </a:xfrm>
       </p:grpSpPr>
-      <p:cxnSp>
-        <p:nvCxnSpPr>
-          <p:cNvPr id="90" name="Прямая соединительная линия 10">
+      <p:grpSp>
+        <p:nvGrpSpPr>
+          <p:cNvPr id="91" name="Группа 9">
             <a:extLst>
               <a:ext uri="{C183D7F6-B498-43B3-948B-1728B52AA6E4}">
                 <adec:decorative xmlns:adec="http://schemas.microsoft.com/office/drawing/2017/decorative" val="1"/>
               </a:ext>
             </a:extLst>
           </p:cNvPr>
-          <p:cNvCxnSpPr/>
+          <p:cNvGrpSpPr/>
           <p:nvPr/>
-        </p:nvCxnSpPr>
-        <p:spPr>
-          <a:xfrm flipH="1" flipV="1">
-            <a:off x="3093840" y="0"/>
-            <a:ext cx="1746720" cy="3898440"/>
-          </a:xfrm>
-          <a:prstGeom prst="straightConnector1">
-            <a:avLst/>
-          </a:prstGeom>
-          <a:ln w="0">
-            <a:solidFill>
-              <a:srgbClr val="000000"/>
-            </a:solidFill>
-          </a:ln>
-        </p:spPr>
-      </p:cxnSp>
+        </p:nvGrpSpPr>
+        <p:grpSpPr>
+          <a:xfrm>
+            <a:off x="4429800" y="0"/>
+            <a:ext cx="7762680" cy="2755440"/>
+            <a:chOff x="4429800" y="0"/>
+            <a:chExt cx="7762680" cy="2755440"/>
+          </a:xfrm>
+        </p:grpSpPr>
+        <p:cxnSp>
+          <p:nvCxnSpPr>
+            <p:cNvPr id="92" name="Прямая соединительная линия 10"/>
+            <p:cNvCxnSpPr/>
+            <p:nvPr/>
+          </p:nvCxnSpPr>
+          <p:spPr>
+            <a:xfrm flipH="1" flipV="1">
+              <a:off x="4429800" y="0"/>
+              <a:ext cx="7763040" cy="1218600"/>
+            </a:xfrm>
+            <a:prstGeom prst="straightConnector1">
+              <a:avLst/>
+            </a:prstGeom>
+            <a:ln w="0">
+              <a:solidFill>
+                <a:srgbClr val="000000"/>
+              </a:solidFill>
+            </a:ln>
+          </p:spPr>
+        </p:cxnSp>
+        <p:cxnSp>
+          <p:nvCxnSpPr>
+            <p:cNvPr id="93" name="Прямая соединительная линия 11"/>
+            <p:cNvCxnSpPr/>
+            <p:nvPr/>
+          </p:nvCxnSpPr>
+          <p:spPr>
+            <a:xfrm>
+              <a:off x="11065680" y="0"/>
+              <a:ext cx="1127160" cy="2755800"/>
+            </a:xfrm>
+            <a:prstGeom prst="straightConnector1">
+              <a:avLst/>
+            </a:prstGeom>
+            <a:ln w="0">
+              <a:solidFill>
+                <a:srgbClr val="000000"/>
+              </a:solidFill>
+            </a:ln>
+          </p:spPr>
+        </p:cxnSp>
+      </p:grpSp>
       <p:sp>
         <p:nvSpPr>
-          <p:cNvPr id="91" name="PlaceHolder 1"/>
+          <p:cNvPr id="94" name="PlaceHolder 1"/>
           <p:cNvSpPr>
             <a:spLocks noGrp="1"/>
           </p:cNvSpPr>
@@ -6487,8 +6899,8 @@
         </p:nvSpPr>
         <p:spPr>
           <a:xfrm>
-            <a:off x="825480" y="6356520"/>
-            <a:ext cx="3818520" cy="364320"/>
+            <a:off x="1333440" y="6356520"/>
+            <a:ext cx="3818160" cy="363960"/>
           </a:xfrm>
           <a:prstGeom prst="rect">
             <a:avLst/>
@@ -6553,7 +6965,7 @@
       </p:sp>
       <p:sp>
         <p:nvSpPr>
-          <p:cNvPr id="92" name="PlaceHolder 2"/>
+          <p:cNvPr id="95" name="PlaceHolder 2"/>
           <p:cNvSpPr>
             <a:spLocks noGrp="1"/>
           </p:cNvSpPr>
@@ -6564,7 +6976,7 @@
         <p:spPr>
           <a:xfrm>
             <a:off x="10373400" y="6356520"/>
-            <a:ext cx="986760" cy="364320"/>
+            <a:ext cx="986400" cy="363960"/>
           </a:xfrm>
           <a:prstGeom prst="rect">
             <a:avLst/>
@@ -6607,7 +7019,7 @@
                 <a:tab algn="l" pos="0"/>
               </a:tabLst>
             </a:pPr>
-            <a:fld id="{86C19105-E4C2-44C5-8B42-94066E230793}" type="slidenum">
+            <a:fld id="{EF0DE9C0-AB5B-44D6-90A8-756D04135F38}" type="slidenum">
               <a:rPr b="0" lang="ru-RU" sz="900" spc="-1" strike="noStrike">
                 <a:solidFill>
                   <a:schemeClr val="dk1">
@@ -6631,7 +7043,219 @@
   </p:cSld>
   <p:clrMap bg1="lt1" bg2="lt2" tx1="dk1" tx2="dk2" accent1="accent1" accent2="accent2" accent3="accent3" accent4="accent4" accent5="accent5" accent6="accent6" hlink="hlink" folHlink="folHlink"/>
   <p:sldLayoutIdLst>
-    <p:sldLayoutId id="2147483682" r:id="rId2"/>
+    <p:sldLayoutId id="2147483681" r:id="rId2"/>
+  </p:sldLayoutIdLst>
+</p:sldMaster>
+</file>
+
+<file path=ppt/slideMasters/slideMaster18.xml><?xml version="1.0" encoding="utf-8"?>
+<p:sldMaster xmlns:a="http://schemas.openxmlformats.org/drawingml/2006/main" xmlns:p="http://schemas.openxmlformats.org/presentationml/2006/main" xmlns:r="http://schemas.openxmlformats.org/officeDocument/2006/relationships" xmlns:p14="http://schemas.microsoft.com/office/powerpoint/2010/main" xmlns:p15="http://schemas.microsoft.com/office/powerpoint/2012/main" xmlns:mc="http://schemas.openxmlformats.org/markup-compatibility/2006">
+  <p:cSld>
+    <p:bg>
+      <p:bgPr>
+        <a:solidFill>
+          <a:srgbClr val="ffffff"/>
+        </a:solidFill>
+      </p:bgPr>
+    </p:bg>
+    <p:spTree>
+      <p:nvGrpSpPr>
+        <p:cNvPr id="1" name=""/>
+        <p:cNvGrpSpPr/>
+        <p:nvPr/>
+      </p:nvGrpSpPr>
+      <p:grpSpPr>
+        <a:xfrm>
+          <a:off x="0" y="0"/>
+          <a:ext cx="0" cy="0"/>
+          <a:chOff x="0" y="0"/>
+          <a:chExt cx="0" cy="0"/>
+        </a:xfrm>
+      </p:grpSpPr>
+      <p:cxnSp>
+        <p:nvCxnSpPr>
+          <p:cNvPr id="96" name="Прямая соединительная линия 10">
+            <a:extLst>
+              <a:ext uri="{C183D7F6-B498-43B3-948B-1728B52AA6E4}">
+                <adec:decorative xmlns:adec="http://schemas.microsoft.com/office/drawing/2017/decorative" val="1"/>
+              </a:ext>
+            </a:extLst>
+          </p:cNvPr>
+          <p:cNvCxnSpPr/>
+          <p:nvPr/>
+        </p:nvCxnSpPr>
+        <p:spPr>
+          <a:xfrm flipH="1" flipV="1">
+            <a:off x="3093840" y="0"/>
+            <a:ext cx="1747080" cy="3898800"/>
+          </a:xfrm>
+          <a:prstGeom prst="straightConnector1">
+            <a:avLst/>
+          </a:prstGeom>
+          <a:ln w="0">
+            <a:solidFill>
+              <a:srgbClr val="000000"/>
+            </a:solidFill>
+          </a:ln>
+        </p:spPr>
+      </p:cxnSp>
+      <p:sp>
+        <p:nvSpPr>
+          <p:cNvPr id="97" name="PlaceHolder 1"/>
+          <p:cNvSpPr>
+            <a:spLocks noGrp="1"/>
+          </p:cNvSpPr>
+          <p:nvPr>
+            <p:ph type="ftr" idx="27"/>
+          </p:nvPr>
+        </p:nvSpPr>
+        <p:spPr>
+          <a:xfrm>
+            <a:off x="825480" y="6356520"/>
+            <a:ext cx="3818160" cy="363960"/>
+          </a:xfrm>
+          <a:prstGeom prst="rect">
+            <a:avLst/>
+          </a:prstGeom>
+          <a:noFill/>
+          <a:ln w="0">
+            <a:noFill/>
+          </a:ln>
+        </p:spPr>
+        <p:txBody>
+          <a:bodyPr lIns="91440" rIns="91440" tIns="45720" bIns="45720" anchor="ctr">
+            <a:noAutofit/>
+          </a:bodyPr>
+          <a:lstStyle>
+            <a:lvl1pPr indent="0" defTabSz="914400">
+              <a:lnSpc>
+                <a:spcPct val="100000"/>
+              </a:lnSpc>
+              <a:buNone/>
+              <a:tabLst>
+                <a:tab algn="l" pos="0"/>
+              </a:tabLst>
+              <a:defRPr b="0" lang="ru-RU" sz="900" spc="-1" strike="noStrike">
+                <a:solidFill>
+                  <a:schemeClr val="dk1">
+                    <a:tint val="75000"/>
+                  </a:schemeClr>
+                </a:solidFill>
+                <a:latin typeface="Arial"/>
+              </a:defRPr>
+            </a:lvl1pPr>
+          </a:lstStyle>
+          <a:p>
+            <a:pPr indent="0" defTabSz="914400">
+              <a:lnSpc>
+                <a:spcPct val="100000"/>
+              </a:lnSpc>
+              <a:buNone/>
+              <a:tabLst>
+                <a:tab algn="l" pos="0"/>
+              </a:tabLst>
+            </a:pPr>
+            <a:r>
+              <a:rPr b="0" lang="ru-RU" sz="900" spc="-1" strike="noStrike">
+                <a:solidFill>
+                  <a:schemeClr val="dk1">
+                    <a:tint val="75000"/>
+                  </a:schemeClr>
+                </a:solidFill>
+                <a:latin typeface="Arial"/>
+              </a:rPr>
+              <a:t>&lt;нижний колонтитул&gt;</a:t>
+            </a:r>
+            <a:endParaRPr b="0" lang="ru-RU" sz="900" spc="-1" strike="noStrike">
+              <a:solidFill>
+                <a:srgbClr val="000000"/>
+              </a:solidFill>
+              <a:latin typeface="Times New Roman"/>
+            </a:endParaRPr>
+          </a:p>
+        </p:txBody>
+      </p:sp>
+      <p:sp>
+        <p:nvSpPr>
+          <p:cNvPr id="98" name="PlaceHolder 2"/>
+          <p:cNvSpPr>
+            <a:spLocks noGrp="1"/>
+          </p:cNvSpPr>
+          <p:nvPr>
+            <p:ph type="sldNum" idx="28"/>
+          </p:nvPr>
+        </p:nvSpPr>
+        <p:spPr>
+          <a:xfrm>
+            <a:off x="10373400" y="6356520"/>
+            <a:ext cx="986400" cy="363960"/>
+          </a:xfrm>
+          <a:prstGeom prst="rect">
+            <a:avLst/>
+          </a:prstGeom>
+          <a:noFill/>
+          <a:ln w="0">
+            <a:noFill/>
+          </a:ln>
+        </p:spPr>
+        <p:txBody>
+          <a:bodyPr lIns="91440" rIns="91440" tIns="45720" bIns="45720" anchor="ctr">
+            <a:noAutofit/>
+          </a:bodyPr>
+          <a:lstStyle>
+            <a:lvl1pPr indent="0" algn="r" defTabSz="914400">
+              <a:lnSpc>
+                <a:spcPct val="100000"/>
+              </a:lnSpc>
+              <a:buNone/>
+              <a:tabLst>
+                <a:tab algn="l" pos="0"/>
+              </a:tabLst>
+              <a:defRPr b="0" lang="ru-RU" sz="900" spc="-1" strike="noStrike">
+                <a:solidFill>
+                  <a:schemeClr val="dk1">
+                    <a:tint val="75000"/>
+                  </a:schemeClr>
+                </a:solidFill>
+                <a:latin typeface="Arial"/>
+              </a:defRPr>
+            </a:lvl1pPr>
+          </a:lstStyle>
+          <a:p>
+            <a:pPr indent="0" algn="r" defTabSz="914400">
+              <a:lnSpc>
+                <a:spcPct val="100000"/>
+              </a:lnSpc>
+              <a:buNone/>
+              <a:tabLst>
+                <a:tab algn="l" pos="0"/>
+              </a:tabLst>
+            </a:pPr>
+            <a:fld id="{62CCC6EC-1FFA-47E6-BC69-E928B5A61325}" type="slidenum">
+              <a:rPr b="0" lang="ru-RU" sz="900" spc="-1" strike="noStrike">
+                <a:solidFill>
+                  <a:schemeClr val="dk1">
+                    <a:tint val="75000"/>
+                  </a:schemeClr>
+                </a:solidFill>
+                <a:latin typeface="Arial"/>
+              </a:rPr>
+              <a:t>&lt;номер&gt;</a:t>
+            </a:fld>
+            <a:endParaRPr b="0" lang="ru-RU" sz="900" spc="-1" strike="noStrike">
+              <a:solidFill>
+                <a:srgbClr val="000000"/>
+              </a:solidFill>
+              <a:latin typeface="Times New Roman"/>
+            </a:endParaRPr>
+          </a:p>
+        </p:txBody>
+      </p:sp>
+    </p:spTree>
+  </p:cSld>
+  <p:clrMap bg1="lt1" bg2="lt2" tx1="dk1" tx2="dk2" accent1="accent1" accent2="accent2" accent3="accent3" accent4="accent4" accent5="accent5" accent6="accent6" hlink="hlink" folHlink="folHlink"/>
+  <p:sldLayoutIdLst>
+    <p:sldLayoutId id="2147483683" r:id="rId2"/>
   </p:sldLayoutIdLst>
 </p:sldMaster>
 </file>
@@ -6675,9 +7299,9 @@
         <p:grpSpPr>
           <a:xfrm>
             <a:off x="0" y="0"/>
-            <a:ext cx="2327760" cy="1505880"/>
+            <a:ext cx="2328120" cy="1506240"/>
             <a:chOff x="0" y="0"/>
-            <a:chExt cx="2327760" cy="1505880"/>
+            <a:chExt cx="2328120" cy="1506240"/>
           </a:xfrm>
         </p:grpSpPr>
         <p:cxnSp>
@@ -6689,7 +7313,7 @@
           <p:spPr>
             <a:xfrm flipH="1">
               <a:off x="0" y="0"/>
-              <a:ext cx="1288080" cy="1506240"/>
+              <a:ext cx="1288440" cy="1506600"/>
             </a:xfrm>
             <a:prstGeom prst="straightConnector1">
               <a:avLst/>
@@ -6711,7 +7335,7 @@
           <p:spPr>
             <a:xfrm flipH="1">
               <a:off x="0" y="0"/>
-              <a:ext cx="2328120" cy="1201320"/>
+              <a:ext cx="2328480" cy="1201680"/>
             </a:xfrm>
             <a:prstGeom prst="straightConnector1">
               <a:avLst/>
@@ -6737,7 +7361,7 @@
         <p:spPr>
           <a:xfrm>
             <a:off x="731520" y="6356520"/>
-            <a:ext cx="3818520" cy="364320"/>
+            <a:ext cx="3818160" cy="363960"/>
           </a:xfrm>
           <a:prstGeom prst="rect">
             <a:avLst/>
@@ -6813,7 +7437,7 @@
         <p:spPr>
           <a:xfrm>
             <a:off x="10373400" y="6356520"/>
-            <a:ext cx="986760" cy="364320"/>
+            <a:ext cx="986400" cy="363960"/>
           </a:xfrm>
           <a:prstGeom prst="rect">
             <a:avLst/>
@@ -6856,7 +7480,7 @@
                 <a:tab algn="l" pos="0"/>
               </a:tabLst>
             </a:pPr>
-            <a:fld id="{E832A292-4329-4047-B1EE-50E01E57B432}" type="slidenum">
+            <a:fld id="{AF921143-9880-476C-86B7-9B8D58C13B49}" type="slidenum">
               <a:rPr b="0" lang="ru-RU" sz="900" spc="-1" strike="noStrike">
                 <a:solidFill>
                   <a:schemeClr val="dk1">
@@ -6924,9 +7548,9 @@
         <p:grpSpPr>
           <a:xfrm>
             <a:off x="0" y="0"/>
-            <a:ext cx="2327760" cy="1505880"/>
+            <a:ext cx="2328120" cy="1506240"/>
             <a:chOff x="0" y="0"/>
-            <a:chExt cx="2327760" cy="1505880"/>
+            <a:chExt cx="2328120" cy="1506240"/>
           </a:xfrm>
         </p:grpSpPr>
         <p:cxnSp>
@@ -6938,7 +7562,7 @@
           <p:spPr>
             <a:xfrm flipH="1">
               <a:off x="0" y="0"/>
-              <a:ext cx="1288080" cy="1506240"/>
+              <a:ext cx="1288440" cy="1506600"/>
             </a:xfrm>
             <a:prstGeom prst="straightConnector1">
               <a:avLst/>
@@ -6960,7 +7584,7 @@
           <p:spPr>
             <a:xfrm flipH="1">
               <a:off x="0" y="0"/>
-              <a:ext cx="2328120" cy="1201320"/>
+              <a:ext cx="2328480" cy="1201680"/>
             </a:xfrm>
             <a:prstGeom prst="straightConnector1">
               <a:avLst/>
@@ -6980,287 +7604,13 @@
             <a:spLocks noGrp="1"/>
           </p:cNvSpPr>
           <p:nvPr>
-            <p:ph type="title"/>
-          </p:nvPr>
-        </p:nvSpPr>
-        <p:spPr>
-          <a:xfrm>
-            <a:off x="4267080" y="1615680"/>
-            <a:ext cx="4178880" cy="1523880"/>
-          </a:xfrm>
-          <a:prstGeom prst="rect">
-            <a:avLst/>
-          </a:prstGeom>
-          <a:noFill/>
-          <a:ln w="0">
-            <a:noFill/>
-          </a:ln>
-        </p:spPr>
-        <p:txBody>
-          <a:bodyPr lIns="0" rIns="0" tIns="0" bIns="0" anchor="ctr">
-            <a:noAutofit/>
-          </a:bodyPr>
-          <a:p>
-            <a:pPr indent="0">
-              <a:buNone/>
-            </a:pPr>
-            <a:r>
-              <a:rPr b="0" lang="ru-RU" sz="1800" spc="-1" strike="noStrike">
-                <a:solidFill>
-                  <a:srgbClr val="000000"/>
-                </a:solidFill>
-                <a:latin typeface="Arial"/>
-              </a:rPr>
-              <a:t>Для правки текста заглавия щёлкните мышью</a:t>
-            </a:r>
-            <a:endParaRPr b="0" lang="ru-RU" sz="1800" spc="-1" strike="noStrike">
-              <a:solidFill>
-                <a:srgbClr val="000000"/>
-              </a:solidFill>
-              <a:latin typeface="Arial"/>
-            </a:endParaRPr>
-          </a:p>
-        </p:txBody>
-      </p:sp>
-      <p:sp>
-        <p:nvSpPr>
-          <p:cNvPr id="12" name="PlaceHolder 2"/>
-          <p:cNvSpPr>
-            <a:spLocks noGrp="1"/>
-          </p:cNvSpPr>
-          <p:nvPr>
-            <p:ph type="body"/>
-          </p:nvPr>
-        </p:nvSpPr>
-        <p:spPr>
-          <a:xfrm>
-            <a:off x="609480" y="1604520"/>
-            <a:ext cx="10972080" cy="3976920"/>
-          </a:xfrm>
-          <a:prstGeom prst="rect">
-            <a:avLst/>
-          </a:prstGeom>
-          <a:noFill/>
-          <a:ln w="0">
-            <a:noFill/>
-          </a:ln>
-        </p:spPr>
-        <p:txBody>
-          <a:bodyPr lIns="0" rIns="0" tIns="0" bIns="0" anchor="t">
-            <a:normAutofit/>
-          </a:bodyPr>
-          <a:p>
-            <a:pPr marL="432000" indent="-324000">
-              <a:spcBef>
-                <a:spcPts val="1417"/>
-              </a:spcBef>
-              <a:buClr>
-                <a:srgbClr val="000000"/>
-              </a:buClr>
-              <a:buSzPct val="45000"/>
-              <a:buFont typeface="Wingdings" charset="2"/>
-              <a:buChar char=""/>
-            </a:pPr>
-            <a:r>
-              <a:rPr b="0" lang="ru-RU" sz="1800" spc="-1" strike="noStrike">
-                <a:solidFill>
-                  <a:srgbClr val="000000"/>
-                </a:solidFill>
-                <a:latin typeface="Arial"/>
-              </a:rPr>
-              <a:t>Для правки структуры щёлкните мышью</a:t>
-            </a:r>
-            <a:endParaRPr b="0" lang="ru-RU" sz="1800" spc="-1" strike="noStrike">
-              <a:solidFill>
-                <a:srgbClr val="000000"/>
-              </a:solidFill>
-              <a:latin typeface="Arial"/>
-            </a:endParaRPr>
-          </a:p>
-          <a:p>
-            <a:pPr lvl="1" marL="864000" indent="-324000">
-              <a:spcBef>
-                <a:spcPts val="1134"/>
-              </a:spcBef>
-              <a:buClr>
-                <a:srgbClr val="000000"/>
-              </a:buClr>
-              <a:buSzPct val="75000"/>
-              <a:buFont typeface="Symbol" charset="2"/>
-              <a:buChar char=""/>
-            </a:pPr>
-            <a:r>
-              <a:rPr b="0" lang="ru-RU" sz="1800" spc="-1" strike="noStrike">
-                <a:solidFill>
-                  <a:srgbClr val="000000"/>
-                </a:solidFill>
-                <a:latin typeface="Arial"/>
-              </a:rPr>
-              <a:t>Второй уровень структуры</a:t>
-            </a:r>
-            <a:endParaRPr b="0" lang="ru-RU" sz="1800" spc="-1" strike="noStrike">
-              <a:solidFill>
-                <a:srgbClr val="000000"/>
-              </a:solidFill>
-              <a:latin typeface="Arial"/>
-            </a:endParaRPr>
-          </a:p>
-          <a:p>
-            <a:pPr lvl="2" marL="1296000" indent="-288000">
-              <a:spcBef>
-                <a:spcPts val="850"/>
-              </a:spcBef>
-              <a:buClr>
-                <a:srgbClr val="000000"/>
-              </a:buClr>
-              <a:buSzPct val="45000"/>
-              <a:buFont typeface="Wingdings" charset="2"/>
-              <a:buChar char=""/>
-            </a:pPr>
-            <a:r>
-              <a:rPr b="0" lang="ru-RU" sz="1800" spc="-1" strike="noStrike">
-                <a:solidFill>
-                  <a:srgbClr val="000000"/>
-                </a:solidFill>
-                <a:latin typeface="Arial"/>
-              </a:rPr>
-              <a:t>Третий уровень структуры</a:t>
-            </a:r>
-            <a:endParaRPr b="0" lang="ru-RU" sz="1800" spc="-1" strike="noStrike">
-              <a:solidFill>
-                <a:srgbClr val="000000"/>
-              </a:solidFill>
-              <a:latin typeface="Arial"/>
-            </a:endParaRPr>
-          </a:p>
-          <a:p>
-            <a:pPr lvl="3" marL="1728000" indent="-216000">
-              <a:spcBef>
-                <a:spcPts val="567"/>
-              </a:spcBef>
-              <a:buClr>
-                <a:srgbClr val="000000"/>
-              </a:buClr>
-              <a:buSzPct val="75000"/>
-              <a:buFont typeface="Symbol" charset="2"/>
-              <a:buChar char=""/>
-            </a:pPr>
-            <a:r>
-              <a:rPr b="0" lang="ru-RU" sz="1800" spc="-1" strike="noStrike">
-                <a:solidFill>
-                  <a:srgbClr val="000000"/>
-                </a:solidFill>
-                <a:latin typeface="Arial"/>
-              </a:rPr>
-              <a:t>Четвёртый уровень структуры</a:t>
-            </a:r>
-            <a:endParaRPr b="0" lang="ru-RU" sz="1800" spc="-1" strike="noStrike">
-              <a:solidFill>
-                <a:srgbClr val="000000"/>
-              </a:solidFill>
-              <a:latin typeface="Arial"/>
-            </a:endParaRPr>
-          </a:p>
-          <a:p>
-            <a:pPr lvl="4" marL="2160000" indent="-216000">
-              <a:spcBef>
-                <a:spcPts val="283"/>
-              </a:spcBef>
-              <a:buClr>
-                <a:srgbClr val="000000"/>
-              </a:buClr>
-              <a:buSzPct val="45000"/>
-              <a:buFont typeface="Wingdings" charset="2"/>
-              <a:buChar char=""/>
-            </a:pPr>
-            <a:r>
-              <a:rPr b="0" lang="ru-RU" sz="1800" spc="-1" strike="noStrike">
-                <a:solidFill>
-                  <a:srgbClr val="000000"/>
-                </a:solidFill>
-                <a:latin typeface="Arial"/>
-              </a:rPr>
-              <a:t>Пятый уровень структуры</a:t>
-            </a:r>
-            <a:endParaRPr b="0" lang="ru-RU" sz="1800" spc="-1" strike="noStrike">
-              <a:solidFill>
-                <a:srgbClr val="000000"/>
-              </a:solidFill>
-              <a:latin typeface="Arial"/>
-            </a:endParaRPr>
-          </a:p>
-          <a:p>
-            <a:pPr lvl="5" marL="2592000" indent="-216000">
-              <a:spcBef>
-                <a:spcPts val="283"/>
-              </a:spcBef>
-              <a:buClr>
-                <a:srgbClr val="000000"/>
-              </a:buClr>
-              <a:buSzPct val="45000"/>
-              <a:buFont typeface="Wingdings" charset="2"/>
-              <a:buChar char=""/>
-            </a:pPr>
-            <a:r>
-              <a:rPr b="0" lang="ru-RU" sz="1800" spc="-1" strike="noStrike">
-                <a:solidFill>
-                  <a:srgbClr val="000000"/>
-                </a:solidFill>
-                <a:latin typeface="Arial"/>
-              </a:rPr>
-              <a:t>Шестой уровень структуры</a:t>
-            </a:r>
-            <a:endParaRPr b="0" lang="ru-RU" sz="1800" spc="-1" strike="noStrike">
-              <a:solidFill>
-                <a:srgbClr val="000000"/>
-              </a:solidFill>
-              <a:latin typeface="Arial"/>
-            </a:endParaRPr>
-          </a:p>
-          <a:p>
-            <a:pPr lvl="6" marL="3024000" indent="-216000">
-              <a:spcBef>
-                <a:spcPts val="283"/>
-              </a:spcBef>
-              <a:buClr>
-                <a:srgbClr val="000000"/>
-              </a:buClr>
-              <a:buSzPct val="45000"/>
-              <a:buFont typeface="Wingdings" charset="2"/>
-              <a:buChar char=""/>
-            </a:pPr>
-            <a:r>
-              <a:rPr b="0" lang="ru-RU" sz="1800" spc="-1" strike="noStrike">
-                <a:solidFill>
-                  <a:srgbClr val="000000"/>
-                </a:solidFill>
-                <a:latin typeface="Arial"/>
-              </a:rPr>
-              <a:t>Седьмой уровень структуры</a:t>
-            </a:r>
-            <a:endParaRPr b="0" lang="ru-RU" sz="1800" spc="-1" strike="noStrike">
-              <a:solidFill>
-                <a:srgbClr val="000000"/>
-              </a:solidFill>
-              <a:latin typeface="Arial"/>
-            </a:endParaRPr>
-          </a:p>
-        </p:txBody>
-      </p:sp>
-      <p:sp>
-        <p:nvSpPr>
-          <p:cNvPr id="13" name="PlaceHolder 3"/>
-          <p:cNvSpPr>
-            <a:spLocks noGrp="1"/>
-          </p:cNvSpPr>
-          <p:nvPr>
             <p:ph type="ftr" idx="3"/>
           </p:nvPr>
         </p:nvSpPr>
         <p:spPr>
           <a:xfrm>
             <a:off x="731520" y="6356520"/>
-            <a:ext cx="3818520" cy="364320"/>
+            <a:ext cx="3818160" cy="363960"/>
           </a:xfrm>
           <a:prstGeom prst="rect">
             <a:avLst/>
@@ -7325,7 +7675,7 @@
       </p:sp>
       <p:sp>
         <p:nvSpPr>
-          <p:cNvPr id="14" name="PlaceHolder 4"/>
+          <p:cNvPr id="12" name="PlaceHolder 2"/>
           <p:cNvSpPr>
             <a:spLocks noGrp="1"/>
           </p:cNvSpPr>
@@ -7336,7 +7686,7 @@
         <p:spPr>
           <a:xfrm>
             <a:off x="10373400" y="6356520"/>
-            <a:ext cx="986760" cy="364320"/>
+            <a:ext cx="986400" cy="363960"/>
           </a:xfrm>
           <a:prstGeom prst="rect">
             <a:avLst/>
@@ -7379,7 +7729,7 @@
                 <a:tab algn="l" pos="0"/>
               </a:tabLst>
             </a:pPr>
-            <a:fld id="{8197CE98-8E6F-4996-B681-54725A86C2E7}" type="slidenum">
+            <a:fld id="{47C5F0C2-7465-41C8-8980-08B04DF63431}" type="slidenum">
               <a:rPr b="0" lang="ru-RU" sz="900" spc="-1" strike="noStrike">
                 <a:solidFill>
                   <a:schemeClr val="dk1">
@@ -7395,6 +7745,280 @@
                 <a:srgbClr val="000000"/>
               </a:solidFill>
               <a:latin typeface="Times New Roman"/>
+            </a:endParaRPr>
+          </a:p>
+        </p:txBody>
+      </p:sp>
+      <p:sp>
+        <p:nvSpPr>
+          <p:cNvPr id="13" name="PlaceHolder 3"/>
+          <p:cNvSpPr>
+            <a:spLocks noGrp="1"/>
+          </p:cNvSpPr>
+          <p:nvPr>
+            <p:ph type="title"/>
+          </p:nvPr>
+        </p:nvSpPr>
+        <p:spPr>
+          <a:xfrm>
+            <a:off x="609480" y="273600"/>
+            <a:ext cx="10972440" cy="1144800"/>
+          </a:xfrm>
+          <a:prstGeom prst="rect">
+            <a:avLst/>
+          </a:prstGeom>
+          <a:noFill/>
+          <a:ln w="0">
+            <a:noFill/>
+          </a:ln>
+        </p:spPr>
+        <p:txBody>
+          <a:bodyPr lIns="0" rIns="0" tIns="0" bIns="0" anchor="ctr">
+            <a:noAutofit/>
+          </a:bodyPr>
+          <a:p>
+            <a:pPr indent="0" algn="ctr">
+              <a:buNone/>
+            </a:pPr>
+            <a:r>
+              <a:rPr b="0" lang="ru-RU" sz="4400" spc="-1" strike="noStrike">
+                <a:solidFill>
+                  <a:srgbClr val="000000"/>
+                </a:solidFill>
+                <a:latin typeface="Arial"/>
+              </a:rPr>
+              <a:t>Для правки текста заглавия щёлкните мышью</a:t>
+            </a:r>
+            <a:endParaRPr b="0" lang="ru-RU" sz="4400" spc="-1" strike="noStrike">
+              <a:solidFill>
+                <a:srgbClr val="000000"/>
+              </a:solidFill>
+              <a:latin typeface="Arial"/>
+            </a:endParaRPr>
+          </a:p>
+        </p:txBody>
+      </p:sp>
+      <p:sp>
+        <p:nvSpPr>
+          <p:cNvPr id="14" name="PlaceHolder 4"/>
+          <p:cNvSpPr>
+            <a:spLocks noGrp="1"/>
+          </p:cNvSpPr>
+          <p:nvPr>
+            <p:ph type="body"/>
+          </p:nvPr>
+        </p:nvSpPr>
+        <p:spPr>
+          <a:xfrm>
+            <a:off x="609480" y="1604520"/>
+            <a:ext cx="10972440" cy="3977280"/>
+          </a:xfrm>
+          <a:prstGeom prst="rect">
+            <a:avLst/>
+          </a:prstGeom>
+          <a:noFill/>
+          <a:ln w="0">
+            <a:noFill/>
+          </a:ln>
+        </p:spPr>
+        <p:txBody>
+          <a:bodyPr lIns="0" rIns="0" tIns="0" bIns="0" anchor="t">
+            <a:normAutofit/>
+          </a:bodyPr>
+          <a:p>
+            <a:pPr marL="432000" indent="-324000">
+              <a:spcBef>
+                <a:spcPts val="1417"/>
+              </a:spcBef>
+              <a:buClr>
+                <a:srgbClr val="000000"/>
+              </a:buClr>
+              <a:buSzPct val="45000"/>
+              <a:buFont typeface="Wingdings" charset="2"/>
+              <a:buChar char=""/>
+            </a:pPr>
+            <a:r>
+              <a:rPr b="0" lang="ru-RU" sz="3200" spc="-1" strike="noStrike">
+                <a:solidFill>
+                  <a:srgbClr val="000000"/>
+                </a:solidFill>
+                <a:latin typeface="Arial"/>
+              </a:rPr>
+              <a:t>Для правки структуры щёлкните мышью</a:t>
+            </a:r>
+            <a:endParaRPr b="0" lang="ru-RU" sz="3200" spc="-1" strike="noStrike">
+              <a:solidFill>
+                <a:srgbClr val="000000"/>
+              </a:solidFill>
+              <a:latin typeface="Arial"/>
+            </a:endParaRPr>
+          </a:p>
+          <a:p>
+            <a:pPr lvl="1" marL="864000" indent="-324000">
+              <a:spcBef>
+                <a:spcPts val="1134"/>
+              </a:spcBef>
+              <a:buClr>
+                <a:srgbClr val="000000"/>
+              </a:buClr>
+              <a:buSzPct val="75000"/>
+              <a:buFont typeface="Symbol" charset="2"/>
+              <a:buChar char=""/>
+            </a:pPr>
+            <a:r>
+              <a:rPr b="0" lang="ru-RU" sz="2800" spc="-1" strike="noStrike">
+                <a:solidFill>
+                  <a:srgbClr val="000000"/>
+                </a:solidFill>
+                <a:latin typeface="Arial"/>
+              </a:rPr>
+              <a:t>Второй уровень структуры</a:t>
+            </a:r>
+            <a:endParaRPr b="0" lang="ru-RU" sz="2800" spc="-1" strike="noStrike">
+              <a:solidFill>
+                <a:srgbClr val="000000"/>
+              </a:solidFill>
+              <a:latin typeface="Arial"/>
+            </a:endParaRPr>
+          </a:p>
+          <a:p>
+            <a:pPr lvl="2" marL="1296000" indent="-288000">
+              <a:spcBef>
+                <a:spcPts val="850"/>
+              </a:spcBef>
+              <a:buClr>
+                <a:srgbClr val="000000"/>
+              </a:buClr>
+              <a:buSzPct val="45000"/>
+              <a:buFont typeface="Wingdings" charset="2"/>
+              <a:buChar char=""/>
+            </a:pPr>
+            <a:r>
+              <a:rPr b="0" lang="ru-RU" sz="2400" spc="-1" strike="noStrike">
+                <a:solidFill>
+                  <a:srgbClr val="000000"/>
+                </a:solidFill>
+                <a:latin typeface="Arial"/>
+              </a:rPr>
+              <a:t>Третий уровень структуры</a:t>
+            </a:r>
+            <a:endParaRPr b="0" lang="ru-RU" sz="2400" spc="-1" strike="noStrike">
+              <a:solidFill>
+                <a:srgbClr val="000000"/>
+              </a:solidFill>
+              <a:latin typeface="Arial"/>
+            </a:endParaRPr>
+          </a:p>
+          <a:p>
+            <a:pPr lvl="3" marL="1728000" indent="-216000">
+              <a:spcBef>
+                <a:spcPts val="567"/>
+              </a:spcBef>
+              <a:buClr>
+                <a:srgbClr val="000000"/>
+              </a:buClr>
+              <a:buSzPct val="75000"/>
+              <a:buFont typeface="Symbol" charset="2"/>
+              <a:buChar char=""/>
+            </a:pPr>
+            <a:r>
+              <a:rPr b="0" lang="ru-RU" sz="2000" spc="-1" strike="noStrike">
+                <a:solidFill>
+                  <a:srgbClr val="000000"/>
+                </a:solidFill>
+                <a:latin typeface="Arial"/>
+              </a:rPr>
+              <a:t>Четвёртый уровень структуры</a:t>
+            </a:r>
+            <a:endParaRPr b="0" lang="ru-RU" sz="2000" spc="-1" strike="noStrike">
+              <a:solidFill>
+                <a:srgbClr val="000000"/>
+              </a:solidFill>
+              <a:latin typeface="Arial"/>
+            </a:endParaRPr>
+          </a:p>
+          <a:p>
+            <a:pPr lvl="4" marL="2160000" indent="-216000">
+              <a:spcBef>
+                <a:spcPts val="283"/>
+              </a:spcBef>
+              <a:buClr>
+                <a:srgbClr val="000000"/>
+              </a:buClr>
+              <a:buSzPct val="45000"/>
+              <a:buFont typeface="Wingdings" charset="2"/>
+              <a:buChar char=""/>
+            </a:pPr>
+            <a:r>
+              <a:rPr b="0" lang="ru-RU" sz="2000" spc="-1" strike="noStrike">
+                <a:solidFill>
+                  <a:srgbClr val="000000"/>
+                </a:solidFill>
+                <a:latin typeface="Arial"/>
+              </a:rPr>
+              <a:t>Пятый уровень структуры</a:t>
+            </a:r>
+            <a:endParaRPr b="0" lang="ru-RU" sz="2000" spc="-1" strike="noStrike">
+              <a:solidFill>
+                <a:srgbClr val="000000"/>
+              </a:solidFill>
+              <a:latin typeface="Arial"/>
+            </a:endParaRPr>
+          </a:p>
+          <a:p>
+            <a:pPr lvl="5" marL="2592000" indent="-216000">
+              <a:spcBef>
+                <a:spcPts val="283"/>
+              </a:spcBef>
+              <a:buClr>
+                <a:srgbClr val="000000"/>
+              </a:buClr>
+              <a:buSzPct val="45000"/>
+              <a:buFont typeface="Wingdings" charset="2"/>
+              <a:buChar char=""/>
+            </a:pPr>
+            <a:r>
+              <a:rPr b="0" lang="ru-RU" sz="2000" spc="-1" strike="noStrike">
+                <a:solidFill>
+                  <a:srgbClr val="000000"/>
+                </a:solidFill>
+                <a:latin typeface="Arial"/>
+              </a:rPr>
+              <a:t>Шестой уровень структуры</a:t>
+            </a:r>
+            <a:endParaRPr b="0" lang="ru-RU" sz="2000" spc="-1" strike="noStrike">
+              <a:solidFill>
+                <a:srgbClr val="000000"/>
+              </a:solidFill>
+              <a:latin typeface="Arial"/>
+            </a:endParaRPr>
+          </a:p>
+          <a:p>
+            <a:pPr lvl="6" marL="3024000" indent="-216000">
+              <a:spcBef>
+                <a:spcPts val="283"/>
+              </a:spcBef>
+              <a:buClr>
+                <a:srgbClr val="000000"/>
+              </a:buClr>
+              <a:buSzPct val="45000"/>
+              <a:buFont typeface="Wingdings" charset="2"/>
+              <a:buChar char=""/>
+            </a:pPr>
+            <a:r>
+              <a:rPr b="0" lang="ru-RU" sz="2000" spc="-1" strike="noStrike">
+                <a:solidFill>
+                  <a:srgbClr val="000000"/>
+                </a:solidFill>
+                <a:latin typeface="Arial"/>
+              </a:rPr>
+              <a:t>Седьмой уровень структуры</a:t>
+            </a:r>
+            <a:endParaRPr b="0" lang="ru-RU" sz="2000" spc="-1" strike="noStrike">
+              <a:solidFill>
+                <a:srgbClr val="000000"/>
+              </a:solidFill>
+              <a:latin typeface="Arial"/>
             </a:endParaRPr>
           </a:p>
         </p:txBody>
@@ -7457,7 +8081,7 @@
         <p:spPr>
           <a:xfrm flipH="1" rot="10800000">
             <a:off x="6308280" y="0"/>
-            <a:ext cx="5882760" cy="2365560"/>
+            <a:ext cx="5882400" cy="2365200"/>
           </a:xfrm>
           <a:prstGeom prst="rect">
             <a:avLst/>
@@ -7480,7 +8104,7 @@
         <p:spPr>
           <a:xfrm>
             <a:off x="843840" y="6356520"/>
-            <a:ext cx="4114080" cy="364320"/>
+            <a:ext cx="4113720" cy="363960"/>
           </a:xfrm>
           <a:prstGeom prst="rect">
             <a:avLst/>
@@ -7556,7 +8180,7 @@
         <p:spPr>
           <a:xfrm>
             <a:off x="8610480" y="6356520"/>
-            <a:ext cx="2742480" cy="364320"/>
+            <a:ext cx="2742120" cy="363960"/>
           </a:xfrm>
           <a:prstGeom prst="rect">
             <a:avLst/>
@@ -7599,7 +8223,7 @@
                 <a:tab algn="l" pos="0"/>
               </a:tabLst>
             </a:pPr>
-            <a:fld id="{18641FEB-37B1-422B-9DCA-196DA683AE1D}" type="slidenum">
+            <a:fld id="{3748C986-94CC-4F7A-A4B5-CECF283DB90E}" type="slidenum">
               <a:rPr b="0" lang="ru-RU" sz="900" spc="-1" strike="noStrike">
                 <a:solidFill>
                   <a:schemeClr val="dk1">
@@ -7667,9 +8291,9 @@
         <p:grpSpPr>
           <a:xfrm>
             <a:off x="0" y="0"/>
-            <a:ext cx="2590920" cy="1028160"/>
+            <a:ext cx="2591280" cy="1028520"/>
             <a:chOff x="0" y="0"/>
-            <a:chExt cx="2590920" cy="1028160"/>
+            <a:chExt cx="2591280" cy="1028520"/>
           </a:xfrm>
         </p:grpSpPr>
         <p:cxnSp>
@@ -7681,7 +8305,7 @@
           <p:spPr>
             <a:xfrm flipV="1">
               <a:off x="0" y="0"/>
-              <a:ext cx="2591280" cy="762480"/>
+              <a:ext cx="2591640" cy="762840"/>
             </a:xfrm>
             <a:prstGeom prst="straightConnector1">
               <a:avLst/>
@@ -7702,7 +8326,7 @@
           <p:spPr>
             <a:xfrm flipH="1">
               <a:off x="0" y="0"/>
-              <a:ext cx="705240" cy="1028520"/>
+              <a:ext cx="705600" cy="1028880"/>
             </a:xfrm>
             <a:prstGeom prst="straightConnector1">
               <a:avLst/>
@@ -7728,7 +8352,7 @@
         <p:spPr>
           <a:xfrm>
             <a:off x="838080" y="6356520"/>
-            <a:ext cx="3818520" cy="364320"/>
+            <a:ext cx="3818160" cy="363960"/>
           </a:xfrm>
           <a:prstGeom prst="rect">
             <a:avLst/>
@@ -7804,7 +8428,7 @@
         <p:spPr>
           <a:xfrm>
             <a:off x="10373400" y="6356520"/>
-            <a:ext cx="986760" cy="364320"/>
+            <a:ext cx="986400" cy="363960"/>
           </a:xfrm>
           <a:prstGeom prst="rect">
             <a:avLst/>
@@ -7847,7 +8471,7 @@
                 <a:tab algn="l" pos="0"/>
               </a:tabLst>
             </a:pPr>
-            <a:fld id="{FE64E3DF-59D7-4581-A8A1-0BDADBC079CC}" type="slidenum">
+            <a:fld id="{39FF8252-CF8A-4F49-A007-155D0595C33B}" type="slidenum">
               <a:rPr b="0" lang="ru-RU" sz="900" spc="-1" strike="noStrike">
                 <a:solidFill>
                   <a:schemeClr val="dk1">
@@ -8199,7 +8823,7 @@
         <p:spPr>
           <a:xfrm>
             <a:off x="0" y="0"/>
-            <a:ext cx="3176280" cy="6857280"/>
+            <a:ext cx="3175920" cy="6856920"/>
           </a:xfrm>
           <a:prstGeom prst="rect">
             <a:avLst/>
@@ -8221,8 +8845,8 @@
         </p:nvSpPr>
         <p:spPr>
           <a:xfrm>
-            <a:off x="4267080" y="1615680"/>
-            <a:ext cx="4178880" cy="1523880"/>
+            <a:off x="4267080" y="815040"/>
+            <a:ext cx="4178520" cy="3124800"/>
           </a:xfrm>
           <a:prstGeom prst="rect">
             <a:avLst/>
@@ -8271,7 +8895,7 @@
         <p:spPr>
           <a:xfrm>
             <a:off x="4267080" y="6356520"/>
-            <a:ext cx="4178880" cy="364320"/>
+            <a:ext cx="4178520" cy="363960"/>
           </a:xfrm>
           <a:prstGeom prst="rect">
             <a:avLst/>
@@ -8347,7 +8971,7 @@
         <p:spPr>
           <a:xfrm>
             <a:off x="9579600" y="6356520"/>
-            <a:ext cx="1773720" cy="364320"/>
+            <a:ext cx="1773360" cy="363960"/>
           </a:xfrm>
           <a:prstGeom prst="rect">
             <a:avLst/>
@@ -8390,7 +9014,7 @@
                 <a:tab algn="l" pos="0"/>
               </a:tabLst>
             </a:pPr>
-            <a:fld id="{6C18A432-F106-4CAF-8E31-52321222EF76}" type="slidenum">
+            <a:fld id="{656B983E-A52A-4C98-921C-B2137BE703D3}" type="slidenum">
               <a:rPr b="0" lang="ru-RU" sz="900" spc="-1" strike="noStrike">
                 <a:solidFill>
                   <a:schemeClr val="dk1">
@@ -8693,7 +9317,7 @@
         <p:spPr>
           <a:xfrm>
             <a:off x="4229280" y="0"/>
-            <a:ext cx="7962120" cy="6857280"/>
+            <a:ext cx="7961760" cy="6856920"/>
           </a:xfrm>
           <a:prstGeom prst="rect">
             <a:avLst/>
@@ -8715,8 +9339,8 @@
         </p:nvSpPr>
         <p:spPr>
           <a:xfrm>
-            <a:off x="4267080" y="1615680"/>
-            <a:ext cx="4178880" cy="1523880"/>
+            <a:off x="4267080" y="815040"/>
+            <a:ext cx="4178520" cy="3124800"/>
           </a:xfrm>
           <a:prstGeom prst="rect">
             <a:avLst/>
@@ -8990,7 +9614,7 @@
         <p:spPr>
           <a:xfrm>
             <a:off x="1333440" y="6356520"/>
-            <a:ext cx="3818520" cy="364320"/>
+            <a:ext cx="3818160" cy="363960"/>
           </a:xfrm>
           <a:prstGeom prst="rect">
             <a:avLst/>
@@ -9066,7 +9690,7 @@
         <p:spPr>
           <a:xfrm>
             <a:off x="10373400" y="6356520"/>
-            <a:ext cx="986760" cy="364320"/>
+            <a:ext cx="986400" cy="363960"/>
           </a:xfrm>
           <a:prstGeom prst="rect">
             <a:avLst/>
@@ -9109,7 +9733,7 @@
                 <a:tab algn="l" pos="0"/>
               </a:tabLst>
             </a:pPr>
-            <a:fld id="{F2774786-8B70-44B0-8824-E32A4BA69400}" type="slidenum">
+            <a:fld id="{86989EB9-AB46-4A07-84E1-4A6FFC78BD6D}" type="slidenum">
               <a:rPr b="0" lang="ru-RU" sz="900" spc="-1" strike="noStrike">
                 <a:solidFill>
                   <a:schemeClr val="dk1">
@@ -9187,7 +9811,7 @@
         <p:spPr>
           <a:xfrm>
             <a:off x="4229280" y="0"/>
-            <a:ext cx="7962120" cy="6857280"/>
+            <a:ext cx="7961760" cy="6856920"/>
           </a:xfrm>
           <a:prstGeom prst="rect">
             <a:avLst/>
@@ -9209,8 +9833,8 @@
         </p:nvSpPr>
         <p:spPr>
           <a:xfrm>
-            <a:off x="4267080" y="1615680"/>
-            <a:ext cx="4178880" cy="1523880"/>
+            <a:off x="4267080" y="815040"/>
+            <a:ext cx="4178520" cy="3124800"/>
           </a:xfrm>
           <a:prstGeom prst="rect">
             <a:avLst/>
@@ -9259,7 +9883,7 @@
         <p:spPr>
           <a:xfrm>
             <a:off x="1333440" y="6356520"/>
-            <a:ext cx="3818520" cy="364320"/>
+            <a:ext cx="3818160" cy="363960"/>
           </a:xfrm>
           <a:prstGeom prst="rect">
             <a:avLst/>
@@ -9335,7 +9959,7 @@
         <p:spPr>
           <a:xfrm>
             <a:off x="10373400" y="6356520"/>
-            <a:ext cx="986760" cy="364320"/>
+            <a:ext cx="986400" cy="363960"/>
           </a:xfrm>
           <a:prstGeom prst="rect">
             <a:avLst/>
@@ -9378,7 +10002,7 @@
                 <a:tab algn="l" pos="0"/>
               </a:tabLst>
             </a:pPr>
-            <a:fld id="{EC133664-3846-442F-BE16-4173CF341BA0}" type="slidenum">
+            <a:fld id="{97234601-E3B8-4C2F-A13D-5226D66ECFE2}" type="slidenum">
               <a:rPr b="0" lang="ru-RU" sz="900" spc="-1" strike="noStrike">
                 <a:solidFill>
                   <a:schemeClr val="dk1">
@@ -9671,9 +10295,9 @@
         <p:grpSpPr>
           <a:xfrm>
             <a:off x="0" y="0"/>
-            <a:ext cx="6558120" cy="6858360"/>
+            <a:ext cx="6558480" cy="6858720"/>
             <a:chOff x="0" y="0"/>
-            <a:chExt cx="6558120" cy="6858360"/>
+            <a:chExt cx="6558480" cy="6858720"/>
           </a:xfrm>
         </p:grpSpPr>
         <p:cxnSp>
@@ -9685,7 +10309,7 @@
           <p:spPr>
             <a:xfrm flipH="1" flipV="1">
               <a:off x="0" y="1158480"/>
-              <a:ext cx="6558480" cy="2154600"/>
+              <a:ext cx="6558840" cy="2154960"/>
             </a:xfrm>
             <a:prstGeom prst="straightConnector1">
               <a:avLst/>
@@ -9706,7 +10330,7 @@
           <p:spPr>
             <a:xfrm flipH="1" flipV="1">
               <a:off x="3632760" y="0"/>
-              <a:ext cx="2925720" cy="6858720"/>
+              <a:ext cx="2926080" cy="6859080"/>
             </a:xfrm>
             <a:prstGeom prst="straightConnector1">
               <a:avLst/>
@@ -9747,7 +10371,7 @@
       </p:grpSpPr>
       <p:sp>
         <p:nvSpPr>
-          <p:cNvPr id="99" name="PlaceHolder 1"/>
+          <p:cNvPr id="105" name="PlaceHolder 1"/>
           <p:cNvSpPr>
             <a:spLocks noGrp="1"/>
           </p:cNvSpPr>
@@ -9758,7 +10382,7 @@
         <p:spPr>
           <a:xfrm>
             <a:off x="6938640" y="3329640"/>
-            <a:ext cx="4941000" cy="3199680"/>
+            <a:ext cx="4940640" cy="3199320"/>
           </a:xfrm>
           <a:prstGeom prst="rect">
             <a:avLst/>
@@ -9783,7 +10407,7 @@
               </a:tabLst>
             </a:pPr>
             <a:r>
-              <a:rPr b="0" lang="ru-RU" sz="3600" spc="145" strike="noStrike" cap="all">
+              <a:rPr b="0" lang="ru-RU" sz="3600" spc="143" strike="noStrike" cap="all">
                 <a:solidFill>
                   <a:schemeClr val="dk1"/>
                 </a:solidFill>
@@ -9798,7 +10422,7 @@
               <a:rPr sz="3600"/>
             </a:br>
             <a:r>
-              <a:rPr b="0" lang="ru-RU" sz="1800" spc="145" strike="noStrike" cap="all">
+              <a:rPr b="0" lang="ru-RU" sz="1800" spc="143" strike="noStrike" cap="all">
                 <a:solidFill>
                   <a:schemeClr val="dk1"/>
                 </a:solidFill>
@@ -9847,7 +10471,541 @@
       </p:grpSpPr>
       <p:sp>
         <p:nvSpPr>
-          <p:cNvPr id="138" name="PlaceHolder 1"/>
+          <p:cNvPr id="139" name="PlaceHolder 1"/>
+          <p:cNvSpPr>
+            <a:spLocks noGrp="1"/>
+          </p:cNvSpPr>
+          <p:nvPr>
+            <p:ph type="title"/>
+          </p:nvPr>
+        </p:nvSpPr>
+        <p:spPr>
+          <a:xfrm>
+            <a:off x="720000" y="360000"/>
+            <a:ext cx="10799280" cy="2131200"/>
+          </a:xfrm>
+          <a:prstGeom prst="rect">
+            <a:avLst/>
+          </a:prstGeom>
+          <a:noFill/>
+          <a:ln w="0">
+            <a:noFill/>
+          </a:ln>
+        </p:spPr>
+        <p:txBody>
+          <a:bodyPr lIns="0" rIns="0" tIns="0" bIns="0" anchor="ctr">
+            <a:noAutofit/>
+          </a:bodyPr>
+          <a:p>
+            <a:pPr indent="0">
+              <a:lnSpc>
+                <a:spcPct val="100000"/>
+              </a:lnSpc>
+              <a:buNone/>
+              <a:tabLst>
+                <a:tab algn="l" pos="0"/>
+              </a:tabLst>
+            </a:pPr>
+            <a:r>
+              <a:rPr b="0" lang="ru-RU" sz="2400" spc="-1" strike="noStrike">
+                <a:solidFill>
+                  <a:schemeClr val="dk1"/>
+                </a:solidFill>
+                <a:latin typeface="Tenorite"/>
+              </a:rPr>
+              <a:t>В разработке</a:t>
+            </a:r>
+            <a:r>
+              <a:rPr b="0" lang="ru-RU" sz="1800" spc="-1" strike="noStrike">
+                <a:solidFill>
+                  <a:schemeClr val="dk1"/>
+                </a:solidFill>
+                <a:latin typeface="Tenorite"/>
+              </a:rPr>
+              <a:t>:</a:t>
+            </a:r>
+            <a:endParaRPr b="0" lang="ru-RU" sz="1800" spc="-1" strike="noStrike">
+              <a:solidFill>
+                <a:srgbClr val="000000"/>
+              </a:solidFill>
+              <a:latin typeface="Arial"/>
+            </a:endParaRPr>
+          </a:p>
+        </p:txBody>
+      </p:sp>
+      <p:sp>
+        <p:nvSpPr>
+          <p:cNvPr id="140" name="PlaceHolder 2"/>
+          <p:cNvSpPr>
+            <a:spLocks noGrp="1"/>
+          </p:cNvSpPr>
+          <p:nvPr>
+            <p:ph/>
+          </p:nvPr>
+        </p:nvSpPr>
+        <p:spPr>
+          <a:xfrm>
+            <a:off x="720000" y="2492640"/>
+            <a:ext cx="3562560" cy="2006640"/>
+          </a:xfrm>
+          <a:prstGeom prst="rect">
+            <a:avLst/>
+          </a:prstGeom>
+          <a:noFill/>
+          <a:ln w="0">
+            <a:noFill/>
+          </a:ln>
+        </p:spPr>
+        <p:txBody>
+          <a:bodyPr lIns="0" rIns="0" tIns="0" bIns="0" anchor="t">
+            <a:normAutofit/>
+          </a:bodyPr>
+          <a:p>
+            <a:pPr marL="432000" indent="-324000">
+              <a:lnSpc>
+                <a:spcPct val="90000"/>
+              </a:lnSpc>
+              <a:spcBef>
+                <a:spcPts val="1417"/>
+              </a:spcBef>
+              <a:buClr>
+                <a:srgbClr val="000000"/>
+              </a:buClr>
+              <a:buSzPct val="45000"/>
+              <a:buFont typeface="Wingdings" charset="2"/>
+              <a:buChar char=""/>
+            </a:pPr>
+            <a:r>
+              <a:rPr b="0" lang="ru-RU" sz="2000" spc="-1" strike="noStrike">
+                <a:solidFill>
+                  <a:schemeClr val="dk1"/>
+                </a:solidFill>
+                <a:latin typeface="Arial"/>
+              </a:rPr>
+              <a:t>Модерация</a:t>
+            </a:r>
+            <a:endParaRPr b="0" lang="ru-RU" sz="2000" spc="-1" strike="noStrike">
+              <a:solidFill>
+                <a:srgbClr val="000000"/>
+              </a:solidFill>
+              <a:latin typeface="Arial"/>
+            </a:endParaRPr>
+          </a:p>
+        </p:txBody>
+      </p:sp>
+      <p:sp>
+        <p:nvSpPr>
+          <p:cNvPr id="141" name="PlaceHolder 3"/>
+          <p:cNvSpPr>
+            <a:spLocks noGrp="1"/>
+          </p:cNvSpPr>
+          <p:nvPr>
+            <p:ph/>
+          </p:nvPr>
+        </p:nvSpPr>
+        <p:spPr>
+          <a:xfrm>
+            <a:off x="4298040" y="2493000"/>
+            <a:ext cx="3726360" cy="2006640"/>
+          </a:xfrm>
+          <a:prstGeom prst="rect">
+            <a:avLst/>
+          </a:prstGeom>
+          <a:noFill/>
+          <a:ln w="0">
+            <a:noFill/>
+          </a:ln>
+        </p:spPr>
+        <p:txBody>
+          <a:bodyPr lIns="0" rIns="0" tIns="0" bIns="0" anchor="t">
+            <a:normAutofit/>
+          </a:bodyPr>
+          <a:p>
+            <a:pPr marL="432000" indent="-324000">
+              <a:lnSpc>
+                <a:spcPct val="90000"/>
+              </a:lnSpc>
+              <a:spcBef>
+                <a:spcPts val="1417"/>
+              </a:spcBef>
+              <a:buClr>
+                <a:srgbClr val="000000"/>
+              </a:buClr>
+              <a:buSzPct val="45000"/>
+              <a:buFont typeface="Wingdings" charset="2"/>
+              <a:buChar char=""/>
+            </a:pPr>
+            <a:r>
+              <a:rPr b="0" lang="ru-RU" sz="2000" spc="-1" strike="noStrike">
+                <a:solidFill>
+                  <a:schemeClr val="dk1"/>
+                </a:solidFill>
+                <a:latin typeface="Arial"/>
+              </a:rPr>
+              <a:t>Защита авторских прав</a:t>
+            </a:r>
+            <a:endParaRPr b="0" lang="ru-RU" sz="2000" spc="-1" strike="noStrike">
+              <a:solidFill>
+                <a:srgbClr val="000000"/>
+              </a:solidFill>
+              <a:latin typeface="Arial"/>
+            </a:endParaRPr>
+          </a:p>
+        </p:txBody>
+      </p:sp>
+      <p:sp>
+        <p:nvSpPr>
+          <p:cNvPr id="142" name="PlaceHolder 4"/>
+          <p:cNvSpPr>
+            <a:spLocks noGrp="1"/>
+          </p:cNvSpPr>
+          <p:nvPr>
+            <p:ph/>
+          </p:nvPr>
+        </p:nvSpPr>
+        <p:spPr>
+          <a:xfrm>
+            <a:off x="8024760" y="2492640"/>
+            <a:ext cx="3476520" cy="2006640"/>
+          </a:xfrm>
+          <a:prstGeom prst="rect">
+            <a:avLst/>
+          </a:prstGeom>
+          <a:noFill/>
+          <a:ln w="0">
+            <a:noFill/>
+          </a:ln>
+        </p:spPr>
+        <p:txBody>
+          <a:bodyPr lIns="0" rIns="0" tIns="0" bIns="0" anchor="t">
+            <a:normAutofit/>
+          </a:bodyPr>
+          <a:p>
+            <a:pPr marL="432000" indent="-324000">
+              <a:lnSpc>
+                <a:spcPct val="90000"/>
+              </a:lnSpc>
+              <a:spcBef>
+                <a:spcPts val="1417"/>
+              </a:spcBef>
+              <a:buClr>
+                <a:srgbClr val="000000"/>
+              </a:buClr>
+              <a:buSzPct val="45000"/>
+              <a:buFont typeface="Wingdings" charset="2"/>
+              <a:buChar char=""/>
+            </a:pPr>
+            <a:r>
+              <a:rPr b="0" lang="ru-RU" sz="2000" spc="-1" strike="noStrike">
+                <a:solidFill>
+                  <a:schemeClr val="dk1"/>
+                </a:solidFill>
+                <a:latin typeface="Arial"/>
+              </a:rPr>
+              <a:t>Страницы пользователей</a:t>
+            </a:r>
+            <a:endParaRPr b="0" lang="ru-RU" sz="2000" spc="-1" strike="noStrike">
+              <a:solidFill>
+                <a:srgbClr val="000000"/>
+              </a:solidFill>
+              <a:latin typeface="Arial"/>
+            </a:endParaRPr>
+          </a:p>
+        </p:txBody>
+      </p:sp>
+      <p:sp>
+        <p:nvSpPr>
+          <p:cNvPr id="143" name="PlaceHolder 5"/>
+          <p:cNvSpPr>
+            <a:spLocks noGrp="1"/>
+          </p:cNvSpPr>
+          <p:nvPr>
+            <p:ph/>
+          </p:nvPr>
+        </p:nvSpPr>
+        <p:spPr>
+          <a:xfrm>
+            <a:off x="720000" y="4499640"/>
+            <a:ext cx="3562560" cy="1979280"/>
+          </a:xfrm>
+          <a:prstGeom prst="rect">
+            <a:avLst/>
+          </a:prstGeom>
+          <a:noFill/>
+          <a:ln w="0">
+            <a:noFill/>
+          </a:ln>
+        </p:spPr>
+        <p:txBody>
+          <a:bodyPr lIns="0" rIns="0" tIns="0" bIns="0" anchor="t">
+            <a:normAutofit/>
+          </a:bodyPr>
+          <a:p>
+            <a:pPr marL="432000" indent="-324000">
+              <a:lnSpc>
+                <a:spcPct val="100000"/>
+              </a:lnSpc>
+              <a:spcBef>
+                <a:spcPts val="1417"/>
+              </a:spcBef>
+              <a:buClr>
+                <a:srgbClr val="000000"/>
+              </a:buClr>
+              <a:buSzPct val="45000"/>
+              <a:buFont typeface="Wingdings" charset="2"/>
+              <a:buChar char=""/>
+            </a:pPr>
+            <a:r>
+              <a:rPr b="0" lang="ru-RU" sz="2000" spc="-1" strike="noStrike">
+                <a:solidFill>
+                  <a:srgbClr val="000000"/>
+                </a:solidFill>
+                <a:latin typeface="Arial"/>
+              </a:rPr>
+              <a:t>Загрузка цельных файлов книг</a:t>
+            </a:r>
+            <a:endParaRPr b="0" lang="ru-RU" sz="2000" spc="-1" strike="noStrike">
+              <a:solidFill>
+                <a:srgbClr val="000000"/>
+              </a:solidFill>
+              <a:latin typeface="Arial"/>
+            </a:endParaRPr>
+          </a:p>
+        </p:txBody>
+      </p:sp>
+      <p:sp>
+        <p:nvSpPr>
+          <p:cNvPr id="144" name=""/>
+          <p:cNvSpPr/>
+          <p:nvPr/>
+        </p:nvSpPr>
+        <p:spPr>
+          <a:xfrm flipV="1">
+            <a:off x="0" y="900000"/>
+            <a:ext cx="5760000" cy="5958000"/>
+          </a:xfrm>
+          <a:prstGeom prst="line">
+            <a:avLst/>
+          </a:prstGeom>
+          <a:ln w="0">
+            <a:solidFill>
+              <a:srgbClr val="000000"/>
+            </a:solidFill>
+          </a:ln>
+        </p:spPr>
+        <p:style>
+          <a:lnRef idx="0"/>
+          <a:fillRef idx="0"/>
+          <a:effectRef idx="0"/>
+          <a:fontRef idx="minor"/>
+        </p:style>
+        <p:txBody>
+          <a:bodyPr lIns="90000" rIns="90000" tIns="45000" bIns="45000" anchor="ctr">
+            <a:noAutofit/>
+          </a:bodyPr>
+          <a:p>
+            <a:endParaRPr b="0" lang="ru-RU" sz="1800" spc="-1" strike="noStrike">
+              <a:solidFill>
+                <a:srgbClr val="000000"/>
+              </a:solidFill>
+              <a:latin typeface="Arial"/>
+            </a:endParaRPr>
+          </a:p>
+        </p:txBody>
+      </p:sp>
+      <p:sp>
+        <p:nvSpPr>
+          <p:cNvPr id="145" name="PlaceHolder 6"/>
+          <p:cNvSpPr>
+            <a:spLocks noGrp="1"/>
+          </p:cNvSpPr>
+          <p:nvPr>
+            <p:ph/>
+          </p:nvPr>
+        </p:nvSpPr>
+        <p:spPr>
+          <a:xfrm>
+            <a:off x="4320000" y="4500000"/>
+            <a:ext cx="3716640" cy="1979280"/>
+          </a:xfrm>
+          <a:prstGeom prst="rect">
+            <a:avLst/>
+          </a:prstGeom>
+          <a:noFill/>
+          <a:ln w="0">
+            <a:noFill/>
+          </a:ln>
+        </p:spPr>
+        <p:txBody>
+          <a:bodyPr lIns="0" rIns="0" tIns="0" bIns="0" anchor="t">
+            <a:normAutofit/>
+          </a:bodyPr>
+          <a:p>
+            <a:pPr marL="432000" indent="-324000">
+              <a:lnSpc>
+                <a:spcPct val="100000"/>
+              </a:lnSpc>
+              <a:spcBef>
+                <a:spcPts val="1417"/>
+              </a:spcBef>
+              <a:buClr>
+                <a:srgbClr val="000000"/>
+              </a:buClr>
+              <a:buSzPct val="45000"/>
+              <a:buFont typeface="Wingdings" charset="2"/>
+              <a:buChar char=""/>
+            </a:pPr>
+            <a:r>
+              <a:rPr b="0" lang="ru-RU" sz="2000" spc="-1" strike="noStrike">
+                <a:solidFill>
+                  <a:srgbClr val="000000"/>
+                </a:solidFill>
+                <a:latin typeface="Arial"/>
+              </a:rPr>
+              <a:t>Создание коллекций</a:t>
+            </a:r>
+            <a:endParaRPr b="0" lang="ru-RU" sz="2000" spc="-1" strike="noStrike">
+              <a:solidFill>
+                <a:srgbClr val="000000"/>
+              </a:solidFill>
+              <a:latin typeface="Arial"/>
+            </a:endParaRPr>
+          </a:p>
+        </p:txBody>
+      </p:sp>
+      <p:sp>
+        <p:nvSpPr>
+          <p:cNvPr id="146" name=""/>
+          <p:cNvSpPr/>
+          <p:nvPr/>
+        </p:nvSpPr>
+        <p:spPr>
+          <a:xfrm flipH="1" flipV="1">
+            <a:off x="6480000" y="-360000"/>
+            <a:ext cx="2160000" cy="7200000"/>
+          </a:xfrm>
+          <a:prstGeom prst="line">
+            <a:avLst/>
+          </a:prstGeom>
+          <a:ln w="0">
+            <a:solidFill>
+              <a:srgbClr val="000000"/>
+            </a:solidFill>
+          </a:ln>
+        </p:spPr>
+        <p:style>
+          <a:lnRef idx="0"/>
+          <a:fillRef idx="0"/>
+          <a:effectRef idx="0"/>
+          <a:fontRef idx="minor"/>
+        </p:style>
+        <p:txBody>
+          <a:bodyPr lIns="90000" rIns="90000" tIns="45000" bIns="45000" anchor="ctr">
+            <a:noAutofit/>
+          </a:bodyPr>
+          <a:p>
+            <a:endParaRPr b="0" lang="ru-RU" sz="1800" spc="-1" strike="noStrike">
+              <a:solidFill>
+                <a:srgbClr val="000000"/>
+              </a:solidFill>
+              <a:latin typeface="Arial"/>
+            </a:endParaRPr>
+          </a:p>
+        </p:txBody>
+      </p:sp>
+      <p:sp>
+        <p:nvSpPr>
+          <p:cNvPr id="147" name="PlaceHolder 7"/>
+          <p:cNvSpPr>
+            <a:spLocks noGrp="1"/>
+          </p:cNvSpPr>
+          <p:nvPr>
+            <p:ph/>
+          </p:nvPr>
+        </p:nvSpPr>
+        <p:spPr>
+          <a:xfrm>
+            <a:off x="8037000" y="4500000"/>
+            <a:ext cx="3482280" cy="1979280"/>
+          </a:xfrm>
+          <a:prstGeom prst="rect">
+            <a:avLst/>
+          </a:prstGeom>
+          <a:noFill/>
+          <a:ln w="0">
+            <a:noFill/>
+          </a:ln>
+        </p:spPr>
+        <p:txBody>
+          <a:bodyPr lIns="0" rIns="0" tIns="0" bIns="0" anchor="t">
+            <a:normAutofit/>
+          </a:bodyPr>
+          <a:p>
+            <a:pPr marL="432000" indent="-324000">
+              <a:lnSpc>
+                <a:spcPct val="100000"/>
+              </a:lnSpc>
+              <a:spcBef>
+                <a:spcPts val="1417"/>
+              </a:spcBef>
+              <a:buClr>
+                <a:srgbClr val="000000"/>
+              </a:buClr>
+              <a:buSzPct val="45000"/>
+              <a:buFont typeface="Wingdings" charset="2"/>
+              <a:buChar char=""/>
+            </a:pPr>
+            <a:r>
+              <a:rPr b="0" lang="ru-RU" sz="2000" spc="-1" strike="noStrike">
+                <a:solidFill>
+                  <a:srgbClr val="000000"/>
+                </a:solidFill>
+                <a:latin typeface="Arial"/>
+              </a:rPr>
+              <a:t>Расширение функционала</a:t>
+            </a:r>
+            <a:endParaRPr b="0" lang="ru-RU" sz="2000" spc="-1" strike="noStrike">
+              <a:solidFill>
+                <a:srgbClr val="000000"/>
+              </a:solidFill>
+              <a:latin typeface="Arial"/>
+            </a:endParaRPr>
+          </a:p>
+        </p:txBody>
+      </p:sp>
+    </p:spTree>
+  </p:cSld>
+  <mc:AlternateContent>
+    <mc:Choice Requires="p14">
+      <p:transition spd="slow" p14:dur="2000"/>
+    </mc:Choice>
+    <mc:Fallback>
+      <p:transition spd="slow"/>
+    </mc:Fallback>
+  </mc:AlternateContent>
+</p:sld>
+</file>
+
+<file path=ppt/slides/slide11.xml><?xml version="1.0" encoding="utf-8"?>
+<p:sld xmlns:a="http://schemas.openxmlformats.org/drawingml/2006/main" xmlns:p="http://schemas.openxmlformats.org/presentationml/2006/main" xmlns:r="http://schemas.openxmlformats.org/officeDocument/2006/relationships" xmlns:p14="http://schemas.microsoft.com/office/powerpoint/2010/main" xmlns:p15="http://schemas.microsoft.com/office/powerpoint/2012/main" xmlns:mc="http://schemas.openxmlformats.org/markup-compatibility/2006">
+  <p:cSld>
+    <p:spTree>
+      <p:nvGrpSpPr>
+        <p:cNvPr id="1" name=""/>
+        <p:cNvGrpSpPr/>
+        <p:nvPr/>
+      </p:nvGrpSpPr>
+      <p:grpSpPr>
+        <a:xfrm>
+          <a:off x="0" y="0"/>
+          <a:ext cx="0" cy="0"/>
+          <a:chOff x="0" y="0"/>
+          <a:chExt cx="0" cy="0"/>
+        </a:xfrm>
+      </p:grpSpPr>
+      <p:sp>
+        <p:nvSpPr>
+          <p:cNvPr id="148" name="PlaceHolder 1"/>
           <p:cNvSpPr>
             <a:spLocks noGrp="1"/>
           </p:cNvSpPr>
@@ -9858,7 +11016,7 @@
         <p:spPr>
           <a:xfrm>
             <a:off x="5220000" y="1260000"/>
-            <a:ext cx="6352920" cy="619560"/>
+            <a:ext cx="6352560" cy="619200"/>
           </a:xfrm>
           <a:prstGeom prst="rect">
             <a:avLst/>
@@ -9883,7 +11041,7 @@
               </a:tabLst>
             </a:pPr>
             <a:r>
-              <a:rPr b="0" lang="ru-RU" sz="3600" spc="145" strike="noStrike" cap="all">
+              <a:rPr b="0" lang="ru-RU" sz="3600" spc="143" strike="noStrike" cap="all">
                 <a:solidFill>
                   <a:schemeClr val="lt1"/>
                 </a:solidFill>
@@ -9932,7 +11090,7 @@
       </p:grpSpPr>
       <p:sp>
         <p:nvSpPr>
-          <p:cNvPr id="100" name="PlaceHolder 1"/>
+          <p:cNvPr id="106" name="PlaceHolder 1"/>
           <p:cNvSpPr>
             <a:spLocks noGrp="1"/>
           </p:cNvSpPr>
@@ -9943,7 +11101,7 @@
         <p:spPr>
           <a:xfrm>
             <a:off x="360000" y="360000"/>
-            <a:ext cx="6840000" cy="1260000"/>
+            <a:ext cx="6839640" cy="1259640"/>
           </a:xfrm>
           <a:prstGeom prst="rect">
             <a:avLst/>
@@ -10002,7 +11160,7 @@
       </p:sp>
       <p:pic>
         <p:nvPicPr>
-          <p:cNvPr id="101" name="" descr=""/>
+          <p:cNvPr id="107" name="" descr=""/>
           <p:cNvPicPr/>
           <p:nvPr/>
         </p:nvPicPr>
@@ -10013,7 +11171,7 @@
         <p:spPr>
           <a:xfrm>
             <a:off x="1953360" y="1998000"/>
-            <a:ext cx="10238040" cy="4859640"/>
+            <a:ext cx="10237680" cy="4859280"/>
           </a:xfrm>
           <a:prstGeom prst="rect">
             <a:avLst/>
@@ -10055,7 +11213,7 @@
       </p:grpSpPr>
       <p:sp>
         <p:nvSpPr>
-          <p:cNvPr id="102" name=""/>
+          <p:cNvPr id="108" name=""/>
           <p:cNvSpPr/>
           <p:nvPr/>
         </p:nvSpPr>
@@ -10095,7 +11253,7 @@
       </p:sp>
       <p:sp>
         <p:nvSpPr>
-          <p:cNvPr id="103" name=""/>
+          <p:cNvPr id="109" name=""/>
           <p:cNvSpPr/>
           <p:nvPr/>
         </p:nvSpPr>
@@ -10135,7 +11293,7 @@
       </p:sp>
       <p:sp>
         <p:nvSpPr>
-          <p:cNvPr id="104" name="PlaceHolder 1"/>
+          <p:cNvPr id="110" name="PlaceHolder 1"/>
           <p:cNvSpPr>
             <a:spLocks noGrp="1"/>
           </p:cNvSpPr>
@@ -10146,7 +11304,7 @@
         <p:spPr>
           <a:xfrm>
             <a:off x="4282920" y="360000"/>
-            <a:ext cx="3741840" cy="2132640"/>
+            <a:ext cx="3741480" cy="2132280"/>
           </a:xfrm>
           <a:prstGeom prst="rect">
             <a:avLst/>
@@ -10162,7 +11320,13 @@
           </a:bodyPr>
           <a:p>
             <a:pPr indent="0" algn="ctr">
+              <a:lnSpc>
+                <a:spcPct val="100000"/>
+              </a:lnSpc>
               <a:buNone/>
+              <a:tabLst>
+                <a:tab algn="l" pos="0"/>
+              </a:tabLst>
             </a:pPr>
             <a:r>
               <a:rPr b="0" lang="ru-RU" sz="4400" spc="-1" strike="noStrike">
@@ -10184,7 +11348,7 @@
       </p:sp>
       <p:sp>
         <p:nvSpPr>
-          <p:cNvPr id="105" name="PlaceHolder 2"/>
+          <p:cNvPr id="111" name="PlaceHolder 2"/>
           <p:cNvSpPr>
             <a:spLocks noGrp="1"/>
           </p:cNvSpPr>
@@ -10195,7 +11359,7 @@
         <p:spPr>
           <a:xfrm>
             <a:off x="720000" y="2492640"/>
-            <a:ext cx="3533040" cy="2547360"/>
+            <a:ext cx="3532680" cy="2547000"/>
           </a:xfrm>
           <a:prstGeom prst="rect">
             <a:avLst/>
@@ -10211,6 +11375,9 @@
           </a:bodyPr>
           <a:p>
             <a:pPr marL="432000" indent="-324000">
+              <a:lnSpc>
+                <a:spcPct val="100000"/>
+              </a:lnSpc>
               <a:spcBef>
                 <a:spcPts val="1417"/>
               </a:spcBef>
@@ -10241,7 +11408,7 @@
       </p:sp>
       <p:sp>
         <p:nvSpPr>
-          <p:cNvPr id="106" name="PlaceHolder 3"/>
+          <p:cNvPr id="112" name="PlaceHolder 3"/>
           <p:cNvSpPr>
             <a:spLocks noGrp="1"/>
           </p:cNvSpPr>
@@ -10252,7 +11419,7 @@
         <p:spPr>
           <a:xfrm>
             <a:off x="4282920" y="2492640"/>
-            <a:ext cx="3741840" cy="2547360"/>
+            <a:ext cx="3741480" cy="2547000"/>
           </a:xfrm>
           <a:prstGeom prst="rect">
             <a:avLst/>
@@ -10268,6 +11435,9 @@
           </a:bodyPr>
           <a:p>
             <a:pPr marL="432000" indent="-324000">
+              <a:lnSpc>
+                <a:spcPct val="100000"/>
+              </a:lnSpc>
               <a:spcBef>
                 <a:spcPts val="1417"/>
               </a:spcBef>
@@ -10298,7 +11468,7 @@
       </p:sp>
       <p:sp>
         <p:nvSpPr>
-          <p:cNvPr id="107" name="PlaceHolder 4"/>
+          <p:cNvPr id="113" name="PlaceHolder 4"/>
           <p:cNvSpPr>
             <a:spLocks noGrp="1"/>
           </p:cNvSpPr>
@@ -10309,7 +11479,7 @@
         <p:spPr>
           <a:xfrm>
             <a:off x="8024760" y="2492640"/>
-            <a:ext cx="3675240" cy="2547360"/>
+            <a:ext cx="3674880" cy="2547000"/>
           </a:xfrm>
           <a:prstGeom prst="rect">
             <a:avLst/>
@@ -10325,6 +11495,9 @@
           </a:bodyPr>
           <a:p>
             <a:pPr marL="432000" indent="-324000">
+              <a:lnSpc>
+                <a:spcPct val="100000"/>
+              </a:lnSpc>
               <a:spcBef>
                 <a:spcPts val="1417"/>
               </a:spcBef>
@@ -10355,7 +11528,7 @@
       </p:sp>
       <p:pic>
         <p:nvPicPr>
-          <p:cNvPr id="108" name="" descr=""/>
+          <p:cNvPr id="114" name="" descr=""/>
           <p:cNvPicPr/>
           <p:nvPr/>
         </p:nvPicPr>
@@ -10365,8 +11538,8 @@
         </p:blipFill>
         <p:spPr>
           <a:xfrm>
-            <a:off x="8640000" y="3420000"/>
-            <a:ext cx="2880000" cy="929880"/>
+            <a:off x="0" y="3240000"/>
+            <a:ext cx="4324320" cy="3420000"/>
           </a:xfrm>
           <a:prstGeom prst="rect">
             <a:avLst/>
@@ -10378,7 +11551,7 @@
       </p:pic>
       <p:pic>
         <p:nvPicPr>
-          <p:cNvPr id="109" name="" descr=""/>
+          <p:cNvPr id="115" name="" descr=""/>
           <p:cNvPicPr/>
           <p:nvPr/>
         </p:nvPicPr>
@@ -10388,8 +11561,8 @@
         </p:blipFill>
         <p:spPr>
           <a:xfrm>
-            <a:off x="5091840" y="2931840"/>
-            <a:ext cx="2108160" cy="2108160"/>
+            <a:off x="4412160" y="3238560"/>
+            <a:ext cx="4311360" cy="3420000"/>
           </a:xfrm>
           <a:prstGeom prst="rect">
             <a:avLst/>
@@ -10401,7 +11574,7 @@
       </p:pic>
       <p:pic>
         <p:nvPicPr>
-          <p:cNvPr id="110" name="" descr=""/>
+          <p:cNvPr id="116" name="" descr=""/>
           <p:cNvPicPr/>
           <p:nvPr/>
         </p:nvPicPr>
@@ -10411,8 +11584,8 @@
         </p:blipFill>
         <p:spPr>
           <a:xfrm>
-            <a:off x="1428480" y="2880000"/>
-            <a:ext cx="2171520" cy="2171520"/>
+            <a:off x="8820000" y="3018240"/>
+            <a:ext cx="3372120" cy="3839760"/>
           </a:xfrm>
           <a:prstGeom prst="rect">
             <a:avLst/>
@@ -10454,14 +11627,14 @@
       </p:grpSpPr>
       <p:sp>
         <p:nvSpPr>
-          <p:cNvPr id="111" name="Заголовок 3"/>
+          <p:cNvPr id="117" name="Заголовок 3"/>
           <p:cNvSpPr/>
           <p:nvPr/>
         </p:nvSpPr>
         <p:spPr>
           <a:xfrm>
             <a:off x="360360" y="360360"/>
-            <a:ext cx="5039640" cy="1259640"/>
+            <a:ext cx="5039280" cy="1259280"/>
           </a:xfrm>
           <a:prstGeom prst="rect">
             <a:avLst/>
@@ -10488,7 +11661,7 @@
               </a:lnSpc>
             </a:pPr>
             <a:r>
-              <a:rPr b="0" lang="ru-RU" sz="2400" spc="145" strike="noStrike" cap="all">
+              <a:rPr b="0" lang="ru-RU" sz="2400" spc="143" strike="noStrike" cap="all">
                 <a:solidFill>
                   <a:schemeClr val="lt1"/>
                 </a:solidFill>
@@ -10517,6 +11690,11 @@
             </a:endParaRPr>
           </a:p>
           <a:p>
+            <a:pPr defTabSz="914400">
+              <a:lnSpc>
+                <a:spcPct val="100000"/>
+              </a:lnSpc>
+            </a:pPr>
             <a:r>
               <a:rPr b="0" lang="ru-RU" sz="2000" spc="-1" strike="noStrike">
                 <a:solidFill>
@@ -10537,7 +11715,7 @@
       </p:sp>
       <p:pic>
         <p:nvPicPr>
-          <p:cNvPr id="112" name="" descr=""/>
+          <p:cNvPr id="118" name="" descr=""/>
           <p:cNvPicPr/>
           <p:nvPr/>
         </p:nvPicPr>
@@ -10548,7 +11726,7 @@
         <p:spPr>
           <a:xfrm>
             <a:off x="1620000" y="1800000"/>
-            <a:ext cx="10594800" cy="5057640"/>
+            <a:ext cx="10594440" cy="5057280"/>
           </a:xfrm>
           <a:prstGeom prst="rect">
             <a:avLst/>
@@ -10560,7 +11738,7 @@
       </p:pic>
       <p:cxnSp>
         <p:nvCxnSpPr>
-          <p:cNvPr id="113" name="Прямая соединительная линия 1">
+          <p:cNvPr id="119" name="Прямая соединительная линия 1">
             <a:extLst>
               <a:ext uri="{C183D7F6-B498-43B3-948B-1728B52AA6E4}">
                 <adec:decorative xmlns:adec="http://schemas.microsoft.com/office/drawing/2017/decorative" val="1"/>
@@ -10573,7 +11751,7 @@
         <p:spPr>
           <a:xfrm flipH="1">
             <a:off x="829800" y="-141480"/>
-            <a:ext cx="11392560" cy="7035480"/>
+            <a:ext cx="11392920" cy="7035840"/>
           </a:xfrm>
           <a:prstGeom prst="straightConnector1">
             <a:avLst/>
@@ -10587,7 +11765,7 @@
       </p:cxnSp>
       <p:cxnSp>
         <p:nvCxnSpPr>
-          <p:cNvPr id="114" name="Прямая соединительная линия 2">
+          <p:cNvPr id="120" name="Прямая соединительная линия 2">
             <a:extLst>
               <a:ext uri="{C183D7F6-B498-43B3-948B-1728B52AA6E4}">
                 <adec:decorative xmlns:adec="http://schemas.microsoft.com/office/drawing/2017/decorative" val="1"/>
@@ -10600,7 +11778,7 @@
         <p:spPr>
           <a:xfrm flipH="1">
             <a:off x="6922080" y="-56880"/>
-            <a:ext cx="1688400" cy="7035840"/>
+            <a:ext cx="1688760" cy="7036200"/>
           </a:xfrm>
           <a:prstGeom prst="straightConnector1">
             <a:avLst/>
@@ -10644,7 +11822,7 @@
       </p:grpSpPr>
       <p:cxnSp>
         <p:nvCxnSpPr>
-          <p:cNvPr id="115" name="Прямая соединительная линия 20">
+          <p:cNvPr id="121" name="Прямая соединительная линия 20">
             <a:extLst>
               <a:ext uri="{C183D7F6-B498-43B3-948B-1728B52AA6E4}">
                 <adec:decorative xmlns:adec="http://schemas.microsoft.com/office/drawing/2017/decorative" val="1"/>
@@ -10657,7 +11835,7 @@
         <p:spPr>
           <a:xfrm flipV="1">
             <a:off x="1140840" y="9360"/>
-            <a:ext cx="2839320" cy="7035480"/>
+            <a:ext cx="2839680" cy="7035840"/>
           </a:xfrm>
           <a:prstGeom prst="straightConnector1">
             <a:avLst/>
@@ -10671,14 +11849,14 @@
       </p:cxnSp>
       <p:sp>
         <p:nvSpPr>
-          <p:cNvPr id="116" name="Заголовок 4"/>
+          <p:cNvPr id="122" name="Заголовок 4"/>
           <p:cNvSpPr/>
           <p:nvPr/>
         </p:nvSpPr>
         <p:spPr>
           <a:xfrm>
             <a:off x="360360" y="360000"/>
-            <a:ext cx="4679640" cy="1080000"/>
+            <a:ext cx="4679280" cy="1079640"/>
           </a:xfrm>
           <a:prstGeom prst="rect">
             <a:avLst/>
@@ -10705,7 +11883,7 @@
               </a:lnSpc>
             </a:pPr>
             <a:r>
-              <a:rPr b="0" lang="ru-RU" sz="2400" spc="145" strike="noStrike" cap="all">
+              <a:rPr b="0" lang="ru-RU" sz="2400" spc="143" strike="noStrike" cap="all">
                 <a:solidFill>
                   <a:schemeClr val="lt1"/>
                 </a:solidFill>
@@ -10734,6 +11912,11 @@
             </a:endParaRPr>
           </a:p>
           <a:p>
+            <a:pPr defTabSz="914400">
+              <a:lnSpc>
+                <a:spcPct val="100000"/>
+              </a:lnSpc>
+            </a:pPr>
             <a:r>
               <a:rPr b="0" lang="ru-RU" sz="2000" spc="-1" strike="noStrike">
                 <a:solidFill>
@@ -10754,7 +11937,7 @@
       </p:sp>
       <p:pic>
         <p:nvPicPr>
-          <p:cNvPr id="117" name="" descr=""/>
+          <p:cNvPr id="123" name="" descr=""/>
           <p:cNvPicPr/>
           <p:nvPr/>
         </p:nvPicPr>
@@ -10765,7 +11948,7 @@
         <p:spPr>
           <a:xfrm>
             <a:off x="0" y="1800000"/>
-            <a:ext cx="10571400" cy="5050080"/>
+            <a:ext cx="10571040" cy="5049720"/>
           </a:xfrm>
           <a:prstGeom prst="rect">
             <a:avLst/>
@@ -10777,7 +11960,7 @@
       </p:pic>
       <p:cxnSp>
         <p:nvCxnSpPr>
-          <p:cNvPr id="118" name="Прямая соединительная линия 3">
+          <p:cNvPr id="124" name="Прямая соединительная линия 3">
             <a:extLst>
               <a:ext uri="{C183D7F6-B498-43B3-948B-1728B52AA6E4}">
                 <adec:decorative xmlns:adec="http://schemas.microsoft.com/office/drawing/2017/decorative" val="1"/>
@@ -10790,7 +11973,7 @@
         <p:spPr>
           <a:xfrm flipH="1">
             <a:off x="5026320" y="-19080"/>
-            <a:ext cx="3263400" cy="7214760"/>
+            <a:ext cx="3263760" cy="7215120"/>
           </a:xfrm>
           <a:prstGeom prst="straightConnector1">
             <a:avLst/>
@@ -10804,7 +11987,7 @@
       </p:cxnSp>
       <p:cxnSp>
         <p:nvCxnSpPr>
-          <p:cNvPr id="119" name="Прямая соединительная линия 4">
+          <p:cNvPr id="125" name="Прямая соединительная линия 4">
             <a:extLst>
               <a:ext uri="{C183D7F6-B498-43B3-948B-1728B52AA6E4}">
                 <adec:decorative xmlns:adec="http://schemas.microsoft.com/office/drawing/2017/decorative" val="1"/>
@@ -10817,7 +12000,7 @@
         <p:spPr>
           <a:xfrm flipH="1" flipV="1">
             <a:off x="0" y="275040"/>
-            <a:ext cx="11439720" cy="4365360"/>
+            <a:ext cx="11440080" cy="4365720"/>
           </a:xfrm>
           <a:prstGeom prst="straightConnector1">
             <a:avLst/>
@@ -10861,14 +12044,14 @@
       </p:grpSpPr>
       <p:sp>
         <p:nvSpPr>
-          <p:cNvPr id="120" name="Заголовок 5"/>
+          <p:cNvPr id="126" name="Заголовок 5"/>
           <p:cNvSpPr/>
           <p:nvPr/>
         </p:nvSpPr>
         <p:spPr>
           <a:xfrm>
             <a:off x="4452480" y="360000"/>
-            <a:ext cx="7739640" cy="1440000"/>
+            <a:ext cx="7739280" cy="1439640"/>
           </a:xfrm>
           <a:prstGeom prst="rect">
             <a:avLst/>
@@ -10895,7 +12078,7 @@
               </a:lnSpc>
             </a:pPr>
             <a:r>
-              <a:rPr b="0" lang="ru-RU" sz="2400" spc="145" strike="noStrike" cap="all">
+              <a:rPr b="0" lang="ru-RU" sz="2400" spc="143" strike="noStrike" cap="all">
                 <a:solidFill>
                   <a:schemeClr val="lt1"/>
                 </a:solidFill>
@@ -10924,6 +12107,11 @@
             </a:endParaRPr>
           </a:p>
           <a:p>
+            <a:pPr defTabSz="914400">
+              <a:lnSpc>
+                <a:spcPct val="100000"/>
+              </a:lnSpc>
+            </a:pPr>
             <a:r>
               <a:rPr b="0" lang="ru-RU" sz="2000" spc="-1" strike="noStrike">
                 <a:solidFill>
@@ -10944,7 +12132,7 @@
       </p:sp>
       <p:pic>
         <p:nvPicPr>
-          <p:cNvPr id="121" name="" descr=""/>
+          <p:cNvPr id="127" name="" descr=""/>
           <p:cNvPicPr/>
           <p:nvPr/>
         </p:nvPicPr>
@@ -10955,7 +12143,7 @@
         <p:spPr>
           <a:xfrm>
             <a:off x="15480" y="1827000"/>
-            <a:ext cx="10604520" cy="5030640"/>
+            <a:ext cx="10604160" cy="5030280"/>
           </a:xfrm>
           <a:prstGeom prst="rect">
             <a:avLst/>
@@ -10997,14 +12185,14 @@
       </p:grpSpPr>
       <p:sp>
         <p:nvSpPr>
-          <p:cNvPr id="122" name="Заголовок 6"/>
+          <p:cNvPr id="128" name="Заголовок 6"/>
           <p:cNvSpPr/>
           <p:nvPr/>
         </p:nvSpPr>
         <p:spPr>
           <a:xfrm>
             <a:off x="360360" y="5040360"/>
-            <a:ext cx="3959640" cy="1619640"/>
+            <a:ext cx="3959280" cy="1619280"/>
           </a:xfrm>
           <a:prstGeom prst="rect">
             <a:avLst/>
@@ -11031,7 +12219,7 @@
               </a:lnSpc>
             </a:pPr>
             <a:r>
-              <a:rPr b="0" lang="ru-RU" sz="2400" spc="145" strike="noStrike" cap="all">
+              <a:rPr b="0" lang="ru-RU" sz="2400" spc="143" strike="noStrike" cap="all">
                 <a:solidFill>
                   <a:schemeClr val="dk1"/>
                 </a:solidFill>
@@ -11060,6 +12248,11 @@
             </a:endParaRPr>
           </a:p>
           <a:p>
+            <a:pPr defTabSz="914400">
+              <a:lnSpc>
+                <a:spcPct val="100000"/>
+              </a:lnSpc>
+            </a:pPr>
             <a:r>
               <a:rPr b="0" lang="ru-RU" sz="2000" spc="-1" strike="noStrike">
                 <a:solidFill>
@@ -11080,7 +12273,7 @@
       </p:sp>
       <p:sp>
         <p:nvSpPr>
-          <p:cNvPr id="123" name=""/>
+          <p:cNvPr id="129" name=""/>
           <p:cNvSpPr/>
           <p:nvPr/>
         </p:nvSpPr>
@@ -11120,7 +12313,7 @@
       </p:sp>
       <p:pic>
         <p:nvPicPr>
-          <p:cNvPr id="124" name="" descr=""/>
+          <p:cNvPr id="130" name="" descr=""/>
           <p:cNvPicPr/>
           <p:nvPr/>
         </p:nvPicPr>
@@ -11131,7 +12324,7 @@
         <p:spPr>
           <a:xfrm>
             <a:off x="360" y="0"/>
-            <a:ext cx="10316160" cy="4859640"/>
+            <a:ext cx="10315800" cy="4859280"/>
           </a:xfrm>
           <a:prstGeom prst="rect">
             <a:avLst/>
@@ -11173,7 +12366,7 @@
       </p:grpSpPr>
       <p:sp>
         <p:nvSpPr>
-          <p:cNvPr id="125" name=""/>
+          <p:cNvPr id="131" name=""/>
           <p:cNvSpPr/>
           <p:nvPr/>
         </p:nvSpPr>
@@ -11213,7 +12406,7 @@
       </p:sp>
       <p:sp>
         <p:nvSpPr>
-          <p:cNvPr id="126" name=""/>
+          <p:cNvPr id="132" name=""/>
           <p:cNvSpPr/>
           <p:nvPr/>
         </p:nvSpPr>
@@ -11253,7 +12446,7 @@
       </p:sp>
       <p:pic>
         <p:nvPicPr>
-          <p:cNvPr id="127" name="" descr=""/>
+          <p:cNvPr id="133" name="" descr=""/>
           <p:cNvPicPr/>
           <p:nvPr/>
         </p:nvPicPr>
@@ -11264,7 +12457,7 @@
         <p:spPr>
           <a:xfrm>
             <a:off x="0" y="-11520"/>
-            <a:ext cx="10259640" cy="4856760"/>
+            <a:ext cx="10259280" cy="4856400"/>
           </a:xfrm>
           <a:prstGeom prst="rect">
             <a:avLst/>
@@ -11276,14 +12469,14 @@
       </p:pic>
       <p:sp>
         <p:nvSpPr>
-          <p:cNvPr id="128" name="Заголовок 2"/>
+          <p:cNvPr id="134" name="Заголовок 2"/>
           <p:cNvSpPr/>
           <p:nvPr/>
         </p:nvSpPr>
         <p:spPr>
           <a:xfrm>
             <a:off x="360000" y="5040000"/>
-            <a:ext cx="3780000" cy="1440000"/>
+            <a:ext cx="3779640" cy="1439640"/>
           </a:xfrm>
           <a:prstGeom prst="rect">
             <a:avLst/>
@@ -11310,7 +12503,7 @@
               </a:lnSpc>
             </a:pPr>
             <a:r>
-              <a:rPr b="0" lang="ru-RU" sz="2400" spc="145" strike="noStrike" cap="all">
+              <a:rPr b="0" lang="ru-RU" sz="2400" spc="143" strike="noStrike" cap="all">
                 <a:solidFill>
                   <a:schemeClr val="dk1"/>
                 </a:solidFill>
@@ -11339,6 +12532,11 @@
             </a:endParaRPr>
           </a:p>
           <a:p>
+            <a:pPr defTabSz="914400">
+              <a:lnSpc>
+                <a:spcPct val="100000"/>
+              </a:lnSpc>
+            </a:pPr>
             <a:r>
               <a:rPr b="0" lang="ru-RU" sz="2000" spc="-1" strike="noStrike">
                 <a:solidFill>
@@ -11389,315 +12587,14 @@
       </p:grpSpPr>
       <p:sp>
         <p:nvSpPr>
-          <p:cNvPr id="129" name="PlaceHolder 1"/>
-          <p:cNvSpPr>
-            <a:spLocks noGrp="1"/>
-          </p:cNvSpPr>
-          <p:nvPr>
-            <p:ph type="title"/>
-          </p:nvPr>
-        </p:nvSpPr>
-        <p:spPr>
-          <a:xfrm>
-            <a:off x="720000" y="360000"/>
-            <a:ext cx="10799640" cy="2131560"/>
-          </a:xfrm>
-          <a:prstGeom prst="rect">
-            <a:avLst/>
-          </a:prstGeom>
-          <a:noFill/>
-          <a:ln w="0">
-            <a:noFill/>
-          </a:ln>
-        </p:spPr>
-        <p:txBody>
-          <a:bodyPr lIns="0" rIns="0" tIns="0" bIns="0" anchor="ctr">
-            <a:noAutofit/>
-          </a:bodyPr>
-          <a:p>
-            <a:pPr indent="0">
-              <a:lnSpc>
-                <a:spcPct val="100000"/>
-              </a:lnSpc>
-              <a:buNone/>
-              <a:tabLst>
-                <a:tab algn="l" pos="0"/>
-              </a:tabLst>
-            </a:pPr>
-            <a:r>
-              <a:rPr b="0" lang="ru-RU" sz="2400" spc="-1" strike="noStrike">
-                <a:solidFill>
-                  <a:schemeClr val="dk1"/>
-                </a:solidFill>
-                <a:latin typeface="Tenorite"/>
-              </a:rPr>
-              <a:t>В разработке</a:t>
-            </a:r>
-            <a:r>
-              <a:rPr b="0" lang="ru-RU" sz="1800" spc="-1" strike="noStrike">
-                <a:solidFill>
-                  <a:schemeClr val="dk1"/>
-                </a:solidFill>
-                <a:latin typeface="Tenorite"/>
-              </a:rPr>
-              <a:t>:</a:t>
-            </a:r>
-            <a:endParaRPr b="0" lang="ru-RU" sz="1800" spc="-1" strike="noStrike">
-              <a:solidFill>
-                <a:srgbClr val="000000"/>
-              </a:solidFill>
-              <a:latin typeface="Arial"/>
-            </a:endParaRPr>
-          </a:p>
-        </p:txBody>
-      </p:sp>
-      <p:sp>
-        <p:nvSpPr>
-          <p:cNvPr id="130" name="PlaceHolder 2"/>
-          <p:cNvSpPr>
-            <a:spLocks noGrp="1"/>
-          </p:cNvSpPr>
-          <p:nvPr>
-            <p:ph/>
-          </p:nvPr>
-        </p:nvSpPr>
-        <p:spPr>
-          <a:xfrm>
-            <a:off x="720000" y="2492640"/>
-            <a:ext cx="3562920" cy="2007000"/>
-          </a:xfrm>
-          <a:prstGeom prst="rect">
-            <a:avLst/>
-          </a:prstGeom>
-          <a:noFill/>
-          <a:ln w="0">
-            <a:noFill/>
-          </a:ln>
-        </p:spPr>
-        <p:txBody>
-          <a:bodyPr lIns="0" rIns="0" tIns="0" bIns="0" anchor="t">
-            <a:normAutofit/>
-          </a:bodyPr>
-          <a:p>
-            <a:pPr marL="432000" indent="-324000">
-              <a:lnSpc>
-                <a:spcPct val="90000"/>
-              </a:lnSpc>
-              <a:spcBef>
-                <a:spcPts val="1417"/>
-              </a:spcBef>
-              <a:buClr>
-                <a:srgbClr val="000000"/>
-              </a:buClr>
-              <a:buSzPct val="45000"/>
-              <a:buFont typeface="Wingdings" charset="2"/>
-              <a:buChar char=""/>
-            </a:pPr>
-            <a:r>
-              <a:rPr b="0" lang="ru-RU" sz="2000" spc="-1" strike="noStrike">
-                <a:solidFill>
-                  <a:schemeClr val="dk1"/>
-                </a:solidFill>
-                <a:latin typeface="Arial"/>
-              </a:rPr>
-              <a:t>Модерация</a:t>
-            </a:r>
-            <a:endParaRPr b="0" lang="ru-RU" sz="2000" spc="-1" strike="noStrike">
-              <a:solidFill>
-                <a:srgbClr val="000000"/>
-              </a:solidFill>
-              <a:latin typeface="Arial"/>
-            </a:endParaRPr>
-          </a:p>
-        </p:txBody>
-      </p:sp>
-      <p:sp>
-        <p:nvSpPr>
-          <p:cNvPr id="131" name="PlaceHolder 3"/>
-          <p:cNvSpPr>
-            <a:spLocks noGrp="1"/>
-          </p:cNvSpPr>
-          <p:nvPr>
-            <p:ph/>
-          </p:nvPr>
-        </p:nvSpPr>
-        <p:spPr>
-          <a:xfrm>
-            <a:off x="4298040" y="2493000"/>
-            <a:ext cx="3726720" cy="2007000"/>
-          </a:xfrm>
-          <a:prstGeom prst="rect">
-            <a:avLst/>
-          </a:prstGeom>
-          <a:noFill/>
-          <a:ln w="0">
-            <a:noFill/>
-          </a:ln>
-        </p:spPr>
-        <p:txBody>
-          <a:bodyPr lIns="0" rIns="0" tIns="0" bIns="0" anchor="t">
-            <a:normAutofit/>
-          </a:bodyPr>
-          <a:p>
-            <a:pPr marL="432000" indent="-324000">
-              <a:lnSpc>
-                <a:spcPct val="90000"/>
-              </a:lnSpc>
-              <a:spcBef>
-                <a:spcPts val="1417"/>
-              </a:spcBef>
-              <a:buClr>
-                <a:srgbClr val="000000"/>
-              </a:buClr>
-              <a:buSzPct val="45000"/>
-              <a:buFont typeface="Wingdings" charset="2"/>
-              <a:buChar char=""/>
-            </a:pPr>
-            <a:r>
-              <a:rPr b="0" lang="ru-RU" sz="2000" spc="-1" strike="noStrike">
-                <a:solidFill>
-                  <a:schemeClr val="dk1"/>
-                </a:solidFill>
-                <a:latin typeface="Arial"/>
-              </a:rPr>
-              <a:t>Защита авторских прав</a:t>
-            </a:r>
-            <a:endParaRPr b="0" lang="ru-RU" sz="2000" spc="-1" strike="noStrike">
-              <a:solidFill>
-                <a:srgbClr val="000000"/>
-              </a:solidFill>
-              <a:latin typeface="Arial"/>
-            </a:endParaRPr>
-          </a:p>
-        </p:txBody>
-      </p:sp>
-      <p:sp>
-        <p:nvSpPr>
-          <p:cNvPr id="132" name="PlaceHolder 4"/>
-          <p:cNvSpPr>
-            <a:spLocks noGrp="1"/>
-          </p:cNvSpPr>
-          <p:nvPr>
-            <p:ph/>
-          </p:nvPr>
-        </p:nvSpPr>
-        <p:spPr>
-          <a:xfrm>
-            <a:off x="8024760" y="2492640"/>
-            <a:ext cx="3476880" cy="2007000"/>
-          </a:xfrm>
-          <a:prstGeom prst="rect">
-            <a:avLst/>
-          </a:prstGeom>
-          <a:noFill/>
-          <a:ln w="0">
-            <a:noFill/>
-          </a:ln>
-        </p:spPr>
-        <p:txBody>
-          <a:bodyPr lIns="0" rIns="0" tIns="0" bIns="0" anchor="t">
-            <a:normAutofit/>
-          </a:bodyPr>
-          <a:p>
-            <a:pPr marL="432000" indent="-324000">
-              <a:lnSpc>
-                <a:spcPct val="90000"/>
-              </a:lnSpc>
-              <a:spcBef>
-                <a:spcPts val="1417"/>
-              </a:spcBef>
-              <a:buClr>
-                <a:srgbClr val="000000"/>
-              </a:buClr>
-              <a:buSzPct val="45000"/>
-              <a:buFont typeface="Wingdings" charset="2"/>
-              <a:buChar char=""/>
-            </a:pPr>
-            <a:r>
-              <a:rPr b="0" lang="ru-RU" sz="2000" spc="-1" strike="noStrike">
-                <a:solidFill>
-                  <a:schemeClr val="dk1"/>
-                </a:solidFill>
-                <a:latin typeface="Arial"/>
-              </a:rPr>
-              <a:t>Страницы пользователей</a:t>
-            </a:r>
-            <a:endParaRPr b="0" lang="ru-RU" sz="2000" spc="-1" strike="noStrike">
-              <a:solidFill>
-                <a:srgbClr val="000000"/>
-              </a:solidFill>
-              <a:latin typeface="Arial"/>
-            </a:endParaRPr>
-          </a:p>
-        </p:txBody>
-      </p:sp>
-      <p:sp>
-        <p:nvSpPr>
-          <p:cNvPr id="133" name="PlaceHolder 5"/>
-          <p:cNvSpPr>
-            <a:spLocks noGrp="1"/>
-          </p:cNvSpPr>
-          <p:nvPr>
-            <p:ph/>
-          </p:nvPr>
-        </p:nvSpPr>
-        <p:spPr>
-          <a:xfrm>
-            <a:off x="720000" y="4499640"/>
-            <a:ext cx="3562920" cy="1979640"/>
-          </a:xfrm>
-          <a:prstGeom prst="rect">
-            <a:avLst/>
-          </a:prstGeom>
-          <a:noFill/>
-          <a:ln w="0">
-            <a:noFill/>
-          </a:ln>
-        </p:spPr>
-        <p:txBody>
-          <a:bodyPr lIns="0" rIns="0" tIns="0" bIns="0" anchor="t">
-            <a:normAutofit/>
-          </a:bodyPr>
-          <a:p>
-            <a:pPr marL="432000" indent="-324000">
-              <a:spcBef>
-                <a:spcPts val="1417"/>
-              </a:spcBef>
-              <a:buClr>
-                <a:srgbClr val="000000"/>
-              </a:buClr>
-              <a:buSzPct val="45000"/>
-              <a:buFont typeface="Wingdings" charset="2"/>
-              <a:buChar char=""/>
-            </a:pPr>
-            <a:r>
-              <a:rPr b="0" lang="ru-RU" sz="2000" spc="-1" strike="noStrike">
-                <a:solidFill>
-                  <a:srgbClr val="000000"/>
-                </a:solidFill>
-                <a:latin typeface="Arial"/>
-              </a:rPr>
-              <a:t>Загрузка цельных файлов книг</a:t>
-            </a:r>
-            <a:endParaRPr b="0" lang="ru-RU" sz="2000" spc="-1" strike="noStrike">
-              <a:solidFill>
-                <a:srgbClr val="000000"/>
-              </a:solidFill>
-              <a:latin typeface="Arial"/>
-            </a:endParaRPr>
-          </a:p>
-        </p:txBody>
-      </p:sp>
-      <p:sp>
-        <p:nvSpPr>
-          <p:cNvPr id="134" name=""/>
+          <p:cNvPr id="135" name=""/>
           <p:cNvSpPr/>
           <p:nvPr/>
         </p:nvSpPr>
         <p:spPr>
           <a:xfrm flipV="1">
-            <a:off x="0" y="900000"/>
-            <a:ext cx="5760000" cy="5958000"/>
+            <a:off x="1800000" y="900000"/>
+            <a:ext cx="2700000" cy="6120000"/>
           </a:xfrm>
           <a:prstGeom prst="line">
             <a:avLst/>
@@ -11730,71 +12627,14 @@
       </p:sp>
       <p:sp>
         <p:nvSpPr>
-          <p:cNvPr id="135" name="PlaceHolder 6"/>
-          <p:cNvSpPr>
-            <a:spLocks noGrp="1"/>
-          </p:cNvSpPr>
-          <p:nvPr>
-            <p:ph/>
-          </p:nvPr>
-        </p:nvSpPr>
-        <p:spPr>
-          <a:xfrm>
-            <a:off x="4320000" y="4500000"/>
-            <a:ext cx="3717000" cy="1979640"/>
-          </a:xfrm>
-          <a:prstGeom prst="rect">
-            <a:avLst/>
-          </a:prstGeom>
-          <a:noFill/>
-          <a:ln w="0">
-            <a:noFill/>
-          </a:ln>
-        </p:spPr>
-        <p:txBody>
-          <a:bodyPr lIns="0" rIns="0" tIns="0" bIns="0" anchor="t">
-            <a:normAutofit/>
-          </a:bodyPr>
-          <a:p>
-            <a:pPr marL="432000" indent="-324000">
-              <a:spcBef>
-                <a:spcPts val="1417"/>
-              </a:spcBef>
-              <a:buClr>
-                <a:srgbClr val="000000"/>
-              </a:buClr>
-              <a:buSzPct val="45000"/>
-              <a:buFont typeface="Wingdings" charset="2"/>
-              <a:buChar char=""/>
-            </a:pPr>
-            <a:r>
-              <a:rPr b="0" lang="ru-RU" sz="2000" spc="-1" strike="noStrike">
-                <a:solidFill>
-                  <a:srgbClr val="000000"/>
-                </a:solidFill>
-                <a:latin typeface="Arial"/>
-              </a:rPr>
-              <a:t>Создание коллекций</a:t>
-            </a:r>
-            <a:endParaRPr b="0" lang="ru-RU" sz="2000" spc="-1" strike="noStrike">
-              <a:solidFill>
-                <a:srgbClr val="000000"/>
-              </a:solidFill>
-              <a:latin typeface="Arial"/>
-            </a:endParaRPr>
-          </a:p>
-        </p:txBody>
-      </p:sp>
-      <p:sp>
-        <p:nvSpPr>
           <p:cNvPr id="136" name=""/>
           <p:cNvSpPr/>
           <p:nvPr/>
         </p:nvSpPr>
         <p:spPr>
-          <a:xfrm flipH="1" flipV="1">
-            <a:off x="6480000" y="-360000"/>
-            <a:ext cx="2160000" cy="7200000"/>
+          <a:xfrm>
+            <a:off x="0" y="0"/>
+            <a:ext cx="2700000" cy="7020000"/>
           </a:xfrm>
           <a:prstGeom prst="line">
             <a:avLst/>
@@ -11827,18 +12667,18 @@
       </p:sp>
       <p:sp>
         <p:nvSpPr>
-          <p:cNvPr id="137" name="PlaceHolder 7"/>
+          <p:cNvPr id="137" name="PlaceHolder 1"/>
           <p:cNvSpPr>
             <a:spLocks noGrp="1"/>
           </p:cNvSpPr>
           <p:nvPr>
-            <p:ph/>
+            <p:ph type="title"/>
           </p:nvPr>
         </p:nvSpPr>
         <p:spPr>
           <a:xfrm>
-            <a:off x="8037000" y="4500000"/>
-            <a:ext cx="3482640" cy="1979640"/>
+            <a:off x="218520" y="207720"/>
+            <a:ext cx="3741480" cy="2132280"/>
           </a:xfrm>
           <a:prstGeom prst="rect">
             <a:avLst/>
@@ -11849,31 +12689,29 @@
           </a:ln>
         </p:spPr>
         <p:txBody>
-          <a:bodyPr lIns="0" rIns="0" tIns="0" bIns="0" anchor="t">
-            <a:normAutofit/>
+          <a:bodyPr lIns="0" rIns="0" tIns="0" bIns="0" anchor="ctr">
+            <a:noAutofit/>
           </a:bodyPr>
           <a:p>
-            <a:pPr marL="432000" indent="-324000">
-              <a:spcBef>
-                <a:spcPts val="1417"/>
-              </a:spcBef>
-              <a:buClr>
-                <a:srgbClr val="000000"/>
-              </a:buClr>
-              <a:buSzPct val="45000"/>
-              <a:buFont typeface="Wingdings" charset="2"/>
-              <a:buChar char=""/>
+            <a:pPr indent="0" algn="ctr">
+              <a:lnSpc>
+                <a:spcPct val="100000"/>
+              </a:lnSpc>
+              <a:buNone/>
+              <a:tabLst>
+                <a:tab algn="l" pos="0"/>
+              </a:tabLst>
             </a:pPr>
             <a:r>
-              <a:rPr b="0" lang="ru-RU" sz="2000" spc="-1" strike="noStrike">
+              <a:rPr b="0" lang="ru-RU" sz="2400" spc="-1" strike="noStrike">
                 <a:solidFill>
                   <a:srgbClr val="000000"/>
                 </a:solidFill>
                 <a:latin typeface="Arial"/>
               </a:rPr>
-              <a:t>Расширение функционала</a:t>
+              <a:t>Схема базы данных:</a:t>
             </a:r>
-            <a:endParaRPr b="0" lang="ru-RU" sz="2000" spc="-1" strike="noStrike">
+            <a:endParaRPr b="0" lang="ru-RU" sz="2400" spc="-1" strike="noStrike">
               <a:solidFill>
                 <a:srgbClr val="000000"/>
               </a:solidFill>
@@ -11882,6 +12720,29 @@
           </a:p>
         </p:txBody>
       </p:sp>
+      <p:pic>
+        <p:nvPicPr>
+          <p:cNvPr id="138" name="" descr=""/>
+          <p:cNvPicPr/>
+          <p:nvPr/>
+        </p:nvPicPr>
+        <p:blipFill>
+          <a:blip r:embed="rId1"/>
+          <a:stretch/>
+        </p:blipFill>
+        <p:spPr>
+          <a:xfrm>
+            <a:off x="5299920" y="217440"/>
+            <a:ext cx="6220080" cy="6448680"/>
+          </a:xfrm>
+          <a:prstGeom prst="rect">
+            <a:avLst/>
+          </a:prstGeom>
+          <a:ln w="0">
+            <a:noFill/>
+          </a:ln>
+        </p:spPr>
+      </p:pic>
     </p:spTree>
   </p:cSld>
   <mc:AlternateContent>
@@ -13444,6 +14305,178 @@
 </file>
 
 <file path=ppt/theme/theme18.xml><?xml version="1.0" encoding="utf-8"?>
+<a:theme xmlns:a="http://schemas.openxmlformats.org/drawingml/2006/main" xmlns:r="http://schemas.openxmlformats.org/officeDocument/2006/relationships" name="Тема Office">
+  <a:themeElements>
+    <a:clrScheme name="Custom 149">
+      <a:dk1>
+        <a:srgbClr val="000000"/>
+      </a:dk1>
+      <a:lt1>
+        <a:srgbClr val="ffffff"/>
+      </a:lt1>
+      <a:dk2>
+        <a:srgbClr val="44546a"/>
+      </a:dk2>
+      <a:lt2>
+        <a:srgbClr val="e7e6e6"/>
+      </a:lt2>
+      <a:accent1>
+        <a:srgbClr val="e9e6df"/>
+      </a:accent1>
+      <a:accent2>
+        <a:srgbClr val="ed7d31"/>
+      </a:accent2>
+      <a:accent3>
+        <a:srgbClr val="a5a5a5"/>
+      </a:accent3>
+      <a:accent4>
+        <a:srgbClr val="ffc000"/>
+      </a:accent4>
+      <a:accent5>
+        <a:srgbClr val="5b9bd5"/>
+      </a:accent5>
+      <a:accent6>
+        <a:srgbClr val="70ad47"/>
+      </a:accent6>
+      <a:hlink>
+        <a:srgbClr val="0563c1"/>
+      </a:hlink>
+      <a:folHlink>
+        <a:srgbClr val="954f72"/>
+      </a:folHlink>
+    </a:clrScheme>
+    <a:fontScheme name="Custom 56">
+      <a:majorFont>
+        <a:latin typeface="Tenorite" pitchFamily="0" charset="1"/>
+        <a:ea typeface=""/>
+        <a:cs typeface="Arial" pitchFamily="0" charset="1"/>
+      </a:majorFont>
+      <a:minorFont>
+        <a:latin typeface="Tenorite" pitchFamily="0" charset="1"/>
+        <a:ea typeface=""/>
+        <a:cs typeface="Arial" pitchFamily="0" charset="1"/>
+      </a:minorFont>
+    </a:fontScheme>
+    <a:fmtScheme>
+      <a:fillStyleLst>
+        <a:solidFill>
+          <a:schemeClr val="phClr"/>
+        </a:solidFill>
+        <a:gradFill>
+          <a:gsLst>
+            <a:gs pos="0">
+              <a:schemeClr val="phClr">
+                <a:lumMod val="110000"/>
+                <a:tint val="67000"/>
+              </a:schemeClr>
+            </a:gs>
+            <a:gs pos="50000">
+              <a:schemeClr val="phClr">
+                <a:lumMod val="105000"/>
+                <a:tint val="73000"/>
+              </a:schemeClr>
+            </a:gs>
+            <a:gs pos="100000">
+              <a:schemeClr val="phClr">
+                <a:lumMod val="105000"/>
+                <a:tint val="81000"/>
+              </a:schemeClr>
+            </a:gs>
+          </a:gsLst>
+          <a:lin ang="5400000" scaled="0"/>
+          <a:tileRect l="0" t="0" r="0" b="0"/>
+        </a:gradFill>
+        <a:gradFill>
+          <a:gsLst>
+            <a:gs pos="0">
+              <a:schemeClr val="phClr">
+                <a:lumMod val="102000"/>
+                <a:tint val="94000"/>
+              </a:schemeClr>
+            </a:gs>
+            <a:gs pos="50000">
+              <a:schemeClr val="phClr">
+                <a:lumMod val="100000"/>
+                <a:shade val="100000"/>
+              </a:schemeClr>
+            </a:gs>
+            <a:gs pos="100000">
+              <a:schemeClr val="phClr">
+                <a:lumMod val="99000"/>
+                <a:shade val="78000"/>
+              </a:schemeClr>
+            </a:gs>
+          </a:gsLst>
+          <a:lin ang="5400000" scaled="0"/>
+          <a:tileRect l="0" t="0" r="0" b="0"/>
+        </a:gradFill>
+      </a:fillStyleLst>
+      <a:lnStyleLst>
+        <a:ln w="6350" cap="flat" cmpd="sng" algn="ctr">
+          <a:prstDash val="solid"/>
+          <a:miter lim="800000"/>
+        </a:ln>
+        <a:ln w="12700" cap="flat" cmpd="sng" algn="ctr">
+          <a:prstDash val="solid"/>
+          <a:miter lim="800000"/>
+        </a:ln>
+        <a:ln w="19050" cap="flat" cmpd="sng" algn="ctr">
+          <a:prstDash val="solid"/>
+          <a:miter lim="800000"/>
+        </a:ln>
+      </a:lnStyleLst>
+      <a:effectStyleLst>
+        <a:effectStyle>
+          <a:effectLst/>
+        </a:effectStyle>
+        <a:effectStyle>
+          <a:effectLst/>
+        </a:effectStyle>
+        <a:effectStyle>
+          <a:effectLst/>
+        </a:effectStyle>
+      </a:effectStyleLst>
+      <a:bgFillStyleLst>
+        <a:solidFill>
+          <a:schemeClr val="phClr"/>
+        </a:solidFill>
+        <a:solidFill>
+          <a:schemeClr val="phClr">
+            <a:tint val="95000"/>
+          </a:schemeClr>
+        </a:solidFill>
+        <a:gradFill>
+          <a:gsLst>
+            <a:gs pos="0">
+              <a:schemeClr val="phClr">
+                <a:tint val="93000"/>
+                <a:shade val="98000"/>
+                <a:lumMod val="102000"/>
+              </a:schemeClr>
+            </a:gs>
+            <a:gs pos="50000">
+              <a:schemeClr val="phClr">
+                <a:tint val="98000"/>
+                <a:shade val="90000"/>
+                <a:lumMod val="103000"/>
+              </a:schemeClr>
+            </a:gs>
+            <a:gs pos="100000">
+              <a:schemeClr val="phClr">
+                <a:shade val="63000"/>
+              </a:schemeClr>
+            </a:gs>
+          </a:gsLst>
+          <a:lin ang="5400000" scaled="0"/>
+          <a:tileRect l="0" t="0" r="0" b="0"/>
+        </a:gradFill>
+      </a:bgFillStyleLst>
+    </a:fmtScheme>
+  </a:themeElements>
+</a:theme>
+</file>
+
+<file path=ppt/theme/theme19.xml><?xml version="1.0" encoding="utf-8"?>
 <a:theme xmlns:a="http://schemas.openxmlformats.org/drawingml/2006/main" xmlns:r="http://schemas.openxmlformats.org/officeDocument/2006/relationships" name="Office Theme">
   <a:themeElements>
     <a:clrScheme name="LibreOffice">
